--- a/AA_Management/10_Point_Projet/2019_05_29.pptx
+++ b/AA_Management/10_Point_Projet/2019_05_29.pptx
@@ -242,11 +242,8 @@
     </a:lvl9pPr>
   </p:defaultTextStyle>
   <p:extLst>
-    <p:ext uri="{EFAFB233-063F-42B5-8137-9DF3F51BA10A}">
-      <p15:sldGuideLst xmlns:p15="http://schemas.microsoft.com/office/powerpoint/2012/main"/>
-    </p:ext>
     <p:ext uri="http://customooxmlschemas.google.com/">
-      <go:slidesCustomData xmlns="" xmlns:mc="http://schemas.openxmlformats.org/markup-compatibility/2006" xmlns:mv="urn:schemas-microsoft-com:mac:vml" xmlns:c="http://schemas.openxmlformats.org/drawingml/2006/chart" xmlns:dgm="http://schemas.openxmlformats.org/drawingml/2006/diagram" xmlns:o="urn:schemas-microsoft-com:office:office" xmlns:v="urn:schemas-microsoft-com:vml" xmlns:pvml="urn:schemas-microsoft-com:office:powerpoint" xmlns:com="http://schemas.openxmlformats.org/drawingml/2006/compatibility" xmlns:p14="http://schemas.microsoft.com/office/powerpoint/2010/main" xmlns:p15="http://schemas.microsoft.com/office/powerpoint/2012/main" xmlns:go="http://customooxmlschemas.google.com/" r:id="rId7" roundtripDataSignature="AMtx7miUf27MDdlUYQLNECuZKhsi2S4Pkw=="/>
+      <go:slidesCustomData xmlns:go="http://customooxmlschemas.google.com/" xmlns:p15="http://schemas.microsoft.com/office/powerpoint/2012/main" xmlns:p14="http://schemas.microsoft.com/office/powerpoint/2010/main" xmlns:com="http://schemas.openxmlformats.org/drawingml/2006/compatibility" xmlns:pvml="urn:schemas-microsoft-com:office:powerpoint" xmlns:v="urn:schemas-microsoft-com:vml" xmlns:o="urn:schemas-microsoft-com:office:office" xmlns:dgm="http://schemas.openxmlformats.org/drawingml/2006/diagram" xmlns:c="http://schemas.openxmlformats.org/drawingml/2006/chart" xmlns:mv="urn:schemas-microsoft-com:mac:vml" xmlns:mc="http://schemas.openxmlformats.org/markup-compatibility/2006" xmlns="" r:id="rId6" roundtripDataSignature="AMtx7mgTERdN6dN4bzsi7f4l877tcsHvSQ=="/>
     </p:ext>
   </p:extLst>
 </p:presentation>
@@ -304,13 +301,20 @@
           <a:bodyPr spcFirstLastPara="1" wrap="square" lIns="91425" tIns="45700" rIns="91425" bIns="45700" anchor="t" anchorCtr="0"/>
           <a:lstStyle>
             <a:lvl1pPr marR="0" lvl="0" algn="l" rtl="0">
-              <a:spcBef>
-                <a:spcPts val="0"/>
-              </a:spcBef>
-              <a:spcAft>
-                <a:spcPts val="0"/>
-              </a:spcAft>
-              <a:buSzPts val="1400"/>
+              <a:lnSpc>
+                <a:spcPct val="100000"/>
+              </a:lnSpc>
+              <a:spcBef>
+                <a:spcPts val="0"/>
+              </a:spcBef>
+              <a:spcAft>
+                <a:spcPts val="0"/>
+              </a:spcAft>
+              <a:buClr>
+                <a:srgbClr val="000000"/>
+              </a:buClr>
+              <a:buSzPts val="1400"/>
+              <a:buFont typeface="Arial"/>
               <a:buNone/>
               <a:defRPr sz="1200" b="0" i="0" u="none" strike="noStrike" cap="none">
                 <a:solidFill>
@@ -323,13 +327,20 @@
               </a:defRPr>
             </a:lvl1pPr>
             <a:lvl2pPr marR="0" lvl="1" algn="l" rtl="0">
-              <a:spcBef>
-                <a:spcPts val="0"/>
-              </a:spcBef>
-              <a:spcAft>
-                <a:spcPts val="0"/>
-              </a:spcAft>
-              <a:buSzPts val="1400"/>
+              <a:lnSpc>
+                <a:spcPct val="100000"/>
+              </a:lnSpc>
+              <a:spcBef>
+                <a:spcPts val="0"/>
+              </a:spcBef>
+              <a:spcAft>
+                <a:spcPts val="0"/>
+              </a:spcAft>
+              <a:buClr>
+                <a:srgbClr val="000000"/>
+              </a:buClr>
+              <a:buSzPts val="1400"/>
+              <a:buFont typeface="Arial"/>
               <a:buNone/>
               <a:defRPr sz="1800" b="0" i="0" u="none" strike="noStrike" cap="none">
                 <a:solidFill>
@@ -342,13 +353,20 @@
               </a:defRPr>
             </a:lvl2pPr>
             <a:lvl3pPr marR="0" lvl="2" algn="l" rtl="0">
-              <a:spcBef>
-                <a:spcPts val="0"/>
-              </a:spcBef>
-              <a:spcAft>
-                <a:spcPts val="0"/>
-              </a:spcAft>
-              <a:buSzPts val="1400"/>
+              <a:lnSpc>
+                <a:spcPct val="100000"/>
+              </a:lnSpc>
+              <a:spcBef>
+                <a:spcPts val="0"/>
+              </a:spcBef>
+              <a:spcAft>
+                <a:spcPts val="0"/>
+              </a:spcAft>
+              <a:buClr>
+                <a:srgbClr val="000000"/>
+              </a:buClr>
+              <a:buSzPts val="1400"/>
+              <a:buFont typeface="Arial"/>
               <a:buNone/>
               <a:defRPr sz="1800" b="0" i="0" u="none" strike="noStrike" cap="none">
                 <a:solidFill>
@@ -361,13 +379,20 @@
               </a:defRPr>
             </a:lvl3pPr>
             <a:lvl4pPr marR="0" lvl="3" algn="l" rtl="0">
-              <a:spcBef>
-                <a:spcPts val="0"/>
-              </a:spcBef>
-              <a:spcAft>
-                <a:spcPts val="0"/>
-              </a:spcAft>
-              <a:buSzPts val="1400"/>
+              <a:lnSpc>
+                <a:spcPct val="100000"/>
+              </a:lnSpc>
+              <a:spcBef>
+                <a:spcPts val="0"/>
+              </a:spcBef>
+              <a:spcAft>
+                <a:spcPts val="0"/>
+              </a:spcAft>
+              <a:buClr>
+                <a:srgbClr val="000000"/>
+              </a:buClr>
+              <a:buSzPts val="1400"/>
+              <a:buFont typeface="Arial"/>
               <a:buNone/>
               <a:defRPr sz="1800" b="0" i="0" u="none" strike="noStrike" cap="none">
                 <a:solidFill>
@@ -380,13 +405,20 @@
               </a:defRPr>
             </a:lvl4pPr>
             <a:lvl5pPr marR="0" lvl="4" algn="l" rtl="0">
-              <a:spcBef>
-                <a:spcPts val="0"/>
-              </a:spcBef>
-              <a:spcAft>
-                <a:spcPts val="0"/>
-              </a:spcAft>
-              <a:buSzPts val="1400"/>
+              <a:lnSpc>
+                <a:spcPct val="100000"/>
+              </a:lnSpc>
+              <a:spcBef>
+                <a:spcPts val="0"/>
+              </a:spcBef>
+              <a:spcAft>
+                <a:spcPts val="0"/>
+              </a:spcAft>
+              <a:buClr>
+                <a:srgbClr val="000000"/>
+              </a:buClr>
+              <a:buSzPts val="1400"/>
+              <a:buFont typeface="Arial"/>
               <a:buNone/>
               <a:defRPr sz="1800" b="0" i="0" u="none" strike="noStrike" cap="none">
                 <a:solidFill>
@@ -399,13 +431,20 @@
               </a:defRPr>
             </a:lvl5pPr>
             <a:lvl6pPr marR="0" lvl="5" algn="l" rtl="0">
-              <a:spcBef>
-                <a:spcPts val="0"/>
-              </a:spcBef>
-              <a:spcAft>
-                <a:spcPts val="0"/>
-              </a:spcAft>
-              <a:buSzPts val="1400"/>
+              <a:lnSpc>
+                <a:spcPct val="100000"/>
+              </a:lnSpc>
+              <a:spcBef>
+                <a:spcPts val="0"/>
+              </a:spcBef>
+              <a:spcAft>
+                <a:spcPts val="0"/>
+              </a:spcAft>
+              <a:buClr>
+                <a:srgbClr val="000000"/>
+              </a:buClr>
+              <a:buSzPts val="1400"/>
+              <a:buFont typeface="Arial"/>
               <a:buNone/>
               <a:defRPr sz="1800" b="0" i="0" u="none" strike="noStrike" cap="none">
                 <a:solidFill>
@@ -418,13 +457,20 @@
               </a:defRPr>
             </a:lvl6pPr>
             <a:lvl7pPr marR="0" lvl="6" algn="l" rtl="0">
-              <a:spcBef>
-                <a:spcPts val="0"/>
-              </a:spcBef>
-              <a:spcAft>
-                <a:spcPts val="0"/>
-              </a:spcAft>
-              <a:buSzPts val="1400"/>
+              <a:lnSpc>
+                <a:spcPct val="100000"/>
+              </a:lnSpc>
+              <a:spcBef>
+                <a:spcPts val="0"/>
+              </a:spcBef>
+              <a:spcAft>
+                <a:spcPts val="0"/>
+              </a:spcAft>
+              <a:buClr>
+                <a:srgbClr val="000000"/>
+              </a:buClr>
+              <a:buSzPts val="1400"/>
+              <a:buFont typeface="Arial"/>
               <a:buNone/>
               <a:defRPr sz="1800" b="0" i="0" u="none" strike="noStrike" cap="none">
                 <a:solidFill>
@@ -437,13 +483,20 @@
               </a:defRPr>
             </a:lvl7pPr>
             <a:lvl8pPr marR="0" lvl="7" algn="l" rtl="0">
-              <a:spcBef>
-                <a:spcPts val="0"/>
-              </a:spcBef>
-              <a:spcAft>
-                <a:spcPts val="0"/>
-              </a:spcAft>
-              <a:buSzPts val="1400"/>
+              <a:lnSpc>
+                <a:spcPct val="100000"/>
+              </a:lnSpc>
+              <a:spcBef>
+                <a:spcPts val="0"/>
+              </a:spcBef>
+              <a:spcAft>
+                <a:spcPts val="0"/>
+              </a:spcAft>
+              <a:buClr>
+                <a:srgbClr val="000000"/>
+              </a:buClr>
+              <a:buSzPts val="1400"/>
+              <a:buFont typeface="Arial"/>
               <a:buNone/>
               <a:defRPr sz="1800" b="0" i="0" u="none" strike="noStrike" cap="none">
                 <a:solidFill>
@@ -456,13 +509,20 @@
               </a:defRPr>
             </a:lvl8pPr>
             <a:lvl9pPr marR="0" lvl="8" algn="l" rtl="0">
-              <a:spcBef>
-                <a:spcPts val="0"/>
-              </a:spcBef>
-              <a:spcAft>
-                <a:spcPts val="0"/>
-              </a:spcAft>
-              <a:buSzPts val="1400"/>
+              <a:lnSpc>
+                <a:spcPct val="100000"/>
+              </a:lnSpc>
+              <a:spcBef>
+                <a:spcPts val="0"/>
+              </a:spcBef>
+              <a:spcAft>
+                <a:spcPts val="0"/>
+              </a:spcAft>
+              <a:buClr>
+                <a:srgbClr val="000000"/>
+              </a:buClr>
+              <a:buSzPts val="1400"/>
+              <a:buFont typeface="Arial"/>
               <a:buNone/>
               <a:defRPr sz="1800" b="0" i="0" u="none" strike="noStrike" cap="none">
                 <a:solidFill>
@@ -507,13 +567,20 @@
           <a:bodyPr spcFirstLastPara="1" wrap="square" lIns="91425" tIns="45700" rIns="91425" bIns="45700" anchor="t" anchorCtr="0"/>
           <a:lstStyle>
             <a:lvl1pPr marR="0" lvl="0" algn="r" rtl="0">
-              <a:spcBef>
-                <a:spcPts val="0"/>
-              </a:spcBef>
-              <a:spcAft>
-                <a:spcPts val="0"/>
-              </a:spcAft>
-              <a:buSzPts val="1400"/>
+              <a:lnSpc>
+                <a:spcPct val="100000"/>
+              </a:lnSpc>
+              <a:spcBef>
+                <a:spcPts val="0"/>
+              </a:spcBef>
+              <a:spcAft>
+                <a:spcPts val="0"/>
+              </a:spcAft>
+              <a:buClr>
+                <a:srgbClr val="000000"/>
+              </a:buClr>
+              <a:buSzPts val="1400"/>
+              <a:buFont typeface="Arial"/>
               <a:buNone/>
               <a:defRPr sz="1200" b="0" i="0" u="none" strike="noStrike" cap="none">
                 <a:solidFill>
@@ -526,13 +593,20 @@
               </a:defRPr>
             </a:lvl1pPr>
             <a:lvl2pPr marR="0" lvl="1" algn="l" rtl="0">
-              <a:spcBef>
-                <a:spcPts val="0"/>
-              </a:spcBef>
-              <a:spcAft>
-                <a:spcPts val="0"/>
-              </a:spcAft>
-              <a:buSzPts val="1400"/>
+              <a:lnSpc>
+                <a:spcPct val="100000"/>
+              </a:lnSpc>
+              <a:spcBef>
+                <a:spcPts val="0"/>
+              </a:spcBef>
+              <a:spcAft>
+                <a:spcPts val="0"/>
+              </a:spcAft>
+              <a:buClr>
+                <a:srgbClr val="000000"/>
+              </a:buClr>
+              <a:buSzPts val="1400"/>
+              <a:buFont typeface="Arial"/>
               <a:buNone/>
               <a:defRPr sz="1800" b="0" i="0" u="none" strike="noStrike" cap="none">
                 <a:solidFill>
@@ -545,13 +619,20 @@
               </a:defRPr>
             </a:lvl2pPr>
             <a:lvl3pPr marR="0" lvl="2" algn="l" rtl="0">
-              <a:spcBef>
-                <a:spcPts val="0"/>
-              </a:spcBef>
-              <a:spcAft>
-                <a:spcPts val="0"/>
-              </a:spcAft>
-              <a:buSzPts val="1400"/>
+              <a:lnSpc>
+                <a:spcPct val="100000"/>
+              </a:lnSpc>
+              <a:spcBef>
+                <a:spcPts val="0"/>
+              </a:spcBef>
+              <a:spcAft>
+                <a:spcPts val="0"/>
+              </a:spcAft>
+              <a:buClr>
+                <a:srgbClr val="000000"/>
+              </a:buClr>
+              <a:buSzPts val="1400"/>
+              <a:buFont typeface="Arial"/>
               <a:buNone/>
               <a:defRPr sz="1800" b="0" i="0" u="none" strike="noStrike" cap="none">
                 <a:solidFill>
@@ -564,13 +645,20 @@
               </a:defRPr>
             </a:lvl3pPr>
             <a:lvl4pPr marR="0" lvl="3" algn="l" rtl="0">
-              <a:spcBef>
-                <a:spcPts val="0"/>
-              </a:spcBef>
-              <a:spcAft>
-                <a:spcPts val="0"/>
-              </a:spcAft>
-              <a:buSzPts val="1400"/>
+              <a:lnSpc>
+                <a:spcPct val="100000"/>
+              </a:lnSpc>
+              <a:spcBef>
+                <a:spcPts val="0"/>
+              </a:spcBef>
+              <a:spcAft>
+                <a:spcPts val="0"/>
+              </a:spcAft>
+              <a:buClr>
+                <a:srgbClr val="000000"/>
+              </a:buClr>
+              <a:buSzPts val="1400"/>
+              <a:buFont typeface="Arial"/>
               <a:buNone/>
               <a:defRPr sz="1800" b="0" i="0" u="none" strike="noStrike" cap="none">
                 <a:solidFill>
@@ -583,13 +671,20 @@
               </a:defRPr>
             </a:lvl4pPr>
             <a:lvl5pPr marR="0" lvl="4" algn="l" rtl="0">
-              <a:spcBef>
-                <a:spcPts val="0"/>
-              </a:spcBef>
-              <a:spcAft>
-                <a:spcPts val="0"/>
-              </a:spcAft>
-              <a:buSzPts val="1400"/>
+              <a:lnSpc>
+                <a:spcPct val="100000"/>
+              </a:lnSpc>
+              <a:spcBef>
+                <a:spcPts val="0"/>
+              </a:spcBef>
+              <a:spcAft>
+                <a:spcPts val="0"/>
+              </a:spcAft>
+              <a:buClr>
+                <a:srgbClr val="000000"/>
+              </a:buClr>
+              <a:buSzPts val="1400"/>
+              <a:buFont typeface="Arial"/>
               <a:buNone/>
               <a:defRPr sz="1800" b="0" i="0" u="none" strike="noStrike" cap="none">
                 <a:solidFill>
@@ -602,13 +697,20 @@
               </a:defRPr>
             </a:lvl5pPr>
             <a:lvl6pPr marR="0" lvl="5" algn="l" rtl="0">
-              <a:spcBef>
-                <a:spcPts val="0"/>
-              </a:spcBef>
-              <a:spcAft>
-                <a:spcPts val="0"/>
-              </a:spcAft>
-              <a:buSzPts val="1400"/>
+              <a:lnSpc>
+                <a:spcPct val="100000"/>
+              </a:lnSpc>
+              <a:spcBef>
+                <a:spcPts val="0"/>
+              </a:spcBef>
+              <a:spcAft>
+                <a:spcPts val="0"/>
+              </a:spcAft>
+              <a:buClr>
+                <a:srgbClr val="000000"/>
+              </a:buClr>
+              <a:buSzPts val="1400"/>
+              <a:buFont typeface="Arial"/>
               <a:buNone/>
               <a:defRPr sz="1800" b="0" i="0" u="none" strike="noStrike" cap="none">
                 <a:solidFill>
@@ -621,13 +723,20 @@
               </a:defRPr>
             </a:lvl6pPr>
             <a:lvl7pPr marR="0" lvl="6" algn="l" rtl="0">
-              <a:spcBef>
-                <a:spcPts val="0"/>
-              </a:spcBef>
-              <a:spcAft>
-                <a:spcPts val="0"/>
-              </a:spcAft>
-              <a:buSzPts val="1400"/>
+              <a:lnSpc>
+                <a:spcPct val="100000"/>
+              </a:lnSpc>
+              <a:spcBef>
+                <a:spcPts val="0"/>
+              </a:spcBef>
+              <a:spcAft>
+                <a:spcPts val="0"/>
+              </a:spcAft>
+              <a:buClr>
+                <a:srgbClr val="000000"/>
+              </a:buClr>
+              <a:buSzPts val="1400"/>
+              <a:buFont typeface="Arial"/>
               <a:buNone/>
               <a:defRPr sz="1800" b="0" i="0" u="none" strike="noStrike" cap="none">
                 <a:solidFill>
@@ -640,13 +749,20 @@
               </a:defRPr>
             </a:lvl7pPr>
             <a:lvl8pPr marR="0" lvl="7" algn="l" rtl="0">
-              <a:spcBef>
-                <a:spcPts val="0"/>
-              </a:spcBef>
-              <a:spcAft>
-                <a:spcPts val="0"/>
-              </a:spcAft>
-              <a:buSzPts val="1400"/>
+              <a:lnSpc>
+                <a:spcPct val="100000"/>
+              </a:lnSpc>
+              <a:spcBef>
+                <a:spcPts val="0"/>
+              </a:spcBef>
+              <a:spcAft>
+                <a:spcPts val="0"/>
+              </a:spcAft>
+              <a:buClr>
+                <a:srgbClr val="000000"/>
+              </a:buClr>
+              <a:buSzPts val="1400"/>
+              <a:buFont typeface="Arial"/>
               <a:buNone/>
               <a:defRPr sz="1800" b="0" i="0" u="none" strike="noStrike" cap="none">
                 <a:solidFill>
@@ -659,13 +775,20 @@
               </a:defRPr>
             </a:lvl8pPr>
             <a:lvl9pPr marR="0" lvl="8" algn="l" rtl="0">
-              <a:spcBef>
-                <a:spcPts val="0"/>
-              </a:spcBef>
-              <a:spcAft>
-                <a:spcPts val="0"/>
-              </a:spcAft>
-              <a:buSzPts val="1400"/>
+              <a:lnSpc>
+                <a:spcPct val="100000"/>
+              </a:lnSpc>
+              <a:spcBef>
+                <a:spcPts val="0"/>
+              </a:spcBef>
+              <a:spcAft>
+                <a:spcPts val="0"/>
+              </a:spcAft>
+              <a:buClr>
+                <a:srgbClr val="000000"/>
+              </a:buClr>
+              <a:buSzPts val="1400"/>
+              <a:buFont typeface="Arial"/>
               <a:buNone/>
               <a:defRPr sz="1800" b="0" i="0" u="none" strike="noStrike" cap="none">
                 <a:solidFill>
@@ -761,13 +884,20 @@
           <a:bodyPr spcFirstLastPara="1" wrap="square" lIns="91425" tIns="45700" rIns="91425" bIns="45700" anchor="t" anchorCtr="0"/>
           <a:lstStyle>
             <a:lvl1pPr marL="457200" marR="0" lvl="0" indent="-228600" algn="l" rtl="0">
-              <a:spcBef>
-                <a:spcPts val="0"/>
-              </a:spcBef>
-              <a:spcAft>
-                <a:spcPts val="0"/>
-              </a:spcAft>
-              <a:buSzPts val="1400"/>
+              <a:lnSpc>
+                <a:spcPct val="100000"/>
+              </a:lnSpc>
+              <a:spcBef>
+                <a:spcPts val="0"/>
+              </a:spcBef>
+              <a:spcAft>
+                <a:spcPts val="0"/>
+              </a:spcAft>
+              <a:buClr>
+                <a:srgbClr val="000000"/>
+              </a:buClr>
+              <a:buSzPts val="1400"/>
+              <a:buFont typeface="Arial"/>
               <a:buNone/>
               <a:defRPr sz="1200" b="0" i="0" u="none" strike="noStrike" cap="none">
                 <a:solidFill>
@@ -780,13 +910,20 @@
               </a:defRPr>
             </a:lvl1pPr>
             <a:lvl2pPr marL="914400" marR="0" lvl="1" indent="-228600" algn="l" rtl="0">
-              <a:spcBef>
-                <a:spcPts val="0"/>
-              </a:spcBef>
-              <a:spcAft>
-                <a:spcPts val="0"/>
-              </a:spcAft>
-              <a:buSzPts val="1400"/>
+              <a:lnSpc>
+                <a:spcPct val="100000"/>
+              </a:lnSpc>
+              <a:spcBef>
+                <a:spcPts val="0"/>
+              </a:spcBef>
+              <a:spcAft>
+                <a:spcPts val="0"/>
+              </a:spcAft>
+              <a:buClr>
+                <a:srgbClr val="000000"/>
+              </a:buClr>
+              <a:buSzPts val="1400"/>
+              <a:buFont typeface="Arial"/>
               <a:buNone/>
               <a:defRPr sz="1200" b="0" i="0" u="none" strike="noStrike" cap="none">
                 <a:solidFill>
@@ -799,13 +936,20 @@
               </a:defRPr>
             </a:lvl2pPr>
             <a:lvl3pPr marL="1371600" marR="0" lvl="2" indent="-228600" algn="l" rtl="0">
-              <a:spcBef>
-                <a:spcPts val="0"/>
-              </a:spcBef>
-              <a:spcAft>
-                <a:spcPts val="0"/>
-              </a:spcAft>
-              <a:buSzPts val="1400"/>
+              <a:lnSpc>
+                <a:spcPct val="100000"/>
+              </a:lnSpc>
+              <a:spcBef>
+                <a:spcPts val="0"/>
+              </a:spcBef>
+              <a:spcAft>
+                <a:spcPts val="0"/>
+              </a:spcAft>
+              <a:buClr>
+                <a:srgbClr val="000000"/>
+              </a:buClr>
+              <a:buSzPts val="1400"/>
+              <a:buFont typeface="Arial"/>
               <a:buNone/>
               <a:defRPr sz="1200" b="0" i="0" u="none" strike="noStrike" cap="none">
                 <a:solidFill>
@@ -818,13 +962,20 @@
               </a:defRPr>
             </a:lvl3pPr>
             <a:lvl4pPr marL="1828800" marR="0" lvl="3" indent="-228600" algn="l" rtl="0">
-              <a:spcBef>
-                <a:spcPts val="0"/>
-              </a:spcBef>
-              <a:spcAft>
-                <a:spcPts val="0"/>
-              </a:spcAft>
-              <a:buSzPts val="1400"/>
+              <a:lnSpc>
+                <a:spcPct val="100000"/>
+              </a:lnSpc>
+              <a:spcBef>
+                <a:spcPts val="0"/>
+              </a:spcBef>
+              <a:spcAft>
+                <a:spcPts val="0"/>
+              </a:spcAft>
+              <a:buClr>
+                <a:srgbClr val="000000"/>
+              </a:buClr>
+              <a:buSzPts val="1400"/>
+              <a:buFont typeface="Arial"/>
               <a:buNone/>
               <a:defRPr sz="1200" b="0" i="0" u="none" strike="noStrike" cap="none">
                 <a:solidFill>
@@ -837,13 +988,20 @@
               </a:defRPr>
             </a:lvl4pPr>
             <a:lvl5pPr marL="2286000" marR="0" lvl="4" indent="-228600" algn="l" rtl="0">
-              <a:spcBef>
-                <a:spcPts val="0"/>
-              </a:spcBef>
-              <a:spcAft>
-                <a:spcPts val="0"/>
-              </a:spcAft>
-              <a:buSzPts val="1400"/>
+              <a:lnSpc>
+                <a:spcPct val="100000"/>
+              </a:lnSpc>
+              <a:spcBef>
+                <a:spcPts val="0"/>
+              </a:spcBef>
+              <a:spcAft>
+                <a:spcPts val="0"/>
+              </a:spcAft>
+              <a:buClr>
+                <a:srgbClr val="000000"/>
+              </a:buClr>
+              <a:buSzPts val="1400"/>
+              <a:buFont typeface="Arial"/>
               <a:buNone/>
               <a:defRPr sz="1200" b="0" i="0" u="none" strike="noStrike" cap="none">
                 <a:solidFill>
@@ -856,13 +1014,20 @@
               </a:defRPr>
             </a:lvl5pPr>
             <a:lvl6pPr marL="2743200" marR="0" lvl="5" indent="-228600" algn="l" rtl="0">
-              <a:spcBef>
-                <a:spcPts val="0"/>
-              </a:spcBef>
-              <a:spcAft>
-                <a:spcPts val="0"/>
-              </a:spcAft>
-              <a:buSzPts val="1400"/>
+              <a:lnSpc>
+                <a:spcPct val="100000"/>
+              </a:lnSpc>
+              <a:spcBef>
+                <a:spcPts val="0"/>
+              </a:spcBef>
+              <a:spcAft>
+                <a:spcPts val="0"/>
+              </a:spcAft>
+              <a:buClr>
+                <a:srgbClr val="000000"/>
+              </a:buClr>
+              <a:buSzPts val="1400"/>
+              <a:buFont typeface="Arial"/>
               <a:buNone/>
               <a:defRPr sz="1200" b="0" i="0" u="none" strike="noStrike" cap="none">
                 <a:solidFill>
@@ -875,13 +1040,20 @@
               </a:defRPr>
             </a:lvl6pPr>
             <a:lvl7pPr marL="3200400" marR="0" lvl="6" indent="-228600" algn="l" rtl="0">
-              <a:spcBef>
-                <a:spcPts val="0"/>
-              </a:spcBef>
-              <a:spcAft>
-                <a:spcPts val="0"/>
-              </a:spcAft>
-              <a:buSzPts val="1400"/>
+              <a:lnSpc>
+                <a:spcPct val="100000"/>
+              </a:lnSpc>
+              <a:spcBef>
+                <a:spcPts val="0"/>
+              </a:spcBef>
+              <a:spcAft>
+                <a:spcPts val="0"/>
+              </a:spcAft>
+              <a:buClr>
+                <a:srgbClr val="000000"/>
+              </a:buClr>
+              <a:buSzPts val="1400"/>
+              <a:buFont typeface="Arial"/>
               <a:buNone/>
               <a:defRPr sz="1200" b="0" i="0" u="none" strike="noStrike" cap="none">
                 <a:solidFill>
@@ -894,13 +1066,20 @@
               </a:defRPr>
             </a:lvl7pPr>
             <a:lvl8pPr marL="3657600" marR="0" lvl="7" indent="-228600" algn="l" rtl="0">
-              <a:spcBef>
-                <a:spcPts val="0"/>
-              </a:spcBef>
-              <a:spcAft>
-                <a:spcPts val="0"/>
-              </a:spcAft>
-              <a:buSzPts val="1400"/>
+              <a:lnSpc>
+                <a:spcPct val="100000"/>
+              </a:lnSpc>
+              <a:spcBef>
+                <a:spcPts val="0"/>
+              </a:spcBef>
+              <a:spcAft>
+                <a:spcPts val="0"/>
+              </a:spcAft>
+              <a:buClr>
+                <a:srgbClr val="000000"/>
+              </a:buClr>
+              <a:buSzPts val="1400"/>
+              <a:buFont typeface="Arial"/>
               <a:buNone/>
               <a:defRPr sz="1200" b="0" i="0" u="none" strike="noStrike" cap="none">
                 <a:solidFill>
@@ -913,13 +1092,20 @@
               </a:defRPr>
             </a:lvl8pPr>
             <a:lvl9pPr marL="4114800" marR="0" lvl="8" indent="-228600" algn="l" rtl="0">
-              <a:spcBef>
-                <a:spcPts val="0"/>
-              </a:spcBef>
-              <a:spcAft>
-                <a:spcPts val="0"/>
-              </a:spcAft>
-              <a:buSzPts val="1400"/>
+              <a:lnSpc>
+                <a:spcPct val="100000"/>
+              </a:lnSpc>
+              <a:spcBef>
+                <a:spcPts val="0"/>
+              </a:spcBef>
+              <a:spcAft>
+                <a:spcPts val="0"/>
+              </a:spcAft>
+              <a:buClr>
+                <a:srgbClr val="000000"/>
+              </a:buClr>
+              <a:buSzPts val="1400"/>
+              <a:buFont typeface="Arial"/>
               <a:buNone/>
               <a:defRPr sz="1200" b="0" i="0" u="none" strike="noStrike" cap="none">
                 <a:solidFill>
@@ -964,13 +1150,20 @@
           <a:bodyPr spcFirstLastPara="1" wrap="square" lIns="91425" tIns="45700" rIns="91425" bIns="45700" anchor="b" anchorCtr="0"/>
           <a:lstStyle>
             <a:lvl1pPr marR="0" lvl="0" algn="l" rtl="0">
-              <a:spcBef>
-                <a:spcPts val="0"/>
-              </a:spcBef>
-              <a:spcAft>
-                <a:spcPts val="0"/>
-              </a:spcAft>
-              <a:buSzPts val="1400"/>
+              <a:lnSpc>
+                <a:spcPct val="100000"/>
+              </a:lnSpc>
+              <a:spcBef>
+                <a:spcPts val="0"/>
+              </a:spcBef>
+              <a:spcAft>
+                <a:spcPts val="0"/>
+              </a:spcAft>
+              <a:buClr>
+                <a:srgbClr val="000000"/>
+              </a:buClr>
+              <a:buSzPts val="1400"/>
+              <a:buFont typeface="Arial"/>
               <a:buNone/>
               <a:defRPr sz="1200" b="0" i="0" u="none" strike="noStrike" cap="none">
                 <a:solidFill>
@@ -983,13 +1176,20 @@
               </a:defRPr>
             </a:lvl1pPr>
             <a:lvl2pPr marR="0" lvl="1" algn="l" rtl="0">
-              <a:spcBef>
-                <a:spcPts val="0"/>
-              </a:spcBef>
-              <a:spcAft>
-                <a:spcPts val="0"/>
-              </a:spcAft>
-              <a:buSzPts val="1400"/>
+              <a:lnSpc>
+                <a:spcPct val="100000"/>
+              </a:lnSpc>
+              <a:spcBef>
+                <a:spcPts val="0"/>
+              </a:spcBef>
+              <a:spcAft>
+                <a:spcPts val="0"/>
+              </a:spcAft>
+              <a:buClr>
+                <a:srgbClr val="000000"/>
+              </a:buClr>
+              <a:buSzPts val="1400"/>
+              <a:buFont typeface="Arial"/>
               <a:buNone/>
               <a:defRPr sz="1800" b="0" i="0" u="none" strike="noStrike" cap="none">
                 <a:solidFill>
@@ -1002,13 +1202,20 @@
               </a:defRPr>
             </a:lvl2pPr>
             <a:lvl3pPr marR="0" lvl="2" algn="l" rtl="0">
-              <a:spcBef>
-                <a:spcPts val="0"/>
-              </a:spcBef>
-              <a:spcAft>
-                <a:spcPts val="0"/>
-              </a:spcAft>
-              <a:buSzPts val="1400"/>
+              <a:lnSpc>
+                <a:spcPct val="100000"/>
+              </a:lnSpc>
+              <a:spcBef>
+                <a:spcPts val="0"/>
+              </a:spcBef>
+              <a:spcAft>
+                <a:spcPts val="0"/>
+              </a:spcAft>
+              <a:buClr>
+                <a:srgbClr val="000000"/>
+              </a:buClr>
+              <a:buSzPts val="1400"/>
+              <a:buFont typeface="Arial"/>
               <a:buNone/>
               <a:defRPr sz="1800" b="0" i="0" u="none" strike="noStrike" cap="none">
                 <a:solidFill>
@@ -1021,13 +1228,20 @@
               </a:defRPr>
             </a:lvl3pPr>
             <a:lvl4pPr marR="0" lvl="3" algn="l" rtl="0">
-              <a:spcBef>
-                <a:spcPts val="0"/>
-              </a:spcBef>
-              <a:spcAft>
-                <a:spcPts val="0"/>
-              </a:spcAft>
-              <a:buSzPts val="1400"/>
+              <a:lnSpc>
+                <a:spcPct val="100000"/>
+              </a:lnSpc>
+              <a:spcBef>
+                <a:spcPts val="0"/>
+              </a:spcBef>
+              <a:spcAft>
+                <a:spcPts val="0"/>
+              </a:spcAft>
+              <a:buClr>
+                <a:srgbClr val="000000"/>
+              </a:buClr>
+              <a:buSzPts val="1400"/>
+              <a:buFont typeface="Arial"/>
               <a:buNone/>
               <a:defRPr sz="1800" b="0" i="0" u="none" strike="noStrike" cap="none">
                 <a:solidFill>
@@ -1040,13 +1254,20 @@
               </a:defRPr>
             </a:lvl4pPr>
             <a:lvl5pPr marR="0" lvl="4" algn="l" rtl="0">
-              <a:spcBef>
-                <a:spcPts val="0"/>
-              </a:spcBef>
-              <a:spcAft>
-                <a:spcPts val="0"/>
-              </a:spcAft>
-              <a:buSzPts val="1400"/>
+              <a:lnSpc>
+                <a:spcPct val="100000"/>
+              </a:lnSpc>
+              <a:spcBef>
+                <a:spcPts val="0"/>
+              </a:spcBef>
+              <a:spcAft>
+                <a:spcPts val="0"/>
+              </a:spcAft>
+              <a:buClr>
+                <a:srgbClr val="000000"/>
+              </a:buClr>
+              <a:buSzPts val="1400"/>
+              <a:buFont typeface="Arial"/>
               <a:buNone/>
               <a:defRPr sz="1800" b="0" i="0" u="none" strike="noStrike" cap="none">
                 <a:solidFill>
@@ -1059,13 +1280,20 @@
               </a:defRPr>
             </a:lvl5pPr>
             <a:lvl6pPr marR="0" lvl="5" algn="l" rtl="0">
-              <a:spcBef>
-                <a:spcPts val="0"/>
-              </a:spcBef>
-              <a:spcAft>
-                <a:spcPts val="0"/>
-              </a:spcAft>
-              <a:buSzPts val="1400"/>
+              <a:lnSpc>
+                <a:spcPct val="100000"/>
+              </a:lnSpc>
+              <a:spcBef>
+                <a:spcPts val="0"/>
+              </a:spcBef>
+              <a:spcAft>
+                <a:spcPts val="0"/>
+              </a:spcAft>
+              <a:buClr>
+                <a:srgbClr val="000000"/>
+              </a:buClr>
+              <a:buSzPts val="1400"/>
+              <a:buFont typeface="Arial"/>
               <a:buNone/>
               <a:defRPr sz="1800" b="0" i="0" u="none" strike="noStrike" cap="none">
                 <a:solidFill>
@@ -1078,13 +1306,20 @@
               </a:defRPr>
             </a:lvl6pPr>
             <a:lvl7pPr marR="0" lvl="6" algn="l" rtl="0">
-              <a:spcBef>
-                <a:spcPts val="0"/>
-              </a:spcBef>
-              <a:spcAft>
-                <a:spcPts val="0"/>
-              </a:spcAft>
-              <a:buSzPts val="1400"/>
+              <a:lnSpc>
+                <a:spcPct val="100000"/>
+              </a:lnSpc>
+              <a:spcBef>
+                <a:spcPts val="0"/>
+              </a:spcBef>
+              <a:spcAft>
+                <a:spcPts val="0"/>
+              </a:spcAft>
+              <a:buClr>
+                <a:srgbClr val="000000"/>
+              </a:buClr>
+              <a:buSzPts val="1400"/>
+              <a:buFont typeface="Arial"/>
               <a:buNone/>
               <a:defRPr sz="1800" b="0" i="0" u="none" strike="noStrike" cap="none">
                 <a:solidFill>
@@ -1097,13 +1332,20 @@
               </a:defRPr>
             </a:lvl7pPr>
             <a:lvl8pPr marR="0" lvl="7" algn="l" rtl="0">
-              <a:spcBef>
-                <a:spcPts val="0"/>
-              </a:spcBef>
-              <a:spcAft>
-                <a:spcPts val="0"/>
-              </a:spcAft>
-              <a:buSzPts val="1400"/>
+              <a:lnSpc>
+                <a:spcPct val="100000"/>
+              </a:lnSpc>
+              <a:spcBef>
+                <a:spcPts val="0"/>
+              </a:spcBef>
+              <a:spcAft>
+                <a:spcPts val="0"/>
+              </a:spcAft>
+              <a:buClr>
+                <a:srgbClr val="000000"/>
+              </a:buClr>
+              <a:buSzPts val="1400"/>
+              <a:buFont typeface="Arial"/>
               <a:buNone/>
               <a:defRPr sz="1800" b="0" i="0" u="none" strike="noStrike" cap="none">
                 <a:solidFill>
@@ -1116,13 +1358,20 @@
               </a:defRPr>
             </a:lvl8pPr>
             <a:lvl9pPr marR="0" lvl="8" algn="l" rtl="0">
-              <a:spcBef>
-                <a:spcPts val="0"/>
-              </a:spcBef>
-              <a:spcAft>
-                <a:spcPts val="0"/>
-              </a:spcAft>
-              <a:buSzPts val="1400"/>
+              <a:lnSpc>
+                <a:spcPct val="100000"/>
+              </a:lnSpc>
+              <a:spcBef>
+                <a:spcPts val="0"/>
+              </a:spcBef>
+              <a:spcAft>
+                <a:spcPts val="0"/>
+              </a:spcAft>
+              <a:buClr>
+                <a:srgbClr val="000000"/>
+              </a:buClr>
+              <a:buSzPts val="1400"/>
+              <a:buFont typeface="Arial"/>
               <a:buNone/>
               <a:defRPr sz="1800" b="0" i="0" u="none" strike="noStrike" cap="none">
                 <a:solidFill>
@@ -1170,12 +1419,20 @@
           <a:lstStyle/>
           <a:p>
             <a:pPr marL="0" marR="0" lvl="0" indent="0" algn="r" rtl="0">
-              <a:spcBef>
-                <a:spcPts val="0"/>
-              </a:spcBef>
-              <a:spcAft>
-                <a:spcPts val="0"/>
-              </a:spcAft>
+              <a:lnSpc>
+                <a:spcPct val="100000"/>
+              </a:lnSpc>
+              <a:spcBef>
+                <a:spcPts val="0"/>
+              </a:spcBef>
+              <a:spcAft>
+                <a:spcPts val="0"/>
+              </a:spcAft>
+              <a:buClr>
+                <a:srgbClr val="000000"/>
+              </a:buClr>
+              <a:buSzPts val="1200"/>
+              <a:buFont typeface="Arial"/>
               <a:buNone/>
             </a:pPr>
             <a:fld id="{00000000-1234-1234-1234-123412341234}" type="slidenum">
@@ -1472,6 +1729,10 @@
           <a:prstGeom prst="rect">
             <a:avLst/>
           </a:prstGeom>
+          <a:noFill/>
+          <a:ln>
+            <a:noFill/>
+          </a:ln>
         </p:spPr>
         <p:txBody>
           <a:bodyPr spcFirstLastPara="1" wrap="square" lIns="91425" tIns="45700" rIns="91425" bIns="45700" anchor="t" anchorCtr="0">
@@ -1480,12 +1741,16 @@
           <a:lstStyle/>
           <a:p>
             <a:pPr marL="0" lvl="0" indent="0" algn="l" rtl="0">
-              <a:spcBef>
-                <a:spcPts val="0"/>
-              </a:spcBef>
-              <a:spcAft>
-                <a:spcPts val="0"/>
-              </a:spcAft>
+              <a:lnSpc>
+                <a:spcPct val="100000"/>
+              </a:lnSpc>
+              <a:spcBef>
+                <a:spcPts val="0"/>
+              </a:spcBef>
+              <a:spcAft>
+                <a:spcPts val="0"/>
+              </a:spcAft>
+              <a:buSzPts val="1400"/>
               <a:buNone/>
             </a:pPr>
             <a:endParaRPr/>
@@ -1531,6 +1796,16 @@
               </a:path>
             </a:pathLst>
           </a:custGeom>
+          <a:noFill/>
+          <a:ln w="12700" cap="flat" cmpd="sng">
+            <a:solidFill>
+              <a:srgbClr val="000000"/>
+            </a:solidFill>
+            <a:prstDash val="solid"/>
+            <a:round/>
+            <a:headEnd type="none" w="sm" len="sm"/>
+            <a:tailEnd type="none" w="sm" len="sm"/>
+          </a:ln>
         </p:spPr>
       </p:sp>
     </p:spTree>
@@ -1604,7 +1879,10 @@
               <a:buNone/>
               <a:defRPr sz="6000"/>
             </a:lvl1pPr>
-            <a:lvl2pPr lvl="1">
+            <a:lvl2pPr lvl="1" algn="l">
+              <a:lnSpc>
+                <a:spcPct val="100000"/>
+              </a:lnSpc>
               <a:spcBef>
                 <a:spcPts val="0"/>
               </a:spcBef>
@@ -1615,7 +1893,10 @@
               <a:buNone/>
               <a:defRPr/>
             </a:lvl2pPr>
-            <a:lvl3pPr lvl="2">
+            <a:lvl3pPr lvl="2" algn="l">
+              <a:lnSpc>
+                <a:spcPct val="100000"/>
+              </a:lnSpc>
               <a:spcBef>
                 <a:spcPts val="0"/>
               </a:spcBef>
@@ -1626,7 +1907,10 @@
               <a:buNone/>
               <a:defRPr/>
             </a:lvl3pPr>
-            <a:lvl4pPr lvl="3">
+            <a:lvl4pPr lvl="3" algn="l">
+              <a:lnSpc>
+                <a:spcPct val="100000"/>
+              </a:lnSpc>
               <a:spcBef>
                 <a:spcPts val="0"/>
               </a:spcBef>
@@ -1637,7 +1921,10 @@
               <a:buNone/>
               <a:defRPr/>
             </a:lvl4pPr>
-            <a:lvl5pPr lvl="4">
+            <a:lvl5pPr lvl="4" algn="l">
+              <a:lnSpc>
+                <a:spcPct val="100000"/>
+              </a:lnSpc>
               <a:spcBef>
                 <a:spcPts val="0"/>
               </a:spcBef>
@@ -1648,7 +1935,10 @@
               <a:buNone/>
               <a:defRPr/>
             </a:lvl5pPr>
-            <a:lvl6pPr lvl="5">
+            <a:lvl6pPr lvl="5" algn="l">
+              <a:lnSpc>
+                <a:spcPct val="100000"/>
+              </a:lnSpc>
               <a:spcBef>
                 <a:spcPts val="0"/>
               </a:spcBef>
@@ -1659,7 +1949,10 @@
               <a:buNone/>
               <a:defRPr/>
             </a:lvl6pPr>
-            <a:lvl7pPr lvl="6">
+            <a:lvl7pPr lvl="6" algn="l">
+              <a:lnSpc>
+                <a:spcPct val="100000"/>
+              </a:lnSpc>
               <a:spcBef>
                 <a:spcPts val="0"/>
               </a:spcBef>
@@ -1670,7 +1963,10 @@
               <a:buNone/>
               <a:defRPr/>
             </a:lvl7pPr>
-            <a:lvl8pPr lvl="7">
+            <a:lvl8pPr lvl="7" algn="l">
+              <a:lnSpc>
+                <a:spcPct val="100000"/>
+              </a:lnSpc>
               <a:spcBef>
                 <a:spcPts val="0"/>
               </a:spcBef>
@@ -1681,7 +1977,10 @@
               <a:buNone/>
               <a:defRPr/>
             </a:lvl8pPr>
-            <a:lvl9pPr lvl="8">
+            <a:lvl9pPr lvl="8" algn="l">
+              <a:lnSpc>
+                <a:spcPct val="100000"/>
+              </a:lnSpc>
               <a:spcBef>
                 <a:spcPts val="0"/>
               </a:spcBef>
@@ -1912,6 +2211,9 @@
           <a:bodyPr spcFirstLastPara="1" wrap="square" lIns="91425" tIns="45700" rIns="91425" bIns="45700" anchor="ctr" anchorCtr="0"/>
           <a:lstStyle>
             <a:lvl1pPr lvl="0" algn="l">
+              <a:lnSpc>
+                <a:spcPct val="100000"/>
+              </a:lnSpc>
               <a:spcBef>
                 <a:spcPts val="0"/>
               </a:spcBef>
@@ -1923,6 +2225,9 @@
               <a:defRPr/>
             </a:lvl1pPr>
             <a:lvl2pPr lvl="1" algn="l">
+              <a:lnSpc>
+                <a:spcPct val="100000"/>
+              </a:lnSpc>
               <a:spcBef>
                 <a:spcPts val="0"/>
               </a:spcBef>
@@ -1934,6 +2239,9 @@
               <a:defRPr/>
             </a:lvl2pPr>
             <a:lvl3pPr lvl="2" algn="l">
+              <a:lnSpc>
+                <a:spcPct val="100000"/>
+              </a:lnSpc>
               <a:spcBef>
                 <a:spcPts val="0"/>
               </a:spcBef>
@@ -1945,6 +2253,9 @@
               <a:defRPr/>
             </a:lvl3pPr>
             <a:lvl4pPr lvl="3" algn="l">
+              <a:lnSpc>
+                <a:spcPct val="100000"/>
+              </a:lnSpc>
               <a:spcBef>
                 <a:spcPts val="0"/>
               </a:spcBef>
@@ -1956,6 +2267,9 @@
               <a:defRPr/>
             </a:lvl4pPr>
             <a:lvl5pPr lvl="4" algn="l">
+              <a:lnSpc>
+                <a:spcPct val="100000"/>
+              </a:lnSpc>
               <a:spcBef>
                 <a:spcPts val="0"/>
               </a:spcBef>
@@ -1967,6 +2281,9 @@
               <a:defRPr/>
             </a:lvl5pPr>
             <a:lvl6pPr lvl="5" algn="l">
+              <a:lnSpc>
+                <a:spcPct val="100000"/>
+              </a:lnSpc>
               <a:spcBef>
                 <a:spcPts val="0"/>
               </a:spcBef>
@@ -1978,6 +2295,9 @@
               <a:defRPr/>
             </a:lvl6pPr>
             <a:lvl7pPr lvl="6" algn="l">
+              <a:lnSpc>
+                <a:spcPct val="100000"/>
+              </a:lnSpc>
               <a:spcBef>
                 <a:spcPts val="0"/>
               </a:spcBef>
@@ -1989,6 +2309,9 @@
               <a:defRPr/>
             </a:lvl7pPr>
             <a:lvl8pPr lvl="7" algn="l">
+              <a:lnSpc>
+                <a:spcPct val="100000"/>
+              </a:lnSpc>
               <a:spcBef>
                 <a:spcPts val="0"/>
               </a:spcBef>
@@ -2000,6 +2323,9 @@
               <a:defRPr/>
             </a:lvl8pPr>
             <a:lvl9pPr lvl="8" algn="l">
+              <a:lnSpc>
+                <a:spcPct val="100000"/>
+              </a:lnSpc>
               <a:spcBef>
                 <a:spcPts val="0"/>
               </a:spcBef>
@@ -2043,6 +2369,9 @@
           <a:bodyPr spcFirstLastPara="1" wrap="square" lIns="91425" tIns="45700" rIns="91425" bIns="45700" anchor="ctr" anchorCtr="0"/>
           <a:lstStyle>
             <a:lvl1pPr lvl="0" algn="ctr">
+              <a:lnSpc>
+                <a:spcPct val="100000"/>
+              </a:lnSpc>
               <a:spcBef>
                 <a:spcPts val="0"/>
               </a:spcBef>
@@ -2054,6 +2383,9 @@
               <a:defRPr/>
             </a:lvl1pPr>
             <a:lvl2pPr lvl="1" algn="l">
+              <a:lnSpc>
+                <a:spcPct val="100000"/>
+              </a:lnSpc>
               <a:spcBef>
                 <a:spcPts val="0"/>
               </a:spcBef>
@@ -2065,6 +2397,9 @@
               <a:defRPr/>
             </a:lvl2pPr>
             <a:lvl3pPr lvl="2" algn="l">
+              <a:lnSpc>
+                <a:spcPct val="100000"/>
+              </a:lnSpc>
               <a:spcBef>
                 <a:spcPts val="0"/>
               </a:spcBef>
@@ -2076,6 +2411,9 @@
               <a:defRPr/>
             </a:lvl3pPr>
             <a:lvl4pPr lvl="3" algn="l">
+              <a:lnSpc>
+                <a:spcPct val="100000"/>
+              </a:lnSpc>
               <a:spcBef>
                 <a:spcPts val="0"/>
               </a:spcBef>
@@ -2087,6 +2425,9 @@
               <a:defRPr/>
             </a:lvl4pPr>
             <a:lvl5pPr lvl="4" algn="l">
+              <a:lnSpc>
+                <a:spcPct val="100000"/>
+              </a:lnSpc>
               <a:spcBef>
                 <a:spcPts val="0"/>
               </a:spcBef>
@@ -2098,6 +2439,9 @@
               <a:defRPr/>
             </a:lvl5pPr>
             <a:lvl6pPr lvl="5" algn="l">
+              <a:lnSpc>
+                <a:spcPct val="100000"/>
+              </a:lnSpc>
               <a:spcBef>
                 <a:spcPts val="0"/>
               </a:spcBef>
@@ -2109,6 +2453,9 @@
               <a:defRPr/>
             </a:lvl6pPr>
             <a:lvl7pPr lvl="6" algn="l">
+              <a:lnSpc>
+                <a:spcPct val="100000"/>
+              </a:lnSpc>
               <a:spcBef>
                 <a:spcPts val="0"/>
               </a:spcBef>
@@ -2120,6 +2467,9 @@
               <a:defRPr/>
             </a:lvl7pPr>
             <a:lvl8pPr lvl="7" algn="l">
+              <a:lnSpc>
+                <a:spcPct val="100000"/>
+              </a:lnSpc>
               <a:spcBef>
                 <a:spcPts val="0"/>
               </a:spcBef>
@@ -2131,6 +2481,9 @@
               <a:defRPr/>
             </a:lvl8pPr>
             <a:lvl9pPr lvl="8" algn="l">
+              <a:lnSpc>
+                <a:spcPct val="100000"/>
+              </a:lnSpc>
               <a:spcBef>
                 <a:spcPts val="0"/>
               </a:spcBef>
@@ -2175,68 +2528,239 @@
             <a:noAutofit/>
           </a:bodyPr>
           <a:lstStyle>
-            <a:lvl1pPr marL="0" lvl="0" indent="0" algn="r">
-              <a:spcBef>
-                <a:spcPts val="0"/>
-              </a:spcBef>
-              <a:buNone/>
-              <a:defRPr/>
+            <a:lvl1pPr marL="0" marR="0" lvl="0" indent="0" algn="r">
+              <a:lnSpc>
+                <a:spcPct val="100000"/>
+              </a:lnSpc>
+              <a:spcBef>
+                <a:spcPts val="0"/>
+              </a:spcBef>
+              <a:spcAft>
+                <a:spcPts val="0"/>
+              </a:spcAft>
+              <a:buClr>
+                <a:srgbClr val="000000"/>
+              </a:buClr>
+              <a:buSzPts val="1200"/>
+              <a:buFont typeface="Arial"/>
+              <a:buNone/>
+              <a:defRPr sz="1200" b="0" i="0" u="none" strike="noStrike" cap="none">
+                <a:solidFill>
+                  <a:srgbClr val="888888"/>
+                </a:solidFill>
+                <a:latin typeface="Calibri"/>
+                <a:ea typeface="Calibri"/>
+                <a:cs typeface="Calibri"/>
+                <a:sym typeface="Calibri"/>
+              </a:defRPr>
             </a:lvl1pPr>
-            <a:lvl2pPr marL="0" lvl="1" indent="0" algn="r">
-              <a:spcBef>
-                <a:spcPts val="0"/>
-              </a:spcBef>
-              <a:buNone/>
-              <a:defRPr/>
+            <a:lvl2pPr marL="0" marR="0" lvl="1" indent="0" algn="r">
+              <a:lnSpc>
+                <a:spcPct val="100000"/>
+              </a:lnSpc>
+              <a:spcBef>
+                <a:spcPts val="0"/>
+              </a:spcBef>
+              <a:spcAft>
+                <a:spcPts val="0"/>
+              </a:spcAft>
+              <a:buClr>
+                <a:srgbClr val="000000"/>
+              </a:buClr>
+              <a:buSzPts val="1200"/>
+              <a:buFont typeface="Arial"/>
+              <a:buNone/>
+              <a:defRPr sz="1200" b="0" i="0" u="none" strike="noStrike" cap="none">
+                <a:solidFill>
+                  <a:srgbClr val="888888"/>
+                </a:solidFill>
+                <a:latin typeface="Calibri"/>
+                <a:ea typeface="Calibri"/>
+                <a:cs typeface="Calibri"/>
+                <a:sym typeface="Calibri"/>
+              </a:defRPr>
             </a:lvl2pPr>
-            <a:lvl3pPr marL="0" lvl="2" indent="0" algn="r">
-              <a:spcBef>
-                <a:spcPts val="0"/>
-              </a:spcBef>
-              <a:buNone/>
-              <a:defRPr/>
+            <a:lvl3pPr marL="0" marR="0" lvl="2" indent="0" algn="r">
+              <a:lnSpc>
+                <a:spcPct val="100000"/>
+              </a:lnSpc>
+              <a:spcBef>
+                <a:spcPts val="0"/>
+              </a:spcBef>
+              <a:spcAft>
+                <a:spcPts val="0"/>
+              </a:spcAft>
+              <a:buClr>
+                <a:srgbClr val="000000"/>
+              </a:buClr>
+              <a:buSzPts val="1200"/>
+              <a:buFont typeface="Arial"/>
+              <a:buNone/>
+              <a:defRPr sz="1200" b="0" i="0" u="none" strike="noStrike" cap="none">
+                <a:solidFill>
+                  <a:srgbClr val="888888"/>
+                </a:solidFill>
+                <a:latin typeface="Calibri"/>
+                <a:ea typeface="Calibri"/>
+                <a:cs typeface="Calibri"/>
+                <a:sym typeface="Calibri"/>
+              </a:defRPr>
             </a:lvl3pPr>
-            <a:lvl4pPr marL="0" lvl="3" indent="0" algn="r">
-              <a:spcBef>
-                <a:spcPts val="0"/>
-              </a:spcBef>
-              <a:buNone/>
-              <a:defRPr/>
+            <a:lvl4pPr marL="0" marR="0" lvl="3" indent="0" algn="r">
+              <a:lnSpc>
+                <a:spcPct val="100000"/>
+              </a:lnSpc>
+              <a:spcBef>
+                <a:spcPts val="0"/>
+              </a:spcBef>
+              <a:spcAft>
+                <a:spcPts val="0"/>
+              </a:spcAft>
+              <a:buClr>
+                <a:srgbClr val="000000"/>
+              </a:buClr>
+              <a:buSzPts val="1200"/>
+              <a:buFont typeface="Arial"/>
+              <a:buNone/>
+              <a:defRPr sz="1200" b="0" i="0" u="none" strike="noStrike" cap="none">
+                <a:solidFill>
+                  <a:srgbClr val="888888"/>
+                </a:solidFill>
+                <a:latin typeface="Calibri"/>
+                <a:ea typeface="Calibri"/>
+                <a:cs typeface="Calibri"/>
+                <a:sym typeface="Calibri"/>
+              </a:defRPr>
             </a:lvl4pPr>
-            <a:lvl5pPr marL="0" lvl="4" indent="0" algn="r">
-              <a:spcBef>
-                <a:spcPts val="0"/>
-              </a:spcBef>
-              <a:buNone/>
-              <a:defRPr/>
+            <a:lvl5pPr marL="0" marR="0" lvl="4" indent="0" algn="r">
+              <a:lnSpc>
+                <a:spcPct val="100000"/>
+              </a:lnSpc>
+              <a:spcBef>
+                <a:spcPts val="0"/>
+              </a:spcBef>
+              <a:spcAft>
+                <a:spcPts val="0"/>
+              </a:spcAft>
+              <a:buClr>
+                <a:srgbClr val="000000"/>
+              </a:buClr>
+              <a:buSzPts val="1200"/>
+              <a:buFont typeface="Arial"/>
+              <a:buNone/>
+              <a:defRPr sz="1200" b="0" i="0" u="none" strike="noStrike" cap="none">
+                <a:solidFill>
+                  <a:srgbClr val="888888"/>
+                </a:solidFill>
+                <a:latin typeface="Calibri"/>
+                <a:ea typeface="Calibri"/>
+                <a:cs typeface="Calibri"/>
+                <a:sym typeface="Calibri"/>
+              </a:defRPr>
             </a:lvl5pPr>
-            <a:lvl6pPr marL="0" lvl="5" indent="0" algn="r">
-              <a:spcBef>
-                <a:spcPts val="0"/>
-              </a:spcBef>
-              <a:buNone/>
-              <a:defRPr/>
+            <a:lvl6pPr marL="0" marR="0" lvl="5" indent="0" algn="r">
+              <a:lnSpc>
+                <a:spcPct val="100000"/>
+              </a:lnSpc>
+              <a:spcBef>
+                <a:spcPts val="0"/>
+              </a:spcBef>
+              <a:spcAft>
+                <a:spcPts val="0"/>
+              </a:spcAft>
+              <a:buClr>
+                <a:srgbClr val="000000"/>
+              </a:buClr>
+              <a:buSzPts val="1200"/>
+              <a:buFont typeface="Arial"/>
+              <a:buNone/>
+              <a:defRPr sz="1200" b="0" i="0" u="none" strike="noStrike" cap="none">
+                <a:solidFill>
+                  <a:srgbClr val="888888"/>
+                </a:solidFill>
+                <a:latin typeface="Calibri"/>
+                <a:ea typeface="Calibri"/>
+                <a:cs typeface="Calibri"/>
+                <a:sym typeface="Calibri"/>
+              </a:defRPr>
             </a:lvl6pPr>
-            <a:lvl7pPr marL="0" lvl="6" indent="0" algn="r">
-              <a:spcBef>
-                <a:spcPts val="0"/>
-              </a:spcBef>
-              <a:buNone/>
-              <a:defRPr/>
+            <a:lvl7pPr marL="0" marR="0" lvl="6" indent="0" algn="r">
+              <a:lnSpc>
+                <a:spcPct val="100000"/>
+              </a:lnSpc>
+              <a:spcBef>
+                <a:spcPts val="0"/>
+              </a:spcBef>
+              <a:spcAft>
+                <a:spcPts val="0"/>
+              </a:spcAft>
+              <a:buClr>
+                <a:srgbClr val="000000"/>
+              </a:buClr>
+              <a:buSzPts val="1200"/>
+              <a:buFont typeface="Arial"/>
+              <a:buNone/>
+              <a:defRPr sz="1200" b="0" i="0" u="none" strike="noStrike" cap="none">
+                <a:solidFill>
+                  <a:srgbClr val="888888"/>
+                </a:solidFill>
+                <a:latin typeface="Calibri"/>
+                <a:ea typeface="Calibri"/>
+                <a:cs typeface="Calibri"/>
+                <a:sym typeface="Calibri"/>
+              </a:defRPr>
             </a:lvl7pPr>
-            <a:lvl8pPr marL="0" lvl="7" indent="0" algn="r">
-              <a:spcBef>
-                <a:spcPts val="0"/>
-              </a:spcBef>
-              <a:buNone/>
-              <a:defRPr/>
+            <a:lvl8pPr marL="0" marR="0" lvl="7" indent="0" algn="r">
+              <a:lnSpc>
+                <a:spcPct val="100000"/>
+              </a:lnSpc>
+              <a:spcBef>
+                <a:spcPts val="0"/>
+              </a:spcBef>
+              <a:spcAft>
+                <a:spcPts val="0"/>
+              </a:spcAft>
+              <a:buClr>
+                <a:srgbClr val="000000"/>
+              </a:buClr>
+              <a:buSzPts val="1200"/>
+              <a:buFont typeface="Arial"/>
+              <a:buNone/>
+              <a:defRPr sz="1200" b="0" i="0" u="none" strike="noStrike" cap="none">
+                <a:solidFill>
+                  <a:srgbClr val="888888"/>
+                </a:solidFill>
+                <a:latin typeface="Calibri"/>
+                <a:ea typeface="Calibri"/>
+                <a:cs typeface="Calibri"/>
+                <a:sym typeface="Calibri"/>
+              </a:defRPr>
             </a:lvl8pPr>
-            <a:lvl9pPr marL="0" lvl="8" indent="0" algn="r">
-              <a:spcBef>
-                <a:spcPts val="0"/>
-              </a:spcBef>
-              <a:buNone/>
-              <a:defRPr/>
+            <a:lvl9pPr marL="0" marR="0" lvl="8" indent="0" algn="r">
+              <a:lnSpc>
+                <a:spcPct val="100000"/>
+              </a:lnSpc>
+              <a:spcBef>
+                <a:spcPts val="0"/>
+              </a:spcBef>
+              <a:spcAft>
+                <a:spcPts val="0"/>
+              </a:spcAft>
+              <a:buClr>
+                <a:srgbClr val="000000"/>
+              </a:buClr>
+              <a:buSzPts val="1200"/>
+              <a:buFont typeface="Arial"/>
+              <a:buNone/>
+              <a:defRPr sz="1200" b="0" i="0" u="none" strike="noStrike" cap="none">
+                <a:solidFill>
+                  <a:srgbClr val="888888"/>
+                </a:solidFill>
+                <a:latin typeface="Calibri"/>
+                <a:ea typeface="Calibri"/>
+                <a:cs typeface="Calibri"/>
+                <a:sym typeface="Calibri"/>
+              </a:defRPr>
             </a:lvl9pPr>
           </a:lstStyle>
           <a:p>
@@ -2327,7 +2851,10 @@
               <a:buNone/>
               <a:defRPr/>
             </a:lvl1pPr>
-            <a:lvl2pPr lvl="1">
+            <a:lvl2pPr lvl="1" algn="l">
+              <a:lnSpc>
+                <a:spcPct val="100000"/>
+              </a:lnSpc>
               <a:spcBef>
                 <a:spcPts val="0"/>
               </a:spcBef>
@@ -2338,7 +2865,10 @@
               <a:buNone/>
               <a:defRPr/>
             </a:lvl2pPr>
-            <a:lvl3pPr lvl="2">
+            <a:lvl3pPr lvl="2" algn="l">
+              <a:lnSpc>
+                <a:spcPct val="100000"/>
+              </a:lnSpc>
               <a:spcBef>
                 <a:spcPts val="0"/>
               </a:spcBef>
@@ -2349,7 +2879,10 @@
               <a:buNone/>
               <a:defRPr/>
             </a:lvl3pPr>
-            <a:lvl4pPr lvl="3">
+            <a:lvl4pPr lvl="3" algn="l">
+              <a:lnSpc>
+                <a:spcPct val="100000"/>
+              </a:lnSpc>
               <a:spcBef>
                 <a:spcPts val="0"/>
               </a:spcBef>
@@ -2360,7 +2893,10 @@
               <a:buNone/>
               <a:defRPr/>
             </a:lvl4pPr>
-            <a:lvl5pPr lvl="4">
+            <a:lvl5pPr lvl="4" algn="l">
+              <a:lnSpc>
+                <a:spcPct val="100000"/>
+              </a:lnSpc>
               <a:spcBef>
                 <a:spcPts val="0"/>
               </a:spcBef>
@@ -2371,7 +2907,10 @@
               <a:buNone/>
               <a:defRPr/>
             </a:lvl5pPr>
-            <a:lvl6pPr lvl="5">
+            <a:lvl6pPr lvl="5" algn="l">
+              <a:lnSpc>
+                <a:spcPct val="100000"/>
+              </a:lnSpc>
               <a:spcBef>
                 <a:spcPts val="0"/>
               </a:spcBef>
@@ -2382,7 +2921,10 @@
               <a:buNone/>
               <a:defRPr/>
             </a:lvl6pPr>
-            <a:lvl7pPr lvl="6">
+            <a:lvl7pPr lvl="6" algn="l">
+              <a:lnSpc>
+                <a:spcPct val="100000"/>
+              </a:lnSpc>
               <a:spcBef>
                 <a:spcPts val="0"/>
               </a:spcBef>
@@ -2393,7 +2935,10 @@
               <a:buNone/>
               <a:defRPr/>
             </a:lvl7pPr>
-            <a:lvl8pPr lvl="7">
+            <a:lvl8pPr lvl="7" algn="l">
+              <a:lnSpc>
+                <a:spcPct val="100000"/>
+              </a:lnSpc>
               <a:spcBef>
                 <a:spcPts val="0"/>
               </a:spcBef>
@@ -2404,7 +2949,10 @@
               <a:buNone/>
               <a:defRPr/>
             </a:lvl8pPr>
-            <a:lvl9pPr lvl="8">
+            <a:lvl9pPr lvl="8" algn="l">
+              <a:lnSpc>
+                <a:spcPct val="100000"/>
+              </a:lnSpc>
               <a:spcBef>
                 <a:spcPts val="0"/>
               </a:spcBef>
@@ -2635,6 +3183,9 @@
           <a:bodyPr spcFirstLastPara="1" wrap="square" lIns="91425" tIns="45700" rIns="91425" bIns="45700" anchor="ctr" anchorCtr="0"/>
           <a:lstStyle>
             <a:lvl1pPr lvl="0" algn="l">
+              <a:lnSpc>
+                <a:spcPct val="100000"/>
+              </a:lnSpc>
               <a:spcBef>
                 <a:spcPts val="0"/>
               </a:spcBef>
@@ -2646,6 +3197,9 @@
               <a:defRPr/>
             </a:lvl1pPr>
             <a:lvl2pPr lvl="1" algn="l">
+              <a:lnSpc>
+                <a:spcPct val="100000"/>
+              </a:lnSpc>
               <a:spcBef>
                 <a:spcPts val="0"/>
               </a:spcBef>
@@ -2657,6 +3211,9 @@
               <a:defRPr/>
             </a:lvl2pPr>
             <a:lvl3pPr lvl="2" algn="l">
+              <a:lnSpc>
+                <a:spcPct val="100000"/>
+              </a:lnSpc>
               <a:spcBef>
                 <a:spcPts val="0"/>
               </a:spcBef>
@@ -2668,6 +3225,9 @@
               <a:defRPr/>
             </a:lvl3pPr>
             <a:lvl4pPr lvl="3" algn="l">
+              <a:lnSpc>
+                <a:spcPct val="100000"/>
+              </a:lnSpc>
               <a:spcBef>
                 <a:spcPts val="0"/>
               </a:spcBef>
@@ -2679,6 +3239,9 @@
               <a:defRPr/>
             </a:lvl4pPr>
             <a:lvl5pPr lvl="4" algn="l">
+              <a:lnSpc>
+                <a:spcPct val="100000"/>
+              </a:lnSpc>
               <a:spcBef>
                 <a:spcPts val="0"/>
               </a:spcBef>
@@ -2690,6 +3253,9 @@
               <a:defRPr/>
             </a:lvl5pPr>
             <a:lvl6pPr lvl="5" algn="l">
+              <a:lnSpc>
+                <a:spcPct val="100000"/>
+              </a:lnSpc>
               <a:spcBef>
                 <a:spcPts val="0"/>
               </a:spcBef>
@@ -2701,6 +3267,9 @@
               <a:defRPr/>
             </a:lvl6pPr>
             <a:lvl7pPr lvl="6" algn="l">
+              <a:lnSpc>
+                <a:spcPct val="100000"/>
+              </a:lnSpc>
               <a:spcBef>
                 <a:spcPts val="0"/>
               </a:spcBef>
@@ -2712,6 +3281,9 @@
               <a:defRPr/>
             </a:lvl7pPr>
             <a:lvl8pPr lvl="7" algn="l">
+              <a:lnSpc>
+                <a:spcPct val="100000"/>
+              </a:lnSpc>
               <a:spcBef>
                 <a:spcPts val="0"/>
               </a:spcBef>
@@ -2723,6 +3295,9 @@
               <a:defRPr/>
             </a:lvl8pPr>
             <a:lvl9pPr lvl="8" algn="l">
+              <a:lnSpc>
+                <a:spcPct val="100000"/>
+              </a:lnSpc>
               <a:spcBef>
                 <a:spcPts val="0"/>
               </a:spcBef>
@@ -2766,6 +3341,9 @@
           <a:bodyPr spcFirstLastPara="1" wrap="square" lIns="91425" tIns="45700" rIns="91425" bIns="45700" anchor="ctr" anchorCtr="0"/>
           <a:lstStyle>
             <a:lvl1pPr lvl="0" algn="ctr">
+              <a:lnSpc>
+                <a:spcPct val="100000"/>
+              </a:lnSpc>
               <a:spcBef>
                 <a:spcPts val="0"/>
               </a:spcBef>
@@ -2777,6 +3355,9 @@
               <a:defRPr/>
             </a:lvl1pPr>
             <a:lvl2pPr lvl="1" algn="l">
+              <a:lnSpc>
+                <a:spcPct val="100000"/>
+              </a:lnSpc>
               <a:spcBef>
                 <a:spcPts val="0"/>
               </a:spcBef>
@@ -2788,6 +3369,9 @@
               <a:defRPr/>
             </a:lvl2pPr>
             <a:lvl3pPr lvl="2" algn="l">
+              <a:lnSpc>
+                <a:spcPct val="100000"/>
+              </a:lnSpc>
               <a:spcBef>
                 <a:spcPts val="0"/>
               </a:spcBef>
@@ -2799,6 +3383,9 @@
               <a:defRPr/>
             </a:lvl3pPr>
             <a:lvl4pPr lvl="3" algn="l">
+              <a:lnSpc>
+                <a:spcPct val="100000"/>
+              </a:lnSpc>
               <a:spcBef>
                 <a:spcPts val="0"/>
               </a:spcBef>
@@ -2810,6 +3397,9 @@
               <a:defRPr/>
             </a:lvl4pPr>
             <a:lvl5pPr lvl="4" algn="l">
+              <a:lnSpc>
+                <a:spcPct val="100000"/>
+              </a:lnSpc>
               <a:spcBef>
                 <a:spcPts val="0"/>
               </a:spcBef>
@@ -2821,6 +3411,9 @@
               <a:defRPr/>
             </a:lvl5pPr>
             <a:lvl6pPr lvl="5" algn="l">
+              <a:lnSpc>
+                <a:spcPct val="100000"/>
+              </a:lnSpc>
               <a:spcBef>
                 <a:spcPts val="0"/>
               </a:spcBef>
@@ -2832,6 +3425,9 @@
               <a:defRPr/>
             </a:lvl6pPr>
             <a:lvl7pPr lvl="6" algn="l">
+              <a:lnSpc>
+                <a:spcPct val="100000"/>
+              </a:lnSpc>
               <a:spcBef>
                 <a:spcPts val="0"/>
               </a:spcBef>
@@ -2843,6 +3439,9 @@
               <a:defRPr/>
             </a:lvl7pPr>
             <a:lvl8pPr lvl="7" algn="l">
+              <a:lnSpc>
+                <a:spcPct val="100000"/>
+              </a:lnSpc>
               <a:spcBef>
                 <a:spcPts val="0"/>
               </a:spcBef>
@@ -2854,6 +3453,9 @@
               <a:defRPr/>
             </a:lvl8pPr>
             <a:lvl9pPr lvl="8" algn="l">
+              <a:lnSpc>
+                <a:spcPct val="100000"/>
+              </a:lnSpc>
               <a:spcBef>
                 <a:spcPts val="0"/>
               </a:spcBef>
@@ -2898,68 +3500,239 @@
             <a:noAutofit/>
           </a:bodyPr>
           <a:lstStyle>
-            <a:lvl1pPr marL="0" lvl="0" indent="0" algn="r">
-              <a:spcBef>
-                <a:spcPts val="0"/>
-              </a:spcBef>
-              <a:buNone/>
-              <a:defRPr/>
+            <a:lvl1pPr marL="0" marR="0" lvl="0" indent="0" algn="r">
+              <a:lnSpc>
+                <a:spcPct val="100000"/>
+              </a:lnSpc>
+              <a:spcBef>
+                <a:spcPts val="0"/>
+              </a:spcBef>
+              <a:spcAft>
+                <a:spcPts val="0"/>
+              </a:spcAft>
+              <a:buClr>
+                <a:srgbClr val="000000"/>
+              </a:buClr>
+              <a:buSzPts val="1200"/>
+              <a:buFont typeface="Arial"/>
+              <a:buNone/>
+              <a:defRPr sz="1200" b="0" i="0" u="none" strike="noStrike" cap="none">
+                <a:solidFill>
+                  <a:srgbClr val="888888"/>
+                </a:solidFill>
+                <a:latin typeface="Calibri"/>
+                <a:ea typeface="Calibri"/>
+                <a:cs typeface="Calibri"/>
+                <a:sym typeface="Calibri"/>
+              </a:defRPr>
             </a:lvl1pPr>
-            <a:lvl2pPr marL="0" lvl="1" indent="0" algn="r">
-              <a:spcBef>
-                <a:spcPts val="0"/>
-              </a:spcBef>
-              <a:buNone/>
-              <a:defRPr/>
+            <a:lvl2pPr marL="0" marR="0" lvl="1" indent="0" algn="r">
+              <a:lnSpc>
+                <a:spcPct val="100000"/>
+              </a:lnSpc>
+              <a:spcBef>
+                <a:spcPts val="0"/>
+              </a:spcBef>
+              <a:spcAft>
+                <a:spcPts val="0"/>
+              </a:spcAft>
+              <a:buClr>
+                <a:srgbClr val="000000"/>
+              </a:buClr>
+              <a:buSzPts val="1200"/>
+              <a:buFont typeface="Arial"/>
+              <a:buNone/>
+              <a:defRPr sz="1200" b="0" i="0" u="none" strike="noStrike" cap="none">
+                <a:solidFill>
+                  <a:srgbClr val="888888"/>
+                </a:solidFill>
+                <a:latin typeface="Calibri"/>
+                <a:ea typeface="Calibri"/>
+                <a:cs typeface="Calibri"/>
+                <a:sym typeface="Calibri"/>
+              </a:defRPr>
             </a:lvl2pPr>
-            <a:lvl3pPr marL="0" lvl="2" indent="0" algn="r">
-              <a:spcBef>
-                <a:spcPts val="0"/>
-              </a:spcBef>
-              <a:buNone/>
-              <a:defRPr/>
+            <a:lvl3pPr marL="0" marR="0" lvl="2" indent="0" algn="r">
+              <a:lnSpc>
+                <a:spcPct val="100000"/>
+              </a:lnSpc>
+              <a:spcBef>
+                <a:spcPts val="0"/>
+              </a:spcBef>
+              <a:spcAft>
+                <a:spcPts val="0"/>
+              </a:spcAft>
+              <a:buClr>
+                <a:srgbClr val="000000"/>
+              </a:buClr>
+              <a:buSzPts val="1200"/>
+              <a:buFont typeface="Arial"/>
+              <a:buNone/>
+              <a:defRPr sz="1200" b="0" i="0" u="none" strike="noStrike" cap="none">
+                <a:solidFill>
+                  <a:srgbClr val="888888"/>
+                </a:solidFill>
+                <a:latin typeface="Calibri"/>
+                <a:ea typeface="Calibri"/>
+                <a:cs typeface="Calibri"/>
+                <a:sym typeface="Calibri"/>
+              </a:defRPr>
             </a:lvl3pPr>
-            <a:lvl4pPr marL="0" lvl="3" indent="0" algn="r">
-              <a:spcBef>
-                <a:spcPts val="0"/>
-              </a:spcBef>
-              <a:buNone/>
-              <a:defRPr/>
+            <a:lvl4pPr marL="0" marR="0" lvl="3" indent="0" algn="r">
+              <a:lnSpc>
+                <a:spcPct val="100000"/>
+              </a:lnSpc>
+              <a:spcBef>
+                <a:spcPts val="0"/>
+              </a:spcBef>
+              <a:spcAft>
+                <a:spcPts val="0"/>
+              </a:spcAft>
+              <a:buClr>
+                <a:srgbClr val="000000"/>
+              </a:buClr>
+              <a:buSzPts val="1200"/>
+              <a:buFont typeface="Arial"/>
+              <a:buNone/>
+              <a:defRPr sz="1200" b="0" i="0" u="none" strike="noStrike" cap="none">
+                <a:solidFill>
+                  <a:srgbClr val="888888"/>
+                </a:solidFill>
+                <a:latin typeface="Calibri"/>
+                <a:ea typeface="Calibri"/>
+                <a:cs typeface="Calibri"/>
+                <a:sym typeface="Calibri"/>
+              </a:defRPr>
             </a:lvl4pPr>
-            <a:lvl5pPr marL="0" lvl="4" indent="0" algn="r">
-              <a:spcBef>
-                <a:spcPts val="0"/>
-              </a:spcBef>
-              <a:buNone/>
-              <a:defRPr/>
+            <a:lvl5pPr marL="0" marR="0" lvl="4" indent="0" algn="r">
+              <a:lnSpc>
+                <a:spcPct val="100000"/>
+              </a:lnSpc>
+              <a:spcBef>
+                <a:spcPts val="0"/>
+              </a:spcBef>
+              <a:spcAft>
+                <a:spcPts val="0"/>
+              </a:spcAft>
+              <a:buClr>
+                <a:srgbClr val="000000"/>
+              </a:buClr>
+              <a:buSzPts val="1200"/>
+              <a:buFont typeface="Arial"/>
+              <a:buNone/>
+              <a:defRPr sz="1200" b="0" i="0" u="none" strike="noStrike" cap="none">
+                <a:solidFill>
+                  <a:srgbClr val="888888"/>
+                </a:solidFill>
+                <a:latin typeface="Calibri"/>
+                <a:ea typeface="Calibri"/>
+                <a:cs typeface="Calibri"/>
+                <a:sym typeface="Calibri"/>
+              </a:defRPr>
             </a:lvl5pPr>
-            <a:lvl6pPr marL="0" lvl="5" indent="0" algn="r">
-              <a:spcBef>
-                <a:spcPts val="0"/>
-              </a:spcBef>
-              <a:buNone/>
-              <a:defRPr/>
+            <a:lvl6pPr marL="0" marR="0" lvl="5" indent="0" algn="r">
+              <a:lnSpc>
+                <a:spcPct val="100000"/>
+              </a:lnSpc>
+              <a:spcBef>
+                <a:spcPts val="0"/>
+              </a:spcBef>
+              <a:spcAft>
+                <a:spcPts val="0"/>
+              </a:spcAft>
+              <a:buClr>
+                <a:srgbClr val="000000"/>
+              </a:buClr>
+              <a:buSzPts val="1200"/>
+              <a:buFont typeface="Arial"/>
+              <a:buNone/>
+              <a:defRPr sz="1200" b="0" i="0" u="none" strike="noStrike" cap="none">
+                <a:solidFill>
+                  <a:srgbClr val="888888"/>
+                </a:solidFill>
+                <a:latin typeface="Calibri"/>
+                <a:ea typeface="Calibri"/>
+                <a:cs typeface="Calibri"/>
+                <a:sym typeface="Calibri"/>
+              </a:defRPr>
             </a:lvl6pPr>
-            <a:lvl7pPr marL="0" lvl="6" indent="0" algn="r">
-              <a:spcBef>
-                <a:spcPts val="0"/>
-              </a:spcBef>
-              <a:buNone/>
-              <a:defRPr/>
+            <a:lvl7pPr marL="0" marR="0" lvl="6" indent="0" algn="r">
+              <a:lnSpc>
+                <a:spcPct val="100000"/>
+              </a:lnSpc>
+              <a:spcBef>
+                <a:spcPts val="0"/>
+              </a:spcBef>
+              <a:spcAft>
+                <a:spcPts val="0"/>
+              </a:spcAft>
+              <a:buClr>
+                <a:srgbClr val="000000"/>
+              </a:buClr>
+              <a:buSzPts val="1200"/>
+              <a:buFont typeface="Arial"/>
+              <a:buNone/>
+              <a:defRPr sz="1200" b="0" i="0" u="none" strike="noStrike" cap="none">
+                <a:solidFill>
+                  <a:srgbClr val="888888"/>
+                </a:solidFill>
+                <a:latin typeface="Calibri"/>
+                <a:ea typeface="Calibri"/>
+                <a:cs typeface="Calibri"/>
+                <a:sym typeface="Calibri"/>
+              </a:defRPr>
             </a:lvl7pPr>
-            <a:lvl8pPr marL="0" lvl="7" indent="0" algn="r">
-              <a:spcBef>
-                <a:spcPts val="0"/>
-              </a:spcBef>
-              <a:buNone/>
-              <a:defRPr/>
+            <a:lvl8pPr marL="0" marR="0" lvl="7" indent="0" algn="r">
+              <a:lnSpc>
+                <a:spcPct val="100000"/>
+              </a:lnSpc>
+              <a:spcBef>
+                <a:spcPts val="0"/>
+              </a:spcBef>
+              <a:spcAft>
+                <a:spcPts val="0"/>
+              </a:spcAft>
+              <a:buClr>
+                <a:srgbClr val="000000"/>
+              </a:buClr>
+              <a:buSzPts val="1200"/>
+              <a:buFont typeface="Arial"/>
+              <a:buNone/>
+              <a:defRPr sz="1200" b="0" i="0" u="none" strike="noStrike" cap="none">
+                <a:solidFill>
+                  <a:srgbClr val="888888"/>
+                </a:solidFill>
+                <a:latin typeface="Calibri"/>
+                <a:ea typeface="Calibri"/>
+                <a:cs typeface="Calibri"/>
+                <a:sym typeface="Calibri"/>
+              </a:defRPr>
             </a:lvl8pPr>
-            <a:lvl9pPr marL="0" lvl="8" indent="0" algn="r">
-              <a:spcBef>
-                <a:spcPts val="0"/>
-              </a:spcBef>
-              <a:buNone/>
-              <a:defRPr/>
+            <a:lvl9pPr marL="0" marR="0" lvl="8" indent="0" algn="r">
+              <a:lnSpc>
+                <a:spcPct val="100000"/>
+              </a:lnSpc>
+              <a:spcBef>
+                <a:spcPts val="0"/>
+              </a:spcBef>
+              <a:spcAft>
+                <a:spcPts val="0"/>
+              </a:spcAft>
+              <a:buClr>
+                <a:srgbClr val="000000"/>
+              </a:buClr>
+              <a:buSzPts val="1200"/>
+              <a:buFont typeface="Arial"/>
+              <a:buNone/>
+              <a:defRPr sz="1200" b="0" i="0" u="none" strike="noStrike" cap="none">
+                <a:solidFill>
+                  <a:srgbClr val="888888"/>
+                </a:solidFill>
+                <a:latin typeface="Calibri"/>
+                <a:ea typeface="Calibri"/>
+                <a:cs typeface="Calibri"/>
+                <a:sym typeface="Calibri"/>
+              </a:defRPr>
             </a:lvl9pPr>
           </a:lstStyle>
           <a:p>
@@ -3050,7 +3823,10 @@
               <a:buNone/>
               <a:defRPr/>
             </a:lvl1pPr>
-            <a:lvl2pPr lvl="1">
+            <a:lvl2pPr lvl="1" algn="l">
+              <a:lnSpc>
+                <a:spcPct val="100000"/>
+              </a:lnSpc>
               <a:spcBef>
                 <a:spcPts val="0"/>
               </a:spcBef>
@@ -3061,7 +3837,10 @@
               <a:buNone/>
               <a:defRPr/>
             </a:lvl2pPr>
-            <a:lvl3pPr lvl="2">
+            <a:lvl3pPr lvl="2" algn="l">
+              <a:lnSpc>
+                <a:spcPct val="100000"/>
+              </a:lnSpc>
               <a:spcBef>
                 <a:spcPts val="0"/>
               </a:spcBef>
@@ -3072,7 +3851,10 @@
               <a:buNone/>
               <a:defRPr/>
             </a:lvl3pPr>
-            <a:lvl4pPr lvl="3">
+            <a:lvl4pPr lvl="3" algn="l">
+              <a:lnSpc>
+                <a:spcPct val="100000"/>
+              </a:lnSpc>
               <a:spcBef>
                 <a:spcPts val="0"/>
               </a:spcBef>
@@ -3083,7 +3865,10 @@
               <a:buNone/>
               <a:defRPr/>
             </a:lvl4pPr>
-            <a:lvl5pPr lvl="4">
+            <a:lvl5pPr lvl="4" algn="l">
+              <a:lnSpc>
+                <a:spcPct val="100000"/>
+              </a:lnSpc>
               <a:spcBef>
                 <a:spcPts val="0"/>
               </a:spcBef>
@@ -3094,7 +3879,10 @@
               <a:buNone/>
               <a:defRPr/>
             </a:lvl5pPr>
-            <a:lvl6pPr lvl="5">
+            <a:lvl6pPr lvl="5" algn="l">
+              <a:lnSpc>
+                <a:spcPct val="100000"/>
+              </a:lnSpc>
               <a:spcBef>
                 <a:spcPts val="0"/>
               </a:spcBef>
@@ -3105,7 +3893,10 @@
               <a:buNone/>
               <a:defRPr/>
             </a:lvl6pPr>
-            <a:lvl7pPr lvl="6">
+            <a:lvl7pPr lvl="6" algn="l">
+              <a:lnSpc>
+                <a:spcPct val="100000"/>
+              </a:lnSpc>
               <a:spcBef>
                 <a:spcPts val="0"/>
               </a:spcBef>
@@ -3116,7 +3907,10 @@
               <a:buNone/>
               <a:defRPr/>
             </a:lvl7pPr>
-            <a:lvl8pPr lvl="7">
+            <a:lvl8pPr lvl="7" algn="l">
+              <a:lnSpc>
+                <a:spcPct val="100000"/>
+              </a:lnSpc>
               <a:spcBef>
                 <a:spcPts val="0"/>
               </a:spcBef>
@@ -3127,7 +3921,10 @@
               <a:buNone/>
               <a:defRPr/>
             </a:lvl8pPr>
-            <a:lvl9pPr lvl="8">
+            <a:lvl9pPr lvl="8" algn="l">
+              <a:lnSpc>
+                <a:spcPct val="100000"/>
+              </a:lnSpc>
               <a:spcBef>
                 <a:spcPts val="0"/>
               </a:spcBef>
@@ -3358,6 +4155,9 @@
           <a:bodyPr spcFirstLastPara="1" wrap="square" lIns="91425" tIns="45700" rIns="91425" bIns="45700" anchor="ctr" anchorCtr="0"/>
           <a:lstStyle>
             <a:lvl1pPr lvl="0" algn="l">
+              <a:lnSpc>
+                <a:spcPct val="100000"/>
+              </a:lnSpc>
               <a:spcBef>
                 <a:spcPts val="0"/>
               </a:spcBef>
@@ -3369,6 +4169,9 @@
               <a:defRPr/>
             </a:lvl1pPr>
             <a:lvl2pPr lvl="1" algn="l">
+              <a:lnSpc>
+                <a:spcPct val="100000"/>
+              </a:lnSpc>
               <a:spcBef>
                 <a:spcPts val="0"/>
               </a:spcBef>
@@ -3380,6 +4183,9 @@
               <a:defRPr/>
             </a:lvl2pPr>
             <a:lvl3pPr lvl="2" algn="l">
+              <a:lnSpc>
+                <a:spcPct val="100000"/>
+              </a:lnSpc>
               <a:spcBef>
                 <a:spcPts val="0"/>
               </a:spcBef>
@@ -3391,6 +4197,9 @@
               <a:defRPr/>
             </a:lvl3pPr>
             <a:lvl4pPr lvl="3" algn="l">
+              <a:lnSpc>
+                <a:spcPct val="100000"/>
+              </a:lnSpc>
               <a:spcBef>
                 <a:spcPts val="0"/>
               </a:spcBef>
@@ -3402,6 +4211,9 @@
               <a:defRPr/>
             </a:lvl4pPr>
             <a:lvl5pPr lvl="4" algn="l">
+              <a:lnSpc>
+                <a:spcPct val="100000"/>
+              </a:lnSpc>
               <a:spcBef>
                 <a:spcPts val="0"/>
               </a:spcBef>
@@ -3413,6 +4225,9 @@
               <a:defRPr/>
             </a:lvl5pPr>
             <a:lvl6pPr lvl="5" algn="l">
+              <a:lnSpc>
+                <a:spcPct val="100000"/>
+              </a:lnSpc>
               <a:spcBef>
                 <a:spcPts val="0"/>
               </a:spcBef>
@@ -3424,6 +4239,9 @@
               <a:defRPr/>
             </a:lvl6pPr>
             <a:lvl7pPr lvl="6" algn="l">
+              <a:lnSpc>
+                <a:spcPct val="100000"/>
+              </a:lnSpc>
               <a:spcBef>
                 <a:spcPts val="0"/>
               </a:spcBef>
@@ -3435,6 +4253,9 @@
               <a:defRPr/>
             </a:lvl7pPr>
             <a:lvl8pPr lvl="7" algn="l">
+              <a:lnSpc>
+                <a:spcPct val="100000"/>
+              </a:lnSpc>
               <a:spcBef>
                 <a:spcPts val="0"/>
               </a:spcBef>
@@ -3446,6 +4267,9 @@
               <a:defRPr/>
             </a:lvl8pPr>
             <a:lvl9pPr lvl="8" algn="l">
+              <a:lnSpc>
+                <a:spcPct val="100000"/>
+              </a:lnSpc>
               <a:spcBef>
                 <a:spcPts val="0"/>
               </a:spcBef>
@@ -3489,6 +4313,9 @@
           <a:bodyPr spcFirstLastPara="1" wrap="square" lIns="91425" tIns="45700" rIns="91425" bIns="45700" anchor="ctr" anchorCtr="0"/>
           <a:lstStyle>
             <a:lvl1pPr lvl="0" algn="ctr">
+              <a:lnSpc>
+                <a:spcPct val="100000"/>
+              </a:lnSpc>
               <a:spcBef>
                 <a:spcPts val="0"/>
               </a:spcBef>
@@ -3500,6 +4327,9 @@
               <a:defRPr/>
             </a:lvl1pPr>
             <a:lvl2pPr lvl="1" algn="l">
+              <a:lnSpc>
+                <a:spcPct val="100000"/>
+              </a:lnSpc>
               <a:spcBef>
                 <a:spcPts val="0"/>
               </a:spcBef>
@@ -3511,6 +4341,9 @@
               <a:defRPr/>
             </a:lvl2pPr>
             <a:lvl3pPr lvl="2" algn="l">
+              <a:lnSpc>
+                <a:spcPct val="100000"/>
+              </a:lnSpc>
               <a:spcBef>
                 <a:spcPts val="0"/>
               </a:spcBef>
@@ -3522,6 +4355,9 @@
               <a:defRPr/>
             </a:lvl3pPr>
             <a:lvl4pPr lvl="3" algn="l">
+              <a:lnSpc>
+                <a:spcPct val="100000"/>
+              </a:lnSpc>
               <a:spcBef>
                 <a:spcPts val="0"/>
               </a:spcBef>
@@ -3533,6 +4369,9 @@
               <a:defRPr/>
             </a:lvl4pPr>
             <a:lvl5pPr lvl="4" algn="l">
+              <a:lnSpc>
+                <a:spcPct val="100000"/>
+              </a:lnSpc>
               <a:spcBef>
                 <a:spcPts val="0"/>
               </a:spcBef>
@@ -3544,6 +4383,9 @@
               <a:defRPr/>
             </a:lvl5pPr>
             <a:lvl6pPr lvl="5" algn="l">
+              <a:lnSpc>
+                <a:spcPct val="100000"/>
+              </a:lnSpc>
               <a:spcBef>
                 <a:spcPts val="0"/>
               </a:spcBef>
@@ -3555,6 +4397,9 @@
               <a:defRPr/>
             </a:lvl6pPr>
             <a:lvl7pPr lvl="6" algn="l">
+              <a:lnSpc>
+                <a:spcPct val="100000"/>
+              </a:lnSpc>
               <a:spcBef>
                 <a:spcPts val="0"/>
               </a:spcBef>
@@ -3566,6 +4411,9 @@
               <a:defRPr/>
             </a:lvl7pPr>
             <a:lvl8pPr lvl="7" algn="l">
+              <a:lnSpc>
+                <a:spcPct val="100000"/>
+              </a:lnSpc>
               <a:spcBef>
                 <a:spcPts val="0"/>
               </a:spcBef>
@@ -3577,6 +4425,9 @@
               <a:defRPr/>
             </a:lvl8pPr>
             <a:lvl9pPr lvl="8" algn="l">
+              <a:lnSpc>
+                <a:spcPct val="100000"/>
+              </a:lnSpc>
               <a:spcBef>
                 <a:spcPts val="0"/>
               </a:spcBef>
@@ -3621,68 +4472,239 @@
             <a:noAutofit/>
           </a:bodyPr>
           <a:lstStyle>
-            <a:lvl1pPr marL="0" lvl="0" indent="0" algn="r">
-              <a:spcBef>
-                <a:spcPts val="0"/>
-              </a:spcBef>
-              <a:buNone/>
-              <a:defRPr/>
+            <a:lvl1pPr marL="0" marR="0" lvl="0" indent="0" algn="r">
+              <a:lnSpc>
+                <a:spcPct val="100000"/>
+              </a:lnSpc>
+              <a:spcBef>
+                <a:spcPts val="0"/>
+              </a:spcBef>
+              <a:spcAft>
+                <a:spcPts val="0"/>
+              </a:spcAft>
+              <a:buClr>
+                <a:srgbClr val="000000"/>
+              </a:buClr>
+              <a:buSzPts val="1200"/>
+              <a:buFont typeface="Arial"/>
+              <a:buNone/>
+              <a:defRPr sz="1200" b="0" i="0" u="none" strike="noStrike" cap="none">
+                <a:solidFill>
+                  <a:srgbClr val="888888"/>
+                </a:solidFill>
+                <a:latin typeface="Calibri"/>
+                <a:ea typeface="Calibri"/>
+                <a:cs typeface="Calibri"/>
+                <a:sym typeface="Calibri"/>
+              </a:defRPr>
             </a:lvl1pPr>
-            <a:lvl2pPr marL="0" lvl="1" indent="0" algn="r">
-              <a:spcBef>
-                <a:spcPts val="0"/>
-              </a:spcBef>
-              <a:buNone/>
-              <a:defRPr/>
+            <a:lvl2pPr marL="0" marR="0" lvl="1" indent="0" algn="r">
+              <a:lnSpc>
+                <a:spcPct val="100000"/>
+              </a:lnSpc>
+              <a:spcBef>
+                <a:spcPts val="0"/>
+              </a:spcBef>
+              <a:spcAft>
+                <a:spcPts val="0"/>
+              </a:spcAft>
+              <a:buClr>
+                <a:srgbClr val="000000"/>
+              </a:buClr>
+              <a:buSzPts val="1200"/>
+              <a:buFont typeface="Arial"/>
+              <a:buNone/>
+              <a:defRPr sz="1200" b="0" i="0" u="none" strike="noStrike" cap="none">
+                <a:solidFill>
+                  <a:srgbClr val="888888"/>
+                </a:solidFill>
+                <a:latin typeface="Calibri"/>
+                <a:ea typeface="Calibri"/>
+                <a:cs typeface="Calibri"/>
+                <a:sym typeface="Calibri"/>
+              </a:defRPr>
             </a:lvl2pPr>
-            <a:lvl3pPr marL="0" lvl="2" indent="0" algn="r">
-              <a:spcBef>
-                <a:spcPts val="0"/>
-              </a:spcBef>
-              <a:buNone/>
-              <a:defRPr/>
+            <a:lvl3pPr marL="0" marR="0" lvl="2" indent="0" algn="r">
+              <a:lnSpc>
+                <a:spcPct val="100000"/>
+              </a:lnSpc>
+              <a:spcBef>
+                <a:spcPts val="0"/>
+              </a:spcBef>
+              <a:spcAft>
+                <a:spcPts val="0"/>
+              </a:spcAft>
+              <a:buClr>
+                <a:srgbClr val="000000"/>
+              </a:buClr>
+              <a:buSzPts val="1200"/>
+              <a:buFont typeface="Arial"/>
+              <a:buNone/>
+              <a:defRPr sz="1200" b="0" i="0" u="none" strike="noStrike" cap="none">
+                <a:solidFill>
+                  <a:srgbClr val="888888"/>
+                </a:solidFill>
+                <a:latin typeface="Calibri"/>
+                <a:ea typeface="Calibri"/>
+                <a:cs typeface="Calibri"/>
+                <a:sym typeface="Calibri"/>
+              </a:defRPr>
             </a:lvl3pPr>
-            <a:lvl4pPr marL="0" lvl="3" indent="0" algn="r">
-              <a:spcBef>
-                <a:spcPts val="0"/>
-              </a:spcBef>
-              <a:buNone/>
-              <a:defRPr/>
+            <a:lvl4pPr marL="0" marR="0" lvl="3" indent="0" algn="r">
+              <a:lnSpc>
+                <a:spcPct val="100000"/>
+              </a:lnSpc>
+              <a:spcBef>
+                <a:spcPts val="0"/>
+              </a:spcBef>
+              <a:spcAft>
+                <a:spcPts val="0"/>
+              </a:spcAft>
+              <a:buClr>
+                <a:srgbClr val="000000"/>
+              </a:buClr>
+              <a:buSzPts val="1200"/>
+              <a:buFont typeface="Arial"/>
+              <a:buNone/>
+              <a:defRPr sz="1200" b="0" i="0" u="none" strike="noStrike" cap="none">
+                <a:solidFill>
+                  <a:srgbClr val="888888"/>
+                </a:solidFill>
+                <a:latin typeface="Calibri"/>
+                <a:ea typeface="Calibri"/>
+                <a:cs typeface="Calibri"/>
+                <a:sym typeface="Calibri"/>
+              </a:defRPr>
             </a:lvl4pPr>
-            <a:lvl5pPr marL="0" lvl="4" indent="0" algn="r">
-              <a:spcBef>
-                <a:spcPts val="0"/>
-              </a:spcBef>
-              <a:buNone/>
-              <a:defRPr/>
+            <a:lvl5pPr marL="0" marR="0" lvl="4" indent="0" algn="r">
+              <a:lnSpc>
+                <a:spcPct val="100000"/>
+              </a:lnSpc>
+              <a:spcBef>
+                <a:spcPts val="0"/>
+              </a:spcBef>
+              <a:spcAft>
+                <a:spcPts val="0"/>
+              </a:spcAft>
+              <a:buClr>
+                <a:srgbClr val="000000"/>
+              </a:buClr>
+              <a:buSzPts val="1200"/>
+              <a:buFont typeface="Arial"/>
+              <a:buNone/>
+              <a:defRPr sz="1200" b="0" i="0" u="none" strike="noStrike" cap="none">
+                <a:solidFill>
+                  <a:srgbClr val="888888"/>
+                </a:solidFill>
+                <a:latin typeface="Calibri"/>
+                <a:ea typeface="Calibri"/>
+                <a:cs typeface="Calibri"/>
+                <a:sym typeface="Calibri"/>
+              </a:defRPr>
             </a:lvl5pPr>
-            <a:lvl6pPr marL="0" lvl="5" indent="0" algn="r">
-              <a:spcBef>
-                <a:spcPts val="0"/>
-              </a:spcBef>
-              <a:buNone/>
-              <a:defRPr/>
+            <a:lvl6pPr marL="0" marR="0" lvl="5" indent="0" algn="r">
+              <a:lnSpc>
+                <a:spcPct val="100000"/>
+              </a:lnSpc>
+              <a:spcBef>
+                <a:spcPts val="0"/>
+              </a:spcBef>
+              <a:spcAft>
+                <a:spcPts val="0"/>
+              </a:spcAft>
+              <a:buClr>
+                <a:srgbClr val="000000"/>
+              </a:buClr>
+              <a:buSzPts val="1200"/>
+              <a:buFont typeface="Arial"/>
+              <a:buNone/>
+              <a:defRPr sz="1200" b="0" i="0" u="none" strike="noStrike" cap="none">
+                <a:solidFill>
+                  <a:srgbClr val="888888"/>
+                </a:solidFill>
+                <a:latin typeface="Calibri"/>
+                <a:ea typeface="Calibri"/>
+                <a:cs typeface="Calibri"/>
+                <a:sym typeface="Calibri"/>
+              </a:defRPr>
             </a:lvl6pPr>
-            <a:lvl7pPr marL="0" lvl="6" indent="0" algn="r">
-              <a:spcBef>
-                <a:spcPts val="0"/>
-              </a:spcBef>
-              <a:buNone/>
-              <a:defRPr/>
+            <a:lvl7pPr marL="0" marR="0" lvl="6" indent="0" algn="r">
+              <a:lnSpc>
+                <a:spcPct val="100000"/>
+              </a:lnSpc>
+              <a:spcBef>
+                <a:spcPts val="0"/>
+              </a:spcBef>
+              <a:spcAft>
+                <a:spcPts val="0"/>
+              </a:spcAft>
+              <a:buClr>
+                <a:srgbClr val="000000"/>
+              </a:buClr>
+              <a:buSzPts val="1200"/>
+              <a:buFont typeface="Arial"/>
+              <a:buNone/>
+              <a:defRPr sz="1200" b="0" i="0" u="none" strike="noStrike" cap="none">
+                <a:solidFill>
+                  <a:srgbClr val="888888"/>
+                </a:solidFill>
+                <a:latin typeface="Calibri"/>
+                <a:ea typeface="Calibri"/>
+                <a:cs typeface="Calibri"/>
+                <a:sym typeface="Calibri"/>
+              </a:defRPr>
             </a:lvl7pPr>
-            <a:lvl8pPr marL="0" lvl="7" indent="0" algn="r">
-              <a:spcBef>
-                <a:spcPts val="0"/>
-              </a:spcBef>
-              <a:buNone/>
-              <a:defRPr/>
+            <a:lvl8pPr marL="0" marR="0" lvl="7" indent="0" algn="r">
+              <a:lnSpc>
+                <a:spcPct val="100000"/>
+              </a:lnSpc>
+              <a:spcBef>
+                <a:spcPts val="0"/>
+              </a:spcBef>
+              <a:spcAft>
+                <a:spcPts val="0"/>
+              </a:spcAft>
+              <a:buClr>
+                <a:srgbClr val="000000"/>
+              </a:buClr>
+              <a:buSzPts val="1200"/>
+              <a:buFont typeface="Arial"/>
+              <a:buNone/>
+              <a:defRPr sz="1200" b="0" i="0" u="none" strike="noStrike" cap="none">
+                <a:solidFill>
+                  <a:srgbClr val="888888"/>
+                </a:solidFill>
+                <a:latin typeface="Calibri"/>
+                <a:ea typeface="Calibri"/>
+                <a:cs typeface="Calibri"/>
+                <a:sym typeface="Calibri"/>
+              </a:defRPr>
             </a:lvl8pPr>
-            <a:lvl9pPr marL="0" lvl="8" indent="0" algn="r">
-              <a:spcBef>
-                <a:spcPts val="0"/>
-              </a:spcBef>
-              <a:buNone/>
-              <a:defRPr/>
+            <a:lvl9pPr marL="0" marR="0" lvl="8" indent="0" algn="r">
+              <a:lnSpc>
+                <a:spcPct val="100000"/>
+              </a:lnSpc>
+              <a:spcBef>
+                <a:spcPts val="0"/>
+              </a:spcBef>
+              <a:spcAft>
+                <a:spcPts val="0"/>
+              </a:spcAft>
+              <a:buClr>
+                <a:srgbClr val="000000"/>
+              </a:buClr>
+              <a:buSzPts val="1200"/>
+              <a:buFont typeface="Arial"/>
+              <a:buNone/>
+              <a:defRPr sz="1200" b="0" i="0" u="none" strike="noStrike" cap="none">
+                <a:solidFill>
+                  <a:srgbClr val="888888"/>
+                </a:solidFill>
+                <a:latin typeface="Calibri"/>
+                <a:ea typeface="Calibri"/>
+                <a:cs typeface="Calibri"/>
+                <a:sym typeface="Calibri"/>
+              </a:defRPr>
             </a:lvl9pPr>
           </a:lstStyle>
           <a:p>
@@ -3773,7 +4795,10 @@
               <a:buNone/>
               <a:defRPr/>
             </a:lvl1pPr>
-            <a:lvl2pPr lvl="1">
+            <a:lvl2pPr lvl="1" algn="l">
+              <a:lnSpc>
+                <a:spcPct val="100000"/>
+              </a:lnSpc>
               <a:spcBef>
                 <a:spcPts val="0"/>
               </a:spcBef>
@@ -3784,7 +4809,10 @@
               <a:buNone/>
               <a:defRPr/>
             </a:lvl2pPr>
-            <a:lvl3pPr lvl="2">
+            <a:lvl3pPr lvl="2" algn="l">
+              <a:lnSpc>
+                <a:spcPct val="100000"/>
+              </a:lnSpc>
               <a:spcBef>
                 <a:spcPts val="0"/>
               </a:spcBef>
@@ -3795,7 +4823,10 @@
               <a:buNone/>
               <a:defRPr/>
             </a:lvl3pPr>
-            <a:lvl4pPr lvl="3">
+            <a:lvl4pPr lvl="3" algn="l">
+              <a:lnSpc>
+                <a:spcPct val="100000"/>
+              </a:lnSpc>
               <a:spcBef>
                 <a:spcPts val="0"/>
               </a:spcBef>
@@ -3806,7 +4837,10 @@
               <a:buNone/>
               <a:defRPr/>
             </a:lvl4pPr>
-            <a:lvl5pPr lvl="4">
+            <a:lvl5pPr lvl="4" algn="l">
+              <a:lnSpc>
+                <a:spcPct val="100000"/>
+              </a:lnSpc>
               <a:spcBef>
                 <a:spcPts val="0"/>
               </a:spcBef>
@@ -3817,7 +4851,10 @@
               <a:buNone/>
               <a:defRPr/>
             </a:lvl5pPr>
-            <a:lvl6pPr lvl="5">
+            <a:lvl6pPr lvl="5" algn="l">
+              <a:lnSpc>
+                <a:spcPct val="100000"/>
+              </a:lnSpc>
               <a:spcBef>
                 <a:spcPts val="0"/>
               </a:spcBef>
@@ -3828,7 +4865,10 @@
               <a:buNone/>
               <a:defRPr/>
             </a:lvl6pPr>
-            <a:lvl7pPr lvl="6">
+            <a:lvl7pPr lvl="6" algn="l">
+              <a:lnSpc>
+                <a:spcPct val="100000"/>
+              </a:lnSpc>
               <a:spcBef>
                 <a:spcPts val="0"/>
               </a:spcBef>
@@ -3839,7 +4879,10 @@
               <a:buNone/>
               <a:defRPr/>
             </a:lvl7pPr>
-            <a:lvl8pPr lvl="7">
+            <a:lvl8pPr lvl="7" algn="l">
+              <a:lnSpc>
+                <a:spcPct val="100000"/>
+              </a:lnSpc>
               <a:spcBef>
                 <a:spcPts val="0"/>
               </a:spcBef>
@@ -3850,7 +4893,10 @@
               <a:buNone/>
               <a:defRPr/>
             </a:lvl8pPr>
-            <a:lvl9pPr lvl="8">
+            <a:lvl9pPr lvl="8" algn="l">
+              <a:lnSpc>
+                <a:spcPct val="100000"/>
+              </a:lnSpc>
               <a:spcBef>
                 <a:spcPts val="0"/>
               </a:spcBef>
@@ -4081,6 +5127,9 @@
           <a:bodyPr spcFirstLastPara="1" wrap="square" lIns="91425" tIns="45700" rIns="91425" bIns="45700" anchor="ctr" anchorCtr="0"/>
           <a:lstStyle>
             <a:lvl1pPr lvl="0" algn="l">
+              <a:lnSpc>
+                <a:spcPct val="100000"/>
+              </a:lnSpc>
               <a:spcBef>
                 <a:spcPts val="0"/>
               </a:spcBef>
@@ -4092,6 +5141,9 @@
               <a:defRPr/>
             </a:lvl1pPr>
             <a:lvl2pPr lvl="1" algn="l">
+              <a:lnSpc>
+                <a:spcPct val="100000"/>
+              </a:lnSpc>
               <a:spcBef>
                 <a:spcPts val="0"/>
               </a:spcBef>
@@ -4103,6 +5155,9 @@
               <a:defRPr/>
             </a:lvl2pPr>
             <a:lvl3pPr lvl="2" algn="l">
+              <a:lnSpc>
+                <a:spcPct val="100000"/>
+              </a:lnSpc>
               <a:spcBef>
                 <a:spcPts val="0"/>
               </a:spcBef>
@@ -4114,6 +5169,9 @@
               <a:defRPr/>
             </a:lvl3pPr>
             <a:lvl4pPr lvl="3" algn="l">
+              <a:lnSpc>
+                <a:spcPct val="100000"/>
+              </a:lnSpc>
               <a:spcBef>
                 <a:spcPts val="0"/>
               </a:spcBef>
@@ -4125,6 +5183,9 @@
               <a:defRPr/>
             </a:lvl4pPr>
             <a:lvl5pPr lvl="4" algn="l">
+              <a:lnSpc>
+                <a:spcPct val="100000"/>
+              </a:lnSpc>
               <a:spcBef>
                 <a:spcPts val="0"/>
               </a:spcBef>
@@ -4136,6 +5197,9 @@
               <a:defRPr/>
             </a:lvl5pPr>
             <a:lvl6pPr lvl="5" algn="l">
+              <a:lnSpc>
+                <a:spcPct val="100000"/>
+              </a:lnSpc>
               <a:spcBef>
                 <a:spcPts val="0"/>
               </a:spcBef>
@@ -4147,6 +5211,9 @@
               <a:defRPr/>
             </a:lvl6pPr>
             <a:lvl7pPr lvl="6" algn="l">
+              <a:lnSpc>
+                <a:spcPct val="100000"/>
+              </a:lnSpc>
               <a:spcBef>
                 <a:spcPts val="0"/>
               </a:spcBef>
@@ -4158,6 +5225,9 @@
               <a:defRPr/>
             </a:lvl7pPr>
             <a:lvl8pPr lvl="7" algn="l">
+              <a:lnSpc>
+                <a:spcPct val="100000"/>
+              </a:lnSpc>
               <a:spcBef>
                 <a:spcPts val="0"/>
               </a:spcBef>
@@ -4169,6 +5239,9 @@
               <a:defRPr/>
             </a:lvl8pPr>
             <a:lvl9pPr lvl="8" algn="l">
+              <a:lnSpc>
+                <a:spcPct val="100000"/>
+              </a:lnSpc>
               <a:spcBef>
                 <a:spcPts val="0"/>
               </a:spcBef>
@@ -4212,6 +5285,9 @@
           <a:bodyPr spcFirstLastPara="1" wrap="square" lIns="91425" tIns="45700" rIns="91425" bIns="45700" anchor="ctr" anchorCtr="0"/>
           <a:lstStyle>
             <a:lvl1pPr lvl="0" algn="ctr">
+              <a:lnSpc>
+                <a:spcPct val="100000"/>
+              </a:lnSpc>
               <a:spcBef>
                 <a:spcPts val="0"/>
               </a:spcBef>
@@ -4223,6 +5299,9 @@
               <a:defRPr/>
             </a:lvl1pPr>
             <a:lvl2pPr lvl="1" algn="l">
+              <a:lnSpc>
+                <a:spcPct val="100000"/>
+              </a:lnSpc>
               <a:spcBef>
                 <a:spcPts val="0"/>
               </a:spcBef>
@@ -4234,6 +5313,9 @@
               <a:defRPr/>
             </a:lvl2pPr>
             <a:lvl3pPr lvl="2" algn="l">
+              <a:lnSpc>
+                <a:spcPct val="100000"/>
+              </a:lnSpc>
               <a:spcBef>
                 <a:spcPts val="0"/>
               </a:spcBef>
@@ -4245,6 +5327,9 @@
               <a:defRPr/>
             </a:lvl3pPr>
             <a:lvl4pPr lvl="3" algn="l">
+              <a:lnSpc>
+                <a:spcPct val="100000"/>
+              </a:lnSpc>
               <a:spcBef>
                 <a:spcPts val="0"/>
               </a:spcBef>
@@ -4256,6 +5341,9 @@
               <a:defRPr/>
             </a:lvl4pPr>
             <a:lvl5pPr lvl="4" algn="l">
+              <a:lnSpc>
+                <a:spcPct val="100000"/>
+              </a:lnSpc>
               <a:spcBef>
                 <a:spcPts val="0"/>
               </a:spcBef>
@@ -4267,6 +5355,9 @@
               <a:defRPr/>
             </a:lvl5pPr>
             <a:lvl6pPr lvl="5" algn="l">
+              <a:lnSpc>
+                <a:spcPct val="100000"/>
+              </a:lnSpc>
               <a:spcBef>
                 <a:spcPts val="0"/>
               </a:spcBef>
@@ -4278,6 +5369,9 @@
               <a:defRPr/>
             </a:lvl6pPr>
             <a:lvl7pPr lvl="6" algn="l">
+              <a:lnSpc>
+                <a:spcPct val="100000"/>
+              </a:lnSpc>
               <a:spcBef>
                 <a:spcPts val="0"/>
               </a:spcBef>
@@ -4289,6 +5383,9 @@
               <a:defRPr/>
             </a:lvl7pPr>
             <a:lvl8pPr lvl="7" algn="l">
+              <a:lnSpc>
+                <a:spcPct val="100000"/>
+              </a:lnSpc>
               <a:spcBef>
                 <a:spcPts val="0"/>
               </a:spcBef>
@@ -4300,6 +5397,9 @@
               <a:defRPr/>
             </a:lvl8pPr>
             <a:lvl9pPr lvl="8" algn="l">
+              <a:lnSpc>
+                <a:spcPct val="100000"/>
+              </a:lnSpc>
               <a:spcBef>
                 <a:spcPts val="0"/>
               </a:spcBef>
@@ -4344,68 +5444,239 @@
             <a:noAutofit/>
           </a:bodyPr>
           <a:lstStyle>
-            <a:lvl1pPr marL="0" lvl="0" indent="0" algn="r">
-              <a:spcBef>
-                <a:spcPts val="0"/>
-              </a:spcBef>
-              <a:buNone/>
-              <a:defRPr/>
+            <a:lvl1pPr marL="0" marR="0" lvl="0" indent="0" algn="r">
+              <a:lnSpc>
+                <a:spcPct val="100000"/>
+              </a:lnSpc>
+              <a:spcBef>
+                <a:spcPts val="0"/>
+              </a:spcBef>
+              <a:spcAft>
+                <a:spcPts val="0"/>
+              </a:spcAft>
+              <a:buClr>
+                <a:srgbClr val="000000"/>
+              </a:buClr>
+              <a:buSzPts val="1200"/>
+              <a:buFont typeface="Arial"/>
+              <a:buNone/>
+              <a:defRPr sz="1200" b="0" i="0" u="none" strike="noStrike" cap="none">
+                <a:solidFill>
+                  <a:srgbClr val="888888"/>
+                </a:solidFill>
+                <a:latin typeface="Calibri"/>
+                <a:ea typeface="Calibri"/>
+                <a:cs typeface="Calibri"/>
+                <a:sym typeface="Calibri"/>
+              </a:defRPr>
             </a:lvl1pPr>
-            <a:lvl2pPr marL="0" lvl="1" indent="0" algn="r">
-              <a:spcBef>
-                <a:spcPts val="0"/>
-              </a:spcBef>
-              <a:buNone/>
-              <a:defRPr/>
+            <a:lvl2pPr marL="0" marR="0" lvl="1" indent="0" algn="r">
+              <a:lnSpc>
+                <a:spcPct val="100000"/>
+              </a:lnSpc>
+              <a:spcBef>
+                <a:spcPts val="0"/>
+              </a:spcBef>
+              <a:spcAft>
+                <a:spcPts val="0"/>
+              </a:spcAft>
+              <a:buClr>
+                <a:srgbClr val="000000"/>
+              </a:buClr>
+              <a:buSzPts val="1200"/>
+              <a:buFont typeface="Arial"/>
+              <a:buNone/>
+              <a:defRPr sz="1200" b="0" i="0" u="none" strike="noStrike" cap="none">
+                <a:solidFill>
+                  <a:srgbClr val="888888"/>
+                </a:solidFill>
+                <a:latin typeface="Calibri"/>
+                <a:ea typeface="Calibri"/>
+                <a:cs typeface="Calibri"/>
+                <a:sym typeface="Calibri"/>
+              </a:defRPr>
             </a:lvl2pPr>
-            <a:lvl3pPr marL="0" lvl="2" indent="0" algn="r">
-              <a:spcBef>
-                <a:spcPts val="0"/>
-              </a:spcBef>
-              <a:buNone/>
-              <a:defRPr/>
+            <a:lvl3pPr marL="0" marR="0" lvl="2" indent="0" algn="r">
+              <a:lnSpc>
+                <a:spcPct val="100000"/>
+              </a:lnSpc>
+              <a:spcBef>
+                <a:spcPts val="0"/>
+              </a:spcBef>
+              <a:spcAft>
+                <a:spcPts val="0"/>
+              </a:spcAft>
+              <a:buClr>
+                <a:srgbClr val="000000"/>
+              </a:buClr>
+              <a:buSzPts val="1200"/>
+              <a:buFont typeface="Arial"/>
+              <a:buNone/>
+              <a:defRPr sz="1200" b="0" i="0" u="none" strike="noStrike" cap="none">
+                <a:solidFill>
+                  <a:srgbClr val="888888"/>
+                </a:solidFill>
+                <a:latin typeface="Calibri"/>
+                <a:ea typeface="Calibri"/>
+                <a:cs typeface="Calibri"/>
+                <a:sym typeface="Calibri"/>
+              </a:defRPr>
             </a:lvl3pPr>
-            <a:lvl4pPr marL="0" lvl="3" indent="0" algn="r">
-              <a:spcBef>
-                <a:spcPts val="0"/>
-              </a:spcBef>
-              <a:buNone/>
-              <a:defRPr/>
+            <a:lvl4pPr marL="0" marR="0" lvl="3" indent="0" algn="r">
+              <a:lnSpc>
+                <a:spcPct val="100000"/>
+              </a:lnSpc>
+              <a:spcBef>
+                <a:spcPts val="0"/>
+              </a:spcBef>
+              <a:spcAft>
+                <a:spcPts val="0"/>
+              </a:spcAft>
+              <a:buClr>
+                <a:srgbClr val="000000"/>
+              </a:buClr>
+              <a:buSzPts val="1200"/>
+              <a:buFont typeface="Arial"/>
+              <a:buNone/>
+              <a:defRPr sz="1200" b="0" i="0" u="none" strike="noStrike" cap="none">
+                <a:solidFill>
+                  <a:srgbClr val="888888"/>
+                </a:solidFill>
+                <a:latin typeface="Calibri"/>
+                <a:ea typeface="Calibri"/>
+                <a:cs typeface="Calibri"/>
+                <a:sym typeface="Calibri"/>
+              </a:defRPr>
             </a:lvl4pPr>
-            <a:lvl5pPr marL="0" lvl="4" indent="0" algn="r">
-              <a:spcBef>
-                <a:spcPts val="0"/>
-              </a:spcBef>
-              <a:buNone/>
-              <a:defRPr/>
+            <a:lvl5pPr marL="0" marR="0" lvl="4" indent="0" algn="r">
+              <a:lnSpc>
+                <a:spcPct val="100000"/>
+              </a:lnSpc>
+              <a:spcBef>
+                <a:spcPts val="0"/>
+              </a:spcBef>
+              <a:spcAft>
+                <a:spcPts val="0"/>
+              </a:spcAft>
+              <a:buClr>
+                <a:srgbClr val="000000"/>
+              </a:buClr>
+              <a:buSzPts val="1200"/>
+              <a:buFont typeface="Arial"/>
+              <a:buNone/>
+              <a:defRPr sz="1200" b="0" i="0" u="none" strike="noStrike" cap="none">
+                <a:solidFill>
+                  <a:srgbClr val="888888"/>
+                </a:solidFill>
+                <a:latin typeface="Calibri"/>
+                <a:ea typeface="Calibri"/>
+                <a:cs typeface="Calibri"/>
+                <a:sym typeface="Calibri"/>
+              </a:defRPr>
             </a:lvl5pPr>
-            <a:lvl6pPr marL="0" lvl="5" indent="0" algn="r">
-              <a:spcBef>
-                <a:spcPts val="0"/>
-              </a:spcBef>
-              <a:buNone/>
-              <a:defRPr/>
+            <a:lvl6pPr marL="0" marR="0" lvl="5" indent="0" algn="r">
+              <a:lnSpc>
+                <a:spcPct val="100000"/>
+              </a:lnSpc>
+              <a:spcBef>
+                <a:spcPts val="0"/>
+              </a:spcBef>
+              <a:spcAft>
+                <a:spcPts val="0"/>
+              </a:spcAft>
+              <a:buClr>
+                <a:srgbClr val="000000"/>
+              </a:buClr>
+              <a:buSzPts val="1200"/>
+              <a:buFont typeface="Arial"/>
+              <a:buNone/>
+              <a:defRPr sz="1200" b="0" i="0" u="none" strike="noStrike" cap="none">
+                <a:solidFill>
+                  <a:srgbClr val="888888"/>
+                </a:solidFill>
+                <a:latin typeface="Calibri"/>
+                <a:ea typeface="Calibri"/>
+                <a:cs typeface="Calibri"/>
+                <a:sym typeface="Calibri"/>
+              </a:defRPr>
             </a:lvl6pPr>
-            <a:lvl7pPr marL="0" lvl="6" indent="0" algn="r">
-              <a:spcBef>
-                <a:spcPts val="0"/>
-              </a:spcBef>
-              <a:buNone/>
-              <a:defRPr/>
+            <a:lvl7pPr marL="0" marR="0" lvl="6" indent="0" algn="r">
+              <a:lnSpc>
+                <a:spcPct val="100000"/>
+              </a:lnSpc>
+              <a:spcBef>
+                <a:spcPts val="0"/>
+              </a:spcBef>
+              <a:spcAft>
+                <a:spcPts val="0"/>
+              </a:spcAft>
+              <a:buClr>
+                <a:srgbClr val="000000"/>
+              </a:buClr>
+              <a:buSzPts val="1200"/>
+              <a:buFont typeface="Arial"/>
+              <a:buNone/>
+              <a:defRPr sz="1200" b="0" i="0" u="none" strike="noStrike" cap="none">
+                <a:solidFill>
+                  <a:srgbClr val="888888"/>
+                </a:solidFill>
+                <a:latin typeface="Calibri"/>
+                <a:ea typeface="Calibri"/>
+                <a:cs typeface="Calibri"/>
+                <a:sym typeface="Calibri"/>
+              </a:defRPr>
             </a:lvl7pPr>
-            <a:lvl8pPr marL="0" lvl="7" indent="0" algn="r">
-              <a:spcBef>
-                <a:spcPts val="0"/>
-              </a:spcBef>
-              <a:buNone/>
-              <a:defRPr/>
+            <a:lvl8pPr marL="0" marR="0" lvl="7" indent="0" algn="r">
+              <a:lnSpc>
+                <a:spcPct val="100000"/>
+              </a:lnSpc>
+              <a:spcBef>
+                <a:spcPts val="0"/>
+              </a:spcBef>
+              <a:spcAft>
+                <a:spcPts val="0"/>
+              </a:spcAft>
+              <a:buClr>
+                <a:srgbClr val="000000"/>
+              </a:buClr>
+              <a:buSzPts val="1200"/>
+              <a:buFont typeface="Arial"/>
+              <a:buNone/>
+              <a:defRPr sz="1200" b="0" i="0" u="none" strike="noStrike" cap="none">
+                <a:solidFill>
+                  <a:srgbClr val="888888"/>
+                </a:solidFill>
+                <a:latin typeface="Calibri"/>
+                <a:ea typeface="Calibri"/>
+                <a:cs typeface="Calibri"/>
+                <a:sym typeface="Calibri"/>
+              </a:defRPr>
             </a:lvl8pPr>
-            <a:lvl9pPr marL="0" lvl="8" indent="0" algn="r">
-              <a:spcBef>
-                <a:spcPts val="0"/>
-              </a:spcBef>
-              <a:buNone/>
-              <a:defRPr/>
+            <a:lvl9pPr marL="0" marR="0" lvl="8" indent="0" algn="r">
+              <a:lnSpc>
+                <a:spcPct val="100000"/>
+              </a:lnSpc>
+              <a:spcBef>
+                <a:spcPts val="0"/>
+              </a:spcBef>
+              <a:spcAft>
+                <a:spcPts val="0"/>
+              </a:spcAft>
+              <a:buClr>
+                <a:srgbClr val="000000"/>
+              </a:buClr>
+              <a:buSzPts val="1200"/>
+              <a:buFont typeface="Arial"/>
+              <a:buNone/>
+              <a:defRPr sz="1200" b="0" i="0" u="none" strike="noStrike" cap="none">
+                <a:solidFill>
+                  <a:srgbClr val="888888"/>
+                </a:solidFill>
+                <a:latin typeface="Calibri"/>
+                <a:ea typeface="Calibri"/>
+                <a:cs typeface="Calibri"/>
+                <a:sym typeface="Calibri"/>
+              </a:defRPr>
             </a:lvl9pPr>
           </a:lstStyle>
           <a:p>
@@ -4497,7 +5768,10 @@
               <a:buNone/>
               <a:defRPr sz="6000"/>
             </a:lvl1pPr>
-            <a:lvl2pPr lvl="1">
+            <a:lvl2pPr lvl="1" algn="l">
+              <a:lnSpc>
+                <a:spcPct val="100000"/>
+              </a:lnSpc>
               <a:spcBef>
                 <a:spcPts val="0"/>
               </a:spcBef>
@@ -4508,7 +5782,10 @@
               <a:buNone/>
               <a:defRPr/>
             </a:lvl2pPr>
-            <a:lvl3pPr lvl="2">
+            <a:lvl3pPr lvl="2" algn="l">
+              <a:lnSpc>
+                <a:spcPct val="100000"/>
+              </a:lnSpc>
               <a:spcBef>
                 <a:spcPts val="0"/>
               </a:spcBef>
@@ -4519,7 +5796,10 @@
               <a:buNone/>
               <a:defRPr/>
             </a:lvl3pPr>
-            <a:lvl4pPr lvl="3">
+            <a:lvl4pPr lvl="3" algn="l">
+              <a:lnSpc>
+                <a:spcPct val="100000"/>
+              </a:lnSpc>
               <a:spcBef>
                 <a:spcPts val="0"/>
               </a:spcBef>
@@ -4530,7 +5810,10 @@
               <a:buNone/>
               <a:defRPr/>
             </a:lvl4pPr>
-            <a:lvl5pPr lvl="4">
+            <a:lvl5pPr lvl="4" algn="l">
+              <a:lnSpc>
+                <a:spcPct val="100000"/>
+              </a:lnSpc>
               <a:spcBef>
                 <a:spcPts val="0"/>
               </a:spcBef>
@@ -4541,7 +5824,10 @@
               <a:buNone/>
               <a:defRPr/>
             </a:lvl5pPr>
-            <a:lvl6pPr lvl="5">
+            <a:lvl6pPr lvl="5" algn="l">
+              <a:lnSpc>
+                <a:spcPct val="100000"/>
+              </a:lnSpc>
               <a:spcBef>
                 <a:spcPts val="0"/>
               </a:spcBef>
@@ -4552,7 +5838,10 @@
               <a:buNone/>
               <a:defRPr/>
             </a:lvl6pPr>
-            <a:lvl7pPr lvl="6">
+            <a:lvl7pPr lvl="6" algn="l">
+              <a:lnSpc>
+                <a:spcPct val="100000"/>
+              </a:lnSpc>
               <a:spcBef>
                 <a:spcPts val="0"/>
               </a:spcBef>
@@ -4563,7 +5852,10 @@
               <a:buNone/>
               <a:defRPr/>
             </a:lvl7pPr>
-            <a:lvl8pPr lvl="7">
+            <a:lvl8pPr lvl="7" algn="l">
+              <a:lnSpc>
+                <a:spcPct val="100000"/>
+              </a:lnSpc>
               <a:spcBef>
                 <a:spcPts val="0"/>
               </a:spcBef>
@@ -4574,7 +5866,10 @@
               <a:buNone/>
               <a:defRPr/>
             </a:lvl8pPr>
-            <a:lvl9pPr lvl="8">
+            <a:lvl9pPr lvl="8" algn="l">
+              <a:lnSpc>
+                <a:spcPct val="100000"/>
+              </a:lnSpc>
               <a:spcBef>
                 <a:spcPts val="0"/>
               </a:spcBef>
@@ -4841,6 +6136,9 @@
           <a:bodyPr spcFirstLastPara="1" wrap="square" lIns="91425" tIns="45700" rIns="91425" bIns="45700" anchor="ctr" anchorCtr="0"/>
           <a:lstStyle>
             <a:lvl1pPr lvl="0" algn="l">
+              <a:lnSpc>
+                <a:spcPct val="100000"/>
+              </a:lnSpc>
               <a:spcBef>
                 <a:spcPts val="0"/>
               </a:spcBef>
@@ -4852,6 +6150,9 @@
               <a:defRPr/>
             </a:lvl1pPr>
             <a:lvl2pPr lvl="1" algn="l">
+              <a:lnSpc>
+                <a:spcPct val="100000"/>
+              </a:lnSpc>
               <a:spcBef>
                 <a:spcPts val="0"/>
               </a:spcBef>
@@ -4863,6 +6164,9 @@
               <a:defRPr/>
             </a:lvl2pPr>
             <a:lvl3pPr lvl="2" algn="l">
+              <a:lnSpc>
+                <a:spcPct val="100000"/>
+              </a:lnSpc>
               <a:spcBef>
                 <a:spcPts val="0"/>
               </a:spcBef>
@@ -4874,6 +6178,9 @@
               <a:defRPr/>
             </a:lvl3pPr>
             <a:lvl4pPr lvl="3" algn="l">
+              <a:lnSpc>
+                <a:spcPct val="100000"/>
+              </a:lnSpc>
               <a:spcBef>
                 <a:spcPts val="0"/>
               </a:spcBef>
@@ -4885,6 +6192,9 @@
               <a:defRPr/>
             </a:lvl4pPr>
             <a:lvl5pPr lvl="4" algn="l">
+              <a:lnSpc>
+                <a:spcPct val="100000"/>
+              </a:lnSpc>
               <a:spcBef>
                 <a:spcPts val="0"/>
               </a:spcBef>
@@ -4896,6 +6206,9 @@
               <a:defRPr/>
             </a:lvl5pPr>
             <a:lvl6pPr lvl="5" algn="l">
+              <a:lnSpc>
+                <a:spcPct val="100000"/>
+              </a:lnSpc>
               <a:spcBef>
                 <a:spcPts val="0"/>
               </a:spcBef>
@@ -4907,6 +6220,9 @@
               <a:defRPr/>
             </a:lvl6pPr>
             <a:lvl7pPr lvl="6" algn="l">
+              <a:lnSpc>
+                <a:spcPct val="100000"/>
+              </a:lnSpc>
               <a:spcBef>
                 <a:spcPts val="0"/>
               </a:spcBef>
@@ -4918,6 +6234,9 @@
               <a:defRPr/>
             </a:lvl7pPr>
             <a:lvl8pPr lvl="7" algn="l">
+              <a:lnSpc>
+                <a:spcPct val="100000"/>
+              </a:lnSpc>
               <a:spcBef>
                 <a:spcPts val="0"/>
               </a:spcBef>
@@ -4929,6 +6248,9 @@
               <a:defRPr/>
             </a:lvl8pPr>
             <a:lvl9pPr lvl="8" algn="l">
+              <a:lnSpc>
+                <a:spcPct val="100000"/>
+              </a:lnSpc>
               <a:spcBef>
                 <a:spcPts val="0"/>
               </a:spcBef>
@@ -4972,6 +6294,9 @@
           <a:bodyPr spcFirstLastPara="1" wrap="square" lIns="91425" tIns="45700" rIns="91425" bIns="45700" anchor="ctr" anchorCtr="0"/>
           <a:lstStyle>
             <a:lvl1pPr lvl="0" algn="ctr">
+              <a:lnSpc>
+                <a:spcPct val="100000"/>
+              </a:lnSpc>
               <a:spcBef>
                 <a:spcPts val="0"/>
               </a:spcBef>
@@ -4983,6 +6308,9 @@
               <a:defRPr/>
             </a:lvl1pPr>
             <a:lvl2pPr lvl="1" algn="l">
+              <a:lnSpc>
+                <a:spcPct val="100000"/>
+              </a:lnSpc>
               <a:spcBef>
                 <a:spcPts val="0"/>
               </a:spcBef>
@@ -4994,6 +6322,9 @@
               <a:defRPr/>
             </a:lvl2pPr>
             <a:lvl3pPr lvl="2" algn="l">
+              <a:lnSpc>
+                <a:spcPct val="100000"/>
+              </a:lnSpc>
               <a:spcBef>
                 <a:spcPts val="0"/>
               </a:spcBef>
@@ -5005,6 +6336,9 @@
               <a:defRPr/>
             </a:lvl3pPr>
             <a:lvl4pPr lvl="3" algn="l">
+              <a:lnSpc>
+                <a:spcPct val="100000"/>
+              </a:lnSpc>
               <a:spcBef>
                 <a:spcPts val="0"/>
               </a:spcBef>
@@ -5016,6 +6350,9 @@
               <a:defRPr/>
             </a:lvl4pPr>
             <a:lvl5pPr lvl="4" algn="l">
+              <a:lnSpc>
+                <a:spcPct val="100000"/>
+              </a:lnSpc>
               <a:spcBef>
                 <a:spcPts val="0"/>
               </a:spcBef>
@@ -5027,6 +6364,9 @@
               <a:defRPr/>
             </a:lvl5pPr>
             <a:lvl6pPr lvl="5" algn="l">
+              <a:lnSpc>
+                <a:spcPct val="100000"/>
+              </a:lnSpc>
               <a:spcBef>
                 <a:spcPts val="0"/>
               </a:spcBef>
@@ -5038,6 +6378,9 @@
               <a:defRPr/>
             </a:lvl6pPr>
             <a:lvl7pPr lvl="6" algn="l">
+              <a:lnSpc>
+                <a:spcPct val="100000"/>
+              </a:lnSpc>
               <a:spcBef>
                 <a:spcPts val="0"/>
               </a:spcBef>
@@ -5049,6 +6392,9 @@
               <a:defRPr/>
             </a:lvl7pPr>
             <a:lvl8pPr lvl="7" algn="l">
+              <a:lnSpc>
+                <a:spcPct val="100000"/>
+              </a:lnSpc>
               <a:spcBef>
                 <a:spcPts val="0"/>
               </a:spcBef>
@@ -5060,6 +6406,9 @@
               <a:defRPr/>
             </a:lvl8pPr>
             <a:lvl9pPr lvl="8" algn="l">
+              <a:lnSpc>
+                <a:spcPct val="100000"/>
+              </a:lnSpc>
               <a:spcBef>
                 <a:spcPts val="0"/>
               </a:spcBef>
@@ -5104,68 +6453,239 @@
             <a:noAutofit/>
           </a:bodyPr>
           <a:lstStyle>
-            <a:lvl1pPr marL="0" lvl="0" indent="0" algn="r">
-              <a:spcBef>
-                <a:spcPts val="0"/>
-              </a:spcBef>
-              <a:buNone/>
-              <a:defRPr/>
+            <a:lvl1pPr marL="0" marR="0" lvl="0" indent="0" algn="r">
+              <a:lnSpc>
+                <a:spcPct val="100000"/>
+              </a:lnSpc>
+              <a:spcBef>
+                <a:spcPts val="0"/>
+              </a:spcBef>
+              <a:spcAft>
+                <a:spcPts val="0"/>
+              </a:spcAft>
+              <a:buClr>
+                <a:srgbClr val="000000"/>
+              </a:buClr>
+              <a:buSzPts val="1200"/>
+              <a:buFont typeface="Arial"/>
+              <a:buNone/>
+              <a:defRPr sz="1200" b="0" i="0" u="none" strike="noStrike" cap="none">
+                <a:solidFill>
+                  <a:srgbClr val="888888"/>
+                </a:solidFill>
+                <a:latin typeface="Calibri"/>
+                <a:ea typeface="Calibri"/>
+                <a:cs typeface="Calibri"/>
+                <a:sym typeface="Calibri"/>
+              </a:defRPr>
             </a:lvl1pPr>
-            <a:lvl2pPr marL="0" lvl="1" indent="0" algn="r">
-              <a:spcBef>
-                <a:spcPts val="0"/>
-              </a:spcBef>
-              <a:buNone/>
-              <a:defRPr/>
+            <a:lvl2pPr marL="0" marR="0" lvl="1" indent="0" algn="r">
+              <a:lnSpc>
+                <a:spcPct val="100000"/>
+              </a:lnSpc>
+              <a:spcBef>
+                <a:spcPts val="0"/>
+              </a:spcBef>
+              <a:spcAft>
+                <a:spcPts val="0"/>
+              </a:spcAft>
+              <a:buClr>
+                <a:srgbClr val="000000"/>
+              </a:buClr>
+              <a:buSzPts val="1200"/>
+              <a:buFont typeface="Arial"/>
+              <a:buNone/>
+              <a:defRPr sz="1200" b="0" i="0" u="none" strike="noStrike" cap="none">
+                <a:solidFill>
+                  <a:srgbClr val="888888"/>
+                </a:solidFill>
+                <a:latin typeface="Calibri"/>
+                <a:ea typeface="Calibri"/>
+                <a:cs typeface="Calibri"/>
+                <a:sym typeface="Calibri"/>
+              </a:defRPr>
             </a:lvl2pPr>
-            <a:lvl3pPr marL="0" lvl="2" indent="0" algn="r">
-              <a:spcBef>
-                <a:spcPts val="0"/>
-              </a:spcBef>
-              <a:buNone/>
-              <a:defRPr/>
+            <a:lvl3pPr marL="0" marR="0" lvl="2" indent="0" algn="r">
+              <a:lnSpc>
+                <a:spcPct val="100000"/>
+              </a:lnSpc>
+              <a:spcBef>
+                <a:spcPts val="0"/>
+              </a:spcBef>
+              <a:spcAft>
+                <a:spcPts val="0"/>
+              </a:spcAft>
+              <a:buClr>
+                <a:srgbClr val="000000"/>
+              </a:buClr>
+              <a:buSzPts val="1200"/>
+              <a:buFont typeface="Arial"/>
+              <a:buNone/>
+              <a:defRPr sz="1200" b="0" i="0" u="none" strike="noStrike" cap="none">
+                <a:solidFill>
+                  <a:srgbClr val="888888"/>
+                </a:solidFill>
+                <a:latin typeface="Calibri"/>
+                <a:ea typeface="Calibri"/>
+                <a:cs typeface="Calibri"/>
+                <a:sym typeface="Calibri"/>
+              </a:defRPr>
             </a:lvl3pPr>
-            <a:lvl4pPr marL="0" lvl="3" indent="0" algn="r">
-              <a:spcBef>
-                <a:spcPts val="0"/>
-              </a:spcBef>
-              <a:buNone/>
-              <a:defRPr/>
+            <a:lvl4pPr marL="0" marR="0" lvl="3" indent="0" algn="r">
+              <a:lnSpc>
+                <a:spcPct val="100000"/>
+              </a:lnSpc>
+              <a:spcBef>
+                <a:spcPts val="0"/>
+              </a:spcBef>
+              <a:spcAft>
+                <a:spcPts val="0"/>
+              </a:spcAft>
+              <a:buClr>
+                <a:srgbClr val="000000"/>
+              </a:buClr>
+              <a:buSzPts val="1200"/>
+              <a:buFont typeface="Arial"/>
+              <a:buNone/>
+              <a:defRPr sz="1200" b="0" i="0" u="none" strike="noStrike" cap="none">
+                <a:solidFill>
+                  <a:srgbClr val="888888"/>
+                </a:solidFill>
+                <a:latin typeface="Calibri"/>
+                <a:ea typeface="Calibri"/>
+                <a:cs typeface="Calibri"/>
+                <a:sym typeface="Calibri"/>
+              </a:defRPr>
             </a:lvl4pPr>
-            <a:lvl5pPr marL="0" lvl="4" indent="0" algn="r">
-              <a:spcBef>
-                <a:spcPts val="0"/>
-              </a:spcBef>
-              <a:buNone/>
-              <a:defRPr/>
+            <a:lvl5pPr marL="0" marR="0" lvl="4" indent="0" algn="r">
+              <a:lnSpc>
+                <a:spcPct val="100000"/>
+              </a:lnSpc>
+              <a:spcBef>
+                <a:spcPts val="0"/>
+              </a:spcBef>
+              <a:spcAft>
+                <a:spcPts val="0"/>
+              </a:spcAft>
+              <a:buClr>
+                <a:srgbClr val="000000"/>
+              </a:buClr>
+              <a:buSzPts val="1200"/>
+              <a:buFont typeface="Arial"/>
+              <a:buNone/>
+              <a:defRPr sz="1200" b="0" i="0" u="none" strike="noStrike" cap="none">
+                <a:solidFill>
+                  <a:srgbClr val="888888"/>
+                </a:solidFill>
+                <a:latin typeface="Calibri"/>
+                <a:ea typeface="Calibri"/>
+                <a:cs typeface="Calibri"/>
+                <a:sym typeface="Calibri"/>
+              </a:defRPr>
             </a:lvl5pPr>
-            <a:lvl6pPr marL="0" lvl="5" indent="0" algn="r">
-              <a:spcBef>
-                <a:spcPts val="0"/>
-              </a:spcBef>
-              <a:buNone/>
-              <a:defRPr/>
+            <a:lvl6pPr marL="0" marR="0" lvl="5" indent="0" algn="r">
+              <a:lnSpc>
+                <a:spcPct val="100000"/>
+              </a:lnSpc>
+              <a:spcBef>
+                <a:spcPts val="0"/>
+              </a:spcBef>
+              <a:spcAft>
+                <a:spcPts val="0"/>
+              </a:spcAft>
+              <a:buClr>
+                <a:srgbClr val="000000"/>
+              </a:buClr>
+              <a:buSzPts val="1200"/>
+              <a:buFont typeface="Arial"/>
+              <a:buNone/>
+              <a:defRPr sz="1200" b="0" i="0" u="none" strike="noStrike" cap="none">
+                <a:solidFill>
+                  <a:srgbClr val="888888"/>
+                </a:solidFill>
+                <a:latin typeface="Calibri"/>
+                <a:ea typeface="Calibri"/>
+                <a:cs typeface="Calibri"/>
+                <a:sym typeface="Calibri"/>
+              </a:defRPr>
             </a:lvl6pPr>
-            <a:lvl7pPr marL="0" lvl="6" indent="0" algn="r">
-              <a:spcBef>
-                <a:spcPts val="0"/>
-              </a:spcBef>
-              <a:buNone/>
-              <a:defRPr/>
+            <a:lvl7pPr marL="0" marR="0" lvl="6" indent="0" algn="r">
+              <a:lnSpc>
+                <a:spcPct val="100000"/>
+              </a:lnSpc>
+              <a:spcBef>
+                <a:spcPts val="0"/>
+              </a:spcBef>
+              <a:spcAft>
+                <a:spcPts val="0"/>
+              </a:spcAft>
+              <a:buClr>
+                <a:srgbClr val="000000"/>
+              </a:buClr>
+              <a:buSzPts val="1200"/>
+              <a:buFont typeface="Arial"/>
+              <a:buNone/>
+              <a:defRPr sz="1200" b="0" i="0" u="none" strike="noStrike" cap="none">
+                <a:solidFill>
+                  <a:srgbClr val="888888"/>
+                </a:solidFill>
+                <a:latin typeface="Calibri"/>
+                <a:ea typeface="Calibri"/>
+                <a:cs typeface="Calibri"/>
+                <a:sym typeface="Calibri"/>
+              </a:defRPr>
             </a:lvl7pPr>
-            <a:lvl8pPr marL="0" lvl="7" indent="0" algn="r">
-              <a:spcBef>
-                <a:spcPts val="0"/>
-              </a:spcBef>
-              <a:buNone/>
-              <a:defRPr/>
+            <a:lvl8pPr marL="0" marR="0" lvl="7" indent="0" algn="r">
+              <a:lnSpc>
+                <a:spcPct val="100000"/>
+              </a:lnSpc>
+              <a:spcBef>
+                <a:spcPts val="0"/>
+              </a:spcBef>
+              <a:spcAft>
+                <a:spcPts val="0"/>
+              </a:spcAft>
+              <a:buClr>
+                <a:srgbClr val="000000"/>
+              </a:buClr>
+              <a:buSzPts val="1200"/>
+              <a:buFont typeface="Arial"/>
+              <a:buNone/>
+              <a:defRPr sz="1200" b="0" i="0" u="none" strike="noStrike" cap="none">
+                <a:solidFill>
+                  <a:srgbClr val="888888"/>
+                </a:solidFill>
+                <a:latin typeface="Calibri"/>
+                <a:ea typeface="Calibri"/>
+                <a:cs typeface="Calibri"/>
+                <a:sym typeface="Calibri"/>
+              </a:defRPr>
             </a:lvl8pPr>
-            <a:lvl9pPr marL="0" lvl="8" indent="0" algn="r">
-              <a:spcBef>
-                <a:spcPts val="0"/>
-              </a:spcBef>
-              <a:buNone/>
-              <a:defRPr/>
+            <a:lvl9pPr marL="0" marR="0" lvl="8" indent="0" algn="r">
+              <a:lnSpc>
+                <a:spcPct val="100000"/>
+              </a:lnSpc>
+              <a:spcBef>
+                <a:spcPts val="0"/>
+              </a:spcBef>
+              <a:spcAft>
+                <a:spcPts val="0"/>
+              </a:spcAft>
+              <a:buClr>
+                <a:srgbClr val="000000"/>
+              </a:buClr>
+              <a:buSzPts val="1200"/>
+              <a:buFont typeface="Arial"/>
+              <a:buNone/>
+              <a:defRPr sz="1200" b="0" i="0" u="none" strike="noStrike" cap="none">
+                <a:solidFill>
+                  <a:srgbClr val="888888"/>
+                </a:solidFill>
+                <a:latin typeface="Calibri"/>
+                <a:ea typeface="Calibri"/>
+                <a:cs typeface="Calibri"/>
+                <a:sym typeface="Calibri"/>
+              </a:defRPr>
             </a:lvl9pPr>
           </a:lstStyle>
           <a:p>
@@ -5256,7 +6776,10 @@
               <a:buNone/>
               <a:defRPr/>
             </a:lvl1pPr>
-            <a:lvl2pPr lvl="1">
+            <a:lvl2pPr lvl="1" algn="l">
+              <a:lnSpc>
+                <a:spcPct val="100000"/>
+              </a:lnSpc>
               <a:spcBef>
                 <a:spcPts val="0"/>
               </a:spcBef>
@@ -5267,7 +6790,10 @@
               <a:buNone/>
               <a:defRPr/>
             </a:lvl2pPr>
-            <a:lvl3pPr lvl="2">
+            <a:lvl3pPr lvl="2" algn="l">
+              <a:lnSpc>
+                <a:spcPct val="100000"/>
+              </a:lnSpc>
               <a:spcBef>
                 <a:spcPts val="0"/>
               </a:spcBef>
@@ -5278,7 +6804,10 @@
               <a:buNone/>
               <a:defRPr/>
             </a:lvl3pPr>
-            <a:lvl4pPr lvl="3">
+            <a:lvl4pPr lvl="3" algn="l">
+              <a:lnSpc>
+                <a:spcPct val="100000"/>
+              </a:lnSpc>
               <a:spcBef>
                 <a:spcPts val="0"/>
               </a:spcBef>
@@ -5289,7 +6818,10 @@
               <a:buNone/>
               <a:defRPr/>
             </a:lvl4pPr>
-            <a:lvl5pPr lvl="4">
+            <a:lvl5pPr lvl="4" algn="l">
+              <a:lnSpc>
+                <a:spcPct val="100000"/>
+              </a:lnSpc>
               <a:spcBef>
                 <a:spcPts val="0"/>
               </a:spcBef>
@@ -5300,7 +6832,10 @@
               <a:buNone/>
               <a:defRPr/>
             </a:lvl5pPr>
-            <a:lvl6pPr lvl="5">
+            <a:lvl6pPr lvl="5" algn="l">
+              <a:lnSpc>
+                <a:spcPct val="100000"/>
+              </a:lnSpc>
               <a:spcBef>
                 <a:spcPts val="0"/>
               </a:spcBef>
@@ -5311,7 +6846,10 @@
               <a:buNone/>
               <a:defRPr/>
             </a:lvl6pPr>
-            <a:lvl7pPr lvl="6">
+            <a:lvl7pPr lvl="6" algn="l">
+              <a:lnSpc>
+                <a:spcPct val="100000"/>
+              </a:lnSpc>
               <a:spcBef>
                 <a:spcPts val="0"/>
               </a:spcBef>
@@ -5322,7 +6860,10 @@
               <a:buNone/>
               <a:defRPr/>
             </a:lvl7pPr>
-            <a:lvl8pPr lvl="7">
+            <a:lvl8pPr lvl="7" algn="l">
+              <a:lnSpc>
+                <a:spcPct val="100000"/>
+              </a:lnSpc>
               <a:spcBef>
                 <a:spcPts val="0"/>
               </a:spcBef>
@@ -5333,7 +6874,10 @@
               <a:buNone/>
               <a:defRPr/>
             </a:lvl8pPr>
-            <a:lvl9pPr lvl="8">
+            <a:lvl9pPr lvl="8" algn="l">
+              <a:lnSpc>
+                <a:spcPct val="100000"/>
+              </a:lnSpc>
               <a:spcBef>
                 <a:spcPts val="0"/>
               </a:spcBef>
@@ -5751,6 +7295,9 @@
           <a:bodyPr spcFirstLastPara="1" wrap="square" lIns="91425" tIns="45700" rIns="91425" bIns="45700" anchor="ctr" anchorCtr="0"/>
           <a:lstStyle>
             <a:lvl1pPr lvl="0" algn="l">
+              <a:lnSpc>
+                <a:spcPct val="100000"/>
+              </a:lnSpc>
               <a:spcBef>
                 <a:spcPts val="0"/>
               </a:spcBef>
@@ -5762,6 +7309,9 @@
               <a:defRPr/>
             </a:lvl1pPr>
             <a:lvl2pPr lvl="1" algn="l">
+              <a:lnSpc>
+                <a:spcPct val="100000"/>
+              </a:lnSpc>
               <a:spcBef>
                 <a:spcPts val="0"/>
               </a:spcBef>
@@ -5773,6 +7323,9 @@
               <a:defRPr/>
             </a:lvl2pPr>
             <a:lvl3pPr lvl="2" algn="l">
+              <a:lnSpc>
+                <a:spcPct val="100000"/>
+              </a:lnSpc>
               <a:spcBef>
                 <a:spcPts val="0"/>
               </a:spcBef>
@@ -5784,6 +7337,9 @@
               <a:defRPr/>
             </a:lvl3pPr>
             <a:lvl4pPr lvl="3" algn="l">
+              <a:lnSpc>
+                <a:spcPct val="100000"/>
+              </a:lnSpc>
               <a:spcBef>
                 <a:spcPts val="0"/>
               </a:spcBef>
@@ -5795,6 +7351,9 @@
               <a:defRPr/>
             </a:lvl4pPr>
             <a:lvl5pPr lvl="4" algn="l">
+              <a:lnSpc>
+                <a:spcPct val="100000"/>
+              </a:lnSpc>
               <a:spcBef>
                 <a:spcPts val="0"/>
               </a:spcBef>
@@ -5806,6 +7365,9 @@
               <a:defRPr/>
             </a:lvl5pPr>
             <a:lvl6pPr lvl="5" algn="l">
+              <a:lnSpc>
+                <a:spcPct val="100000"/>
+              </a:lnSpc>
               <a:spcBef>
                 <a:spcPts val="0"/>
               </a:spcBef>
@@ -5817,6 +7379,9 @@
               <a:defRPr/>
             </a:lvl6pPr>
             <a:lvl7pPr lvl="6" algn="l">
+              <a:lnSpc>
+                <a:spcPct val="100000"/>
+              </a:lnSpc>
               <a:spcBef>
                 <a:spcPts val="0"/>
               </a:spcBef>
@@ -5828,6 +7393,9 @@
               <a:defRPr/>
             </a:lvl7pPr>
             <a:lvl8pPr lvl="7" algn="l">
+              <a:lnSpc>
+                <a:spcPct val="100000"/>
+              </a:lnSpc>
               <a:spcBef>
                 <a:spcPts val="0"/>
               </a:spcBef>
@@ -5839,6 +7407,9 @@
               <a:defRPr/>
             </a:lvl8pPr>
             <a:lvl9pPr lvl="8" algn="l">
+              <a:lnSpc>
+                <a:spcPct val="100000"/>
+              </a:lnSpc>
               <a:spcBef>
                 <a:spcPts val="0"/>
               </a:spcBef>
@@ -5882,6 +7453,9 @@
           <a:bodyPr spcFirstLastPara="1" wrap="square" lIns="91425" tIns="45700" rIns="91425" bIns="45700" anchor="ctr" anchorCtr="0"/>
           <a:lstStyle>
             <a:lvl1pPr lvl="0" algn="ctr">
+              <a:lnSpc>
+                <a:spcPct val="100000"/>
+              </a:lnSpc>
               <a:spcBef>
                 <a:spcPts val="0"/>
               </a:spcBef>
@@ -5893,6 +7467,9 @@
               <a:defRPr/>
             </a:lvl1pPr>
             <a:lvl2pPr lvl="1" algn="l">
+              <a:lnSpc>
+                <a:spcPct val="100000"/>
+              </a:lnSpc>
               <a:spcBef>
                 <a:spcPts val="0"/>
               </a:spcBef>
@@ -5904,6 +7481,9 @@
               <a:defRPr/>
             </a:lvl2pPr>
             <a:lvl3pPr lvl="2" algn="l">
+              <a:lnSpc>
+                <a:spcPct val="100000"/>
+              </a:lnSpc>
               <a:spcBef>
                 <a:spcPts val="0"/>
               </a:spcBef>
@@ -5915,6 +7495,9 @@
               <a:defRPr/>
             </a:lvl3pPr>
             <a:lvl4pPr lvl="3" algn="l">
+              <a:lnSpc>
+                <a:spcPct val="100000"/>
+              </a:lnSpc>
               <a:spcBef>
                 <a:spcPts val="0"/>
               </a:spcBef>
@@ -5926,6 +7509,9 @@
               <a:defRPr/>
             </a:lvl4pPr>
             <a:lvl5pPr lvl="4" algn="l">
+              <a:lnSpc>
+                <a:spcPct val="100000"/>
+              </a:lnSpc>
               <a:spcBef>
                 <a:spcPts val="0"/>
               </a:spcBef>
@@ -5937,6 +7523,9 @@
               <a:defRPr/>
             </a:lvl5pPr>
             <a:lvl6pPr lvl="5" algn="l">
+              <a:lnSpc>
+                <a:spcPct val="100000"/>
+              </a:lnSpc>
               <a:spcBef>
                 <a:spcPts val="0"/>
               </a:spcBef>
@@ -5948,6 +7537,9 @@
               <a:defRPr/>
             </a:lvl6pPr>
             <a:lvl7pPr lvl="6" algn="l">
+              <a:lnSpc>
+                <a:spcPct val="100000"/>
+              </a:lnSpc>
               <a:spcBef>
                 <a:spcPts val="0"/>
               </a:spcBef>
@@ -5959,6 +7551,9 @@
               <a:defRPr/>
             </a:lvl7pPr>
             <a:lvl8pPr lvl="7" algn="l">
+              <a:lnSpc>
+                <a:spcPct val="100000"/>
+              </a:lnSpc>
               <a:spcBef>
                 <a:spcPts val="0"/>
               </a:spcBef>
@@ -5970,6 +7565,9 @@
               <a:defRPr/>
             </a:lvl8pPr>
             <a:lvl9pPr lvl="8" algn="l">
+              <a:lnSpc>
+                <a:spcPct val="100000"/>
+              </a:lnSpc>
               <a:spcBef>
                 <a:spcPts val="0"/>
               </a:spcBef>
@@ -6014,68 +7612,239 @@
             <a:noAutofit/>
           </a:bodyPr>
           <a:lstStyle>
-            <a:lvl1pPr marL="0" lvl="0" indent="0" algn="r">
-              <a:spcBef>
-                <a:spcPts val="0"/>
-              </a:spcBef>
-              <a:buNone/>
-              <a:defRPr/>
+            <a:lvl1pPr marL="0" marR="0" lvl="0" indent="0" algn="r">
+              <a:lnSpc>
+                <a:spcPct val="100000"/>
+              </a:lnSpc>
+              <a:spcBef>
+                <a:spcPts val="0"/>
+              </a:spcBef>
+              <a:spcAft>
+                <a:spcPts val="0"/>
+              </a:spcAft>
+              <a:buClr>
+                <a:srgbClr val="000000"/>
+              </a:buClr>
+              <a:buSzPts val="1200"/>
+              <a:buFont typeface="Arial"/>
+              <a:buNone/>
+              <a:defRPr sz="1200" b="0" i="0" u="none" strike="noStrike" cap="none">
+                <a:solidFill>
+                  <a:srgbClr val="888888"/>
+                </a:solidFill>
+                <a:latin typeface="Calibri"/>
+                <a:ea typeface="Calibri"/>
+                <a:cs typeface="Calibri"/>
+                <a:sym typeface="Calibri"/>
+              </a:defRPr>
             </a:lvl1pPr>
-            <a:lvl2pPr marL="0" lvl="1" indent="0" algn="r">
-              <a:spcBef>
-                <a:spcPts val="0"/>
-              </a:spcBef>
-              <a:buNone/>
-              <a:defRPr/>
+            <a:lvl2pPr marL="0" marR="0" lvl="1" indent="0" algn="r">
+              <a:lnSpc>
+                <a:spcPct val="100000"/>
+              </a:lnSpc>
+              <a:spcBef>
+                <a:spcPts val="0"/>
+              </a:spcBef>
+              <a:spcAft>
+                <a:spcPts val="0"/>
+              </a:spcAft>
+              <a:buClr>
+                <a:srgbClr val="000000"/>
+              </a:buClr>
+              <a:buSzPts val="1200"/>
+              <a:buFont typeface="Arial"/>
+              <a:buNone/>
+              <a:defRPr sz="1200" b="0" i="0" u="none" strike="noStrike" cap="none">
+                <a:solidFill>
+                  <a:srgbClr val="888888"/>
+                </a:solidFill>
+                <a:latin typeface="Calibri"/>
+                <a:ea typeface="Calibri"/>
+                <a:cs typeface="Calibri"/>
+                <a:sym typeface="Calibri"/>
+              </a:defRPr>
             </a:lvl2pPr>
-            <a:lvl3pPr marL="0" lvl="2" indent="0" algn="r">
-              <a:spcBef>
-                <a:spcPts val="0"/>
-              </a:spcBef>
-              <a:buNone/>
-              <a:defRPr/>
+            <a:lvl3pPr marL="0" marR="0" lvl="2" indent="0" algn="r">
+              <a:lnSpc>
+                <a:spcPct val="100000"/>
+              </a:lnSpc>
+              <a:spcBef>
+                <a:spcPts val="0"/>
+              </a:spcBef>
+              <a:spcAft>
+                <a:spcPts val="0"/>
+              </a:spcAft>
+              <a:buClr>
+                <a:srgbClr val="000000"/>
+              </a:buClr>
+              <a:buSzPts val="1200"/>
+              <a:buFont typeface="Arial"/>
+              <a:buNone/>
+              <a:defRPr sz="1200" b="0" i="0" u="none" strike="noStrike" cap="none">
+                <a:solidFill>
+                  <a:srgbClr val="888888"/>
+                </a:solidFill>
+                <a:latin typeface="Calibri"/>
+                <a:ea typeface="Calibri"/>
+                <a:cs typeface="Calibri"/>
+                <a:sym typeface="Calibri"/>
+              </a:defRPr>
             </a:lvl3pPr>
-            <a:lvl4pPr marL="0" lvl="3" indent="0" algn="r">
-              <a:spcBef>
-                <a:spcPts val="0"/>
-              </a:spcBef>
-              <a:buNone/>
-              <a:defRPr/>
+            <a:lvl4pPr marL="0" marR="0" lvl="3" indent="0" algn="r">
+              <a:lnSpc>
+                <a:spcPct val="100000"/>
+              </a:lnSpc>
+              <a:spcBef>
+                <a:spcPts val="0"/>
+              </a:spcBef>
+              <a:spcAft>
+                <a:spcPts val="0"/>
+              </a:spcAft>
+              <a:buClr>
+                <a:srgbClr val="000000"/>
+              </a:buClr>
+              <a:buSzPts val="1200"/>
+              <a:buFont typeface="Arial"/>
+              <a:buNone/>
+              <a:defRPr sz="1200" b="0" i="0" u="none" strike="noStrike" cap="none">
+                <a:solidFill>
+                  <a:srgbClr val="888888"/>
+                </a:solidFill>
+                <a:latin typeface="Calibri"/>
+                <a:ea typeface="Calibri"/>
+                <a:cs typeface="Calibri"/>
+                <a:sym typeface="Calibri"/>
+              </a:defRPr>
             </a:lvl4pPr>
-            <a:lvl5pPr marL="0" lvl="4" indent="0" algn="r">
-              <a:spcBef>
-                <a:spcPts val="0"/>
-              </a:spcBef>
-              <a:buNone/>
-              <a:defRPr/>
+            <a:lvl5pPr marL="0" marR="0" lvl="4" indent="0" algn="r">
+              <a:lnSpc>
+                <a:spcPct val="100000"/>
+              </a:lnSpc>
+              <a:spcBef>
+                <a:spcPts val="0"/>
+              </a:spcBef>
+              <a:spcAft>
+                <a:spcPts val="0"/>
+              </a:spcAft>
+              <a:buClr>
+                <a:srgbClr val="000000"/>
+              </a:buClr>
+              <a:buSzPts val="1200"/>
+              <a:buFont typeface="Arial"/>
+              <a:buNone/>
+              <a:defRPr sz="1200" b="0" i="0" u="none" strike="noStrike" cap="none">
+                <a:solidFill>
+                  <a:srgbClr val="888888"/>
+                </a:solidFill>
+                <a:latin typeface="Calibri"/>
+                <a:ea typeface="Calibri"/>
+                <a:cs typeface="Calibri"/>
+                <a:sym typeface="Calibri"/>
+              </a:defRPr>
             </a:lvl5pPr>
-            <a:lvl6pPr marL="0" lvl="5" indent="0" algn="r">
-              <a:spcBef>
-                <a:spcPts val="0"/>
-              </a:spcBef>
-              <a:buNone/>
-              <a:defRPr/>
+            <a:lvl6pPr marL="0" marR="0" lvl="5" indent="0" algn="r">
+              <a:lnSpc>
+                <a:spcPct val="100000"/>
+              </a:lnSpc>
+              <a:spcBef>
+                <a:spcPts val="0"/>
+              </a:spcBef>
+              <a:spcAft>
+                <a:spcPts val="0"/>
+              </a:spcAft>
+              <a:buClr>
+                <a:srgbClr val="000000"/>
+              </a:buClr>
+              <a:buSzPts val="1200"/>
+              <a:buFont typeface="Arial"/>
+              <a:buNone/>
+              <a:defRPr sz="1200" b="0" i="0" u="none" strike="noStrike" cap="none">
+                <a:solidFill>
+                  <a:srgbClr val="888888"/>
+                </a:solidFill>
+                <a:latin typeface="Calibri"/>
+                <a:ea typeface="Calibri"/>
+                <a:cs typeface="Calibri"/>
+                <a:sym typeface="Calibri"/>
+              </a:defRPr>
             </a:lvl6pPr>
-            <a:lvl7pPr marL="0" lvl="6" indent="0" algn="r">
-              <a:spcBef>
-                <a:spcPts val="0"/>
-              </a:spcBef>
-              <a:buNone/>
-              <a:defRPr/>
+            <a:lvl7pPr marL="0" marR="0" lvl="6" indent="0" algn="r">
+              <a:lnSpc>
+                <a:spcPct val="100000"/>
+              </a:lnSpc>
+              <a:spcBef>
+                <a:spcPts val="0"/>
+              </a:spcBef>
+              <a:spcAft>
+                <a:spcPts val="0"/>
+              </a:spcAft>
+              <a:buClr>
+                <a:srgbClr val="000000"/>
+              </a:buClr>
+              <a:buSzPts val="1200"/>
+              <a:buFont typeface="Arial"/>
+              <a:buNone/>
+              <a:defRPr sz="1200" b="0" i="0" u="none" strike="noStrike" cap="none">
+                <a:solidFill>
+                  <a:srgbClr val="888888"/>
+                </a:solidFill>
+                <a:latin typeface="Calibri"/>
+                <a:ea typeface="Calibri"/>
+                <a:cs typeface="Calibri"/>
+                <a:sym typeface="Calibri"/>
+              </a:defRPr>
             </a:lvl7pPr>
-            <a:lvl8pPr marL="0" lvl="7" indent="0" algn="r">
-              <a:spcBef>
-                <a:spcPts val="0"/>
-              </a:spcBef>
-              <a:buNone/>
-              <a:defRPr/>
+            <a:lvl8pPr marL="0" marR="0" lvl="7" indent="0" algn="r">
+              <a:lnSpc>
+                <a:spcPct val="100000"/>
+              </a:lnSpc>
+              <a:spcBef>
+                <a:spcPts val="0"/>
+              </a:spcBef>
+              <a:spcAft>
+                <a:spcPts val="0"/>
+              </a:spcAft>
+              <a:buClr>
+                <a:srgbClr val="000000"/>
+              </a:buClr>
+              <a:buSzPts val="1200"/>
+              <a:buFont typeface="Arial"/>
+              <a:buNone/>
+              <a:defRPr sz="1200" b="0" i="0" u="none" strike="noStrike" cap="none">
+                <a:solidFill>
+                  <a:srgbClr val="888888"/>
+                </a:solidFill>
+                <a:latin typeface="Calibri"/>
+                <a:ea typeface="Calibri"/>
+                <a:cs typeface="Calibri"/>
+                <a:sym typeface="Calibri"/>
+              </a:defRPr>
             </a:lvl8pPr>
-            <a:lvl9pPr marL="0" lvl="8" indent="0" algn="r">
-              <a:spcBef>
-                <a:spcPts val="0"/>
-              </a:spcBef>
-              <a:buNone/>
-              <a:defRPr/>
+            <a:lvl9pPr marL="0" marR="0" lvl="8" indent="0" algn="r">
+              <a:lnSpc>
+                <a:spcPct val="100000"/>
+              </a:lnSpc>
+              <a:spcBef>
+                <a:spcPts val="0"/>
+              </a:spcBef>
+              <a:spcAft>
+                <a:spcPts val="0"/>
+              </a:spcAft>
+              <a:buClr>
+                <a:srgbClr val="000000"/>
+              </a:buClr>
+              <a:buSzPts val="1200"/>
+              <a:buFont typeface="Arial"/>
+              <a:buNone/>
+              <a:defRPr sz="1200" b="0" i="0" u="none" strike="noStrike" cap="none">
+                <a:solidFill>
+                  <a:srgbClr val="888888"/>
+                </a:solidFill>
+                <a:latin typeface="Calibri"/>
+                <a:ea typeface="Calibri"/>
+                <a:cs typeface="Calibri"/>
+                <a:sym typeface="Calibri"/>
+              </a:defRPr>
             </a:lvl9pPr>
           </a:lstStyle>
           <a:p>
@@ -6166,7 +7935,10 @@
               <a:buNone/>
               <a:defRPr/>
             </a:lvl1pPr>
-            <a:lvl2pPr lvl="1">
+            <a:lvl2pPr lvl="1" algn="l">
+              <a:lnSpc>
+                <a:spcPct val="100000"/>
+              </a:lnSpc>
               <a:spcBef>
                 <a:spcPts val="0"/>
               </a:spcBef>
@@ -6177,7 +7949,10 @@
               <a:buNone/>
               <a:defRPr/>
             </a:lvl2pPr>
-            <a:lvl3pPr lvl="2">
+            <a:lvl3pPr lvl="2" algn="l">
+              <a:lnSpc>
+                <a:spcPct val="100000"/>
+              </a:lnSpc>
               <a:spcBef>
                 <a:spcPts val="0"/>
               </a:spcBef>
@@ -6188,7 +7963,10 @@
               <a:buNone/>
               <a:defRPr/>
             </a:lvl3pPr>
-            <a:lvl4pPr lvl="3">
+            <a:lvl4pPr lvl="3" algn="l">
+              <a:lnSpc>
+                <a:spcPct val="100000"/>
+              </a:lnSpc>
               <a:spcBef>
                 <a:spcPts val="0"/>
               </a:spcBef>
@@ -6199,7 +7977,10 @@
               <a:buNone/>
               <a:defRPr/>
             </a:lvl4pPr>
-            <a:lvl5pPr lvl="4">
+            <a:lvl5pPr lvl="4" algn="l">
+              <a:lnSpc>
+                <a:spcPct val="100000"/>
+              </a:lnSpc>
               <a:spcBef>
                 <a:spcPts val="0"/>
               </a:spcBef>
@@ -6210,7 +7991,10 @@
               <a:buNone/>
               <a:defRPr/>
             </a:lvl5pPr>
-            <a:lvl6pPr lvl="5">
+            <a:lvl6pPr lvl="5" algn="l">
+              <a:lnSpc>
+                <a:spcPct val="100000"/>
+              </a:lnSpc>
               <a:spcBef>
                 <a:spcPts val="0"/>
               </a:spcBef>
@@ -6221,7 +8005,10 @@
               <a:buNone/>
               <a:defRPr/>
             </a:lvl6pPr>
-            <a:lvl7pPr lvl="6">
+            <a:lvl7pPr lvl="6" algn="l">
+              <a:lnSpc>
+                <a:spcPct val="100000"/>
+              </a:lnSpc>
               <a:spcBef>
                 <a:spcPts val="0"/>
               </a:spcBef>
@@ -6232,7 +8019,10 @@
               <a:buNone/>
               <a:defRPr/>
             </a:lvl7pPr>
-            <a:lvl8pPr lvl="7">
+            <a:lvl8pPr lvl="7" algn="l">
+              <a:lnSpc>
+                <a:spcPct val="100000"/>
+              </a:lnSpc>
               <a:spcBef>
                 <a:spcPts val="0"/>
               </a:spcBef>
@@ -6243,7 +8033,10 @@
               <a:buNone/>
               <a:defRPr/>
             </a:lvl8pPr>
-            <a:lvl9pPr lvl="8">
+            <a:lvl9pPr lvl="8" algn="l">
+              <a:lnSpc>
+                <a:spcPct val="100000"/>
+              </a:lnSpc>
               <a:spcBef>
                 <a:spcPts val="0"/>
               </a:spcBef>
@@ -7035,6 +8828,9 @@
           <a:bodyPr spcFirstLastPara="1" wrap="square" lIns="91425" tIns="45700" rIns="91425" bIns="45700" anchor="ctr" anchorCtr="0"/>
           <a:lstStyle>
             <a:lvl1pPr lvl="0" algn="l">
+              <a:lnSpc>
+                <a:spcPct val="100000"/>
+              </a:lnSpc>
               <a:spcBef>
                 <a:spcPts val="0"/>
               </a:spcBef>
@@ -7046,6 +8842,9 @@
               <a:defRPr/>
             </a:lvl1pPr>
             <a:lvl2pPr lvl="1" algn="l">
+              <a:lnSpc>
+                <a:spcPct val="100000"/>
+              </a:lnSpc>
               <a:spcBef>
                 <a:spcPts val="0"/>
               </a:spcBef>
@@ -7057,6 +8856,9 @@
               <a:defRPr/>
             </a:lvl2pPr>
             <a:lvl3pPr lvl="2" algn="l">
+              <a:lnSpc>
+                <a:spcPct val="100000"/>
+              </a:lnSpc>
               <a:spcBef>
                 <a:spcPts val="0"/>
               </a:spcBef>
@@ -7068,6 +8870,9 @@
               <a:defRPr/>
             </a:lvl3pPr>
             <a:lvl4pPr lvl="3" algn="l">
+              <a:lnSpc>
+                <a:spcPct val="100000"/>
+              </a:lnSpc>
               <a:spcBef>
                 <a:spcPts val="0"/>
               </a:spcBef>
@@ -7079,6 +8884,9 @@
               <a:defRPr/>
             </a:lvl4pPr>
             <a:lvl5pPr lvl="4" algn="l">
+              <a:lnSpc>
+                <a:spcPct val="100000"/>
+              </a:lnSpc>
               <a:spcBef>
                 <a:spcPts val="0"/>
               </a:spcBef>
@@ -7090,6 +8898,9 @@
               <a:defRPr/>
             </a:lvl5pPr>
             <a:lvl6pPr lvl="5" algn="l">
+              <a:lnSpc>
+                <a:spcPct val="100000"/>
+              </a:lnSpc>
               <a:spcBef>
                 <a:spcPts val="0"/>
               </a:spcBef>
@@ -7101,6 +8912,9 @@
               <a:defRPr/>
             </a:lvl6pPr>
             <a:lvl7pPr lvl="6" algn="l">
+              <a:lnSpc>
+                <a:spcPct val="100000"/>
+              </a:lnSpc>
               <a:spcBef>
                 <a:spcPts val="0"/>
               </a:spcBef>
@@ -7112,6 +8926,9 @@
               <a:defRPr/>
             </a:lvl7pPr>
             <a:lvl8pPr lvl="7" algn="l">
+              <a:lnSpc>
+                <a:spcPct val="100000"/>
+              </a:lnSpc>
               <a:spcBef>
                 <a:spcPts val="0"/>
               </a:spcBef>
@@ -7123,6 +8940,9 @@
               <a:defRPr/>
             </a:lvl8pPr>
             <a:lvl9pPr lvl="8" algn="l">
+              <a:lnSpc>
+                <a:spcPct val="100000"/>
+              </a:lnSpc>
               <a:spcBef>
                 <a:spcPts val="0"/>
               </a:spcBef>
@@ -7166,6 +8986,9 @@
           <a:bodyPr spcFirstLastPara="1" wrap="square" lIns="91425" tIns="45700" rIns="91425" bIns="45700" anchor="ctr" anchorCtr="0"/>
           <a:lstStyle>
             <a:lvl1pPr lvl="0" algn="ctr">
+              <a:lnSpc>
+                <a:spcPct val="100000"/>
+              </a:lnSpc>
               <a:spcBef>
                 <a:spcPts val="0"/>
               </a:spcBef>
@@ -7177,6 +9000,9 @@
               <a:defRPr/>
             </a:lvl1pPr>
             <a:lvl2pPr lvl="1" algn="l">
+              <a:lnSpc>
+                <a:spcPct val="100000"/>
+              </a:lnSpc>
               <a:spcBef>
                 <a:spcPts val="0"/>
               </a:spcBef>
@@ -7188,6 +9014,9 @@
               <a:defRPr/>
             </a:lvl2pPr>
             <a:lvl3pPr lvl="2" algn="l">
+              <a:lnSpc>
+                <a:spcPct val="100000"/>
+              </a:lnSpc>
               <a:spcBef>
                 <a:spcPts val="0"/>
               </a:spcBef>
@@ -7199,6 +9028,9 @@
               <a:defRPr/>
             </a:lvl3pPr>
             <a:lvl4pPr lvl="3" algn="l">
+              <a:lnSpc>
+                <a:spcPct val="100000"/>
+              </a:lnSpc>
               <a:spcBef>
                 <a:spcPts val="0"/>
               </a:spcBef>
@@ -7210,6 +9042,9 @@
               <a:defRPr/>
             </a:lvl4pPr>
             <a:lvl5pPr lvl="4" algn="l">
+              <a:lnSpc>
+                <a:spcPct val="100000"/>
+              </a:lnSpc>
               <a:spcBef>
                 <a:spcPts val="0"/>
               </a:spcBef>
@@ -7221,6 +9056,9 @@
               <a:defRPr/>
             </a:lvl5pPr>
             <a:lvl6pPr lvl="5" algn="l">
+              <a:lnSpc>
+                <a:spcPct val="100000"/>
+              </a:lnSpc>
               <a:spcBef>
                 <a:spcPts val="0"/>
               </a:spcBef>
@@ -7232,6 +9070,9 @@
               <a:defRPr/>
             </a:lvl6pPr>
             <a:lvl7pPr lvl="6" algn="l">
+              <a:lnSpc>
+                <a:spcPct val="100000"/>
+              </a:lnSpc>
               <a:spcBef>
                 <a:spcPts val="0"/>
               </a:spcBef>
@@ -7243,6 +9084,9 @@
               <a:defRPr/>
             </a:lvl7pPr>
             <a:lvl8pPr lvl="7" algn="l">
+              <a:lnSpc>
+                <a:spcPct val="100000"/>
+              </a:lnSpc>
               <a:spcBef>
                 <a:spcPts val="0"/>
               </a:spcBef>
@@ -7254,6 +9098,9 @@
               <a:defRPr/>
             </a:lvl8pPr>
             <a:lvl9pPr lvl="8" algn="l">
+              <a:lnSpc>
+                <a:spcPct val="100000"/>
+              </a:lnSpc>
               <a:spcBef>
                 <a:spcPts val="0"/>
               </a:spcBef>
@@ -7298,68 +9145,239 @@
             <a:noAutofit/>
           </a:bodyPr>
           <a:lstStyle>
-            <a:lvl1pPr marL="0" lvl="0" indent="0" algn="r">
-              <a:spcBef>
-                <a:spcPts val="0"/>
-              </a:spcBef>
-              <a:buNone/>
-              <a:defRPr/>
+            <a:lvl1pPr marL="0" marR="0" lvl="0" indent="0" algn="r">
+              <a:lnSpc>
+                <a:spcPct val="100000"/>
+              </a:lnSpc>
+              <a:spcBef>
+                <a:spcPts val="0"/>
+              </a:spcBef>
+              <a:spcAft>
+                <a:spcPts val="0"/>
+              </a:spcAft>
+              <a:buClr>
+                <a:srgbClr val="000000"/>
+              </a:buClr>
+              <a:buSzPts val="1200"/>
+              <a:buFont typeface="Arial"/>
+              <a:buNone/>
+              <a:defRPr sz="1200" b="0" i="0" u="none" strike="noStrike" cap="none">
+                <a:solidFill>
+                  <a:srgbClr val="888888"/>
+                </a:solidFill>
+                <a:latin typeface="Calibri"/>
+                <a:ea typeface="Calibri"/>
+                <a:cs typeface="Calibri"/>
+                <a:sym typeface="Calibri"/>
+              </a:defRPr>
             </a:lvl1pPr>
-            <a:lvl2pPr marL="0" lvl="1" indent="0" algn="r">
-              <a:spcBef>
-                <a:spcPts val="0"/>
-              </a:spcBef>
-              <a:buNone/>
-              <a:defRPr/>
+            <a:lvl2pPr marL="0" marR="0" lvl="1" indent="0" algn="r">
+              <a:lnSpc>
+                <a:spcPct val="100000"/>
+              </a:lnSpc>
+              <a:spcBef>
+                <a:spcPts val="0"/>
+              </a:spcBef>
+              <a:spcAft>
+                <a:spcPts val="0"/>
+              </a:spcAft>
+              <a:buClr>
+                <a:srgbClr val="000000"/>
+              </a:buClr>
+              <a:buSzPts val="1200"/>
+              <a:buFont typeface="Arial"/>
+              <a:buNone/>
+              <a:defRPr sz="1200" b="0" i="0" u="none" strike="noStrike" cap="none">
+                <a:solidFill>
+                  <a:srgbClr val="888888"/>
+                </a:solidFill>
+                <a:latin typeface="Calibri"/>
+                <a:ea typeface="Calibri"/>
+                <a:cs typeface="Calibri"/>
+                <a:sym typeface="Calibri"/>
+              </a:defRPr>
             </a:lvl2pPr>
-            <a:lvl3pPr marL="0" lvl="2" indent="0" algn="r">
-              <a:spcBef>
-                <a:spcPts val="0"/>
-              </a:spcBef>
-              <a:buNone/>
-              <a:defRPr/>
+            <a:lvl3pPr marL="0" marR="0" lvl="2" indent="0" algn="r">
+              <a:lnSpc>
+                <a:spcPct val="100000"/>
+              </a:lnSpc>
+              <a:spcBef>
+                <a:spcPts val="0"/>
+              </a:spcBef>
+              <a:spcAft>
+                <a:spcPts val="0"/>
+              </a:spcAft>
+              <a:buClr>
+                <a:srgbClr val="000000"/>
+              </a:buClr>
+              <a:buSzPts val="1200"/>
+              <a:buFont typeface="Arial"/>
+              <a:buNone/>
+              <a:defRPr sz="1200" b="0" i="0" u="none" strike="noStrike" cap="none">
+                <a:solidFill>
+                  <a:srgbClr val="888888"/>
+                </a:solidFill>
+                <a:latin typeface="Calibri"/>
+                <a:ea typeface="Calibri"/>
+                <a:cs typeface="Calibri"/>
+                <a:sym typeface="Calibri"/>
+              </a:defRPr>
             </a:lvl3pPr>
-            <a:lvl4pPr marL="0" lvl="3" indent="0" algn="r">
-              <a:spcBef>
-                <a:spcPts val="0"/>
-              </a:spcBef>
-              <a:buNone/>
-              <a:defRPr/>
+            <a:lvl4pPr marL="0" marR="0" lvl="3" indent="0" algn="r">
+              <a:lnSpc>
+                <a:spcPct val="100000"/>
+              </a:lnSpc>
+              <a:spcBef>
+                <a:spcPts val="0"/>
+              </a:spcBef>
+              <a:spcAft>
+                <a:spcPts val="0"/>
+              </a:spcAft>
+              <a:buClr>
+                <a:srgbClr val="000000"/>
+              </a:buClr>
+              <a:buSzPts val="1200"/>
+              <a:buFont typeface="Arial"/>
+              <a:buNone/>
+              <a:defRPr sz="1200" b="0" i="0" u="none" strike="noStrike" cap="none">
+                <a:solidFill>
+                  <a:srgbClr val="888888"/>
+                </a:solidFill>
+                <a:latin typeface="Calibri"/>
+                <a:ea typeface="Calibri"/>
+                <a:cs typeface="Calibri"/>
+                <a:sym typeface="Calibri"/>
+              </a:defRPr>
             </a:lvl4pPr>
-            <a:lvl5pPr marL="0" lvl="4" indent="0" algn="r">
-              <a:spcBef>
-                <a:spcPts val="0"/>
-              </a:spcBef>
-              <a:buNone/>
-              <a:defRPr/>
+            <a:lvl5pPr marL="0" marR="0" lvl="4" indent="0" algn="r">
+              <a:lnSpc>
+                <a:spcPct val="100000"/>
+              </a:lnSpc>
+              <a:spcBef>
+                <a:spcPts val="0"/>
+              </a:spcBef>
+              <a:spcAft>
+                <a:spcPts val="0"/>
+              </a:spcAft>
+              <a:buClr>
+                <a:srgbClr val="000000"/>
+              </a:buClr>
+              <a:buSzPts val="1200"/>
+              <a:buFont typeface="Arial"/>
+              <a:buNone/>
+              <a:defRPr sz="1200" b="0" i="0" u="none" strike="noStrike" cap="none">
+                <a:solidFill>
+                  <a:srgbClr val="888888"/>
+                </a:solidFill>
+                <a:latin typeface="Calibri"/>
+                <a:ea typeface="Calibri"/>
+                <a:cs typeface="Calibri"/>
+                <a:sym typeface="Calibri"/>
+              </a:defRPr>
             </a:lvl5pPr>
-            <a:lvl6pPr marL="0" lvl="5" indent="0" algn="r">
-              <a:spcBef>
-                <a:spcPts val="0"/>
-              </a:spcBef>
-              <a:buNone/>
-              <a:defRPr/>
+            <a:lvl6pPr marL="0" marR="0" lvl="5" indent="0" algn="r">
+              <a:lnSpc>
+                <a:spcPct val="100000"/>
+              </a:lnSpc>
+              <a:spcBef>
+                <a:spcPts val="0"/>
+              </a:spcBef>
+              <a:spcAft>
+                <a:spcPts val="0"/>
+              </a:spcAft>
+              <a:buClr>
+                <a:srgbClr val="000000"/>
+              </a:buClr>
+              <a:buSzPts val="1200"/>
+              <a:buFont typeface="Arial"/>
+              <a:buNone/>
+              <a:defRPr sz="1200" b="0" i="0" u="none" strike="noStrike" cap="none">
+                <a:solidFill>
+                  <a:srgbClr val="888888"/>
+                </a:solidFill>
+                <a:latin typeface="Calibri"/>
+                <a:ea typeface="Calibri"/>
+                <a:cs typeface="Calibri"/>
+                <a:sym typeface="Calibri"/>
+              </a:defRPr>
             </a:lvl6pPr>
-            <a:lvl7pPr marL="0" lvl="6" indent="0" algn="r">
-              <a:spcBef>
-                <a:spcPts val="0"/>
-              </a:spcBef>
-              <a:buNone/>
-              <a:defRPr/>
+            <a:lvl7pPr marL="0" marR="0" lvl="6" indent="0" algn="r">
+              <a:lnSpc>
+                <a:spcPct val="100000"/>
+              </a:lnSpc>
+              <a:spcBef>
+                <a:spcPts val="0"/>
+              </a:spcBef>
+              <a:spcAft>
+                <a:spcPts val="0"/>
+              </a:spcAft>
+              <a:buClr>
+                <a:srgbClr val="000000"/>
+              </a:buClr>
+              <a:buSzPts val="1200"/>
+              <a:buFont typeface="Arial"/>
+              <a:buNone/>
+              <a:defRPr sz="1200" b="0" i="0" u="none" strike="noStrike" cap="none">
+                <a:solidFill>
+                  <a:srgbClr val="888888"/>
+                </a:solidFill>
+                <a:latin typeface="Calibri"/>
+                <a:ea typeface="Calibri"/>
+                <a:cs typeface="Calibri"/>
+                <a:sym typeface="Calibri"/>
+              </a:defRPr>
             </a:lvl7pPr>
-            <a:lvl8pPr marL="0" lvl="7" indent="0" algn="r">
-              <a:spcBef>
-                <a:spcPts val="0"/>
-              </a:spcBef>
-              <a:buNone/>
-              <a:defRPr/>
+            <a:lvl8pPr marL="0" marR="0" lvl="7" indent="0" algn="r">
+              <a:lnSpc>
+                <a:spcPct val="100000"/>
+              </a:lnSpc>
+              <a:spcBef>
+                <a:spcPts val="0"/>
+              </a:spcBef>
+              <a:spcAft>
+                <a:spcPts val="0"/>
+              </a:spcAft>
+              <a:buClr>
+                <a:srgbClr val="000000"/>
+              </a:buClr>
+              <a:buSzPts val="1200"/>
+              <a:buFont typeface="Arial"/>
+              <a:buNone/>
+              <a:defRPr sz="1200" b="0" i="0" u="none" strike="noStrike" cap="none">
+                <a:solidFill>
+                  <a:srgbClr val="888888"/>
+                </a:solidFill>
+                <a:latin typeface="Calibri"/>
+                <a:ea typeface="Calibri"/>
+                <a:cs typeface="Calibri"/>
+                <a:sym typeface="Calibri"/>
+              </a:defRPr>
             </a:lvl8pPr>
-            <a:lvl9pPr marL="0" lvl="8" indent="0" algn="r">
-              <a:spcBef>
-                <a:spcPts val="0"/>
-              </a:spcBef>
-              <a:buNone/>
-              <a:defRPr/>
+            <a:lvl9pPr marL="0" marR="0" lvl="8" indent="0" algn="r">
+              <a:lnSpc>
+                <a:spcPct val="100000"/>
+              </a:lnSpc>
+              <a:spcBef>
+                <a:spcPts val="0"/>
+              </a:spcBef>
+              <a:spcAft>
+                <a:spcPts val="0"/>
+              </a:spcAft>
+              <a:buClr>
+                <a:srgbClr val="000000"/>
+              </a:buClr>
+              <a:buSzPts val="1200"/>
+              <a:buFont typeface="Arial"/>
+              <a:buNone/>
+              <a:defRPr sz="1200" b="0" i="0" u="none" strike="noStrike" cap="none">
+                <a:solidFill>
+                  <a:srgbClr val="888888"/>
+                </a:solidFill>
+                <a:latin typeface="Calibri"/>
+                <a:ea typeface="Calibri"/>
+                <a:cs typeface="Calibri"/>
+                <a:sym typeface="Calibri"/>
+              </a:defRPr>
             </a:lvl9pPr>
           </a:lstStyle>
           <a:p>
@@ -7450,7 +9468,10 @@
               <a:buNone/>
               <a:defRPr/>
             </a:lvl1pPr>
-            <a:lvl2pPr lvl="1">
+            <a:lvl2pPr lvl="1" algn="l">
+              <a:lnSpc>
+                <a:spcPct val="100000"/>
+              </a:lnSpc>
               <a:spcBef>
                 <a:spcPts val="0"/>
               </a:spcBef>
@@ -7461,7 +9482,10 @@
               <a:buNone/>
               <a:defRPr/>
             </a:lvl2pPr>
-            <a:lvl3pPr lvl="2">
+            <a:lvl3pPr lvl="2" algn="l">
+              <a:lnSpc>
+                <a:spcPct val="100000"/>
+              </a:lnSpc>
               <a:spcBef>
                 <a:spcPts val="0"/>
               </a:spcBef>
@@ -7472,7 +9496,10 @@
               <a:buNone/>
               <a:defRPr/>
             </a:lvl3pPr>
-            <a:lvl4pPr lvl="3">
+            <a:lvl4pPr lvl="3" algn="l">
+              <a:lnSpc>
+                <a:spcPct val="100000"/>
+              </a:lnSpc>
               <a:spcBef>
                 <a:spcPts val="0"/>
               </a:spcBef>
@@ -7483,7 +9510,10 @@
               <a:buNone/>
               <a:defRPr/>
             </a:lvl4pPr>
-            <a:lvl5pPr lvl="4">
+            <a:lvl5pPr lvl="4" algn="l">
+              <a:lnSpc>
+                <a:spcPct val="100000"/>
+              </a:lnSpc>
               <a:spcBef>
                 <a:spcPts val="0"/>
               </a:spcBef>
@@ -7494,7 +9524,10 @@
               <a:buNone/>
               <a:defRPr/>
             </a:lvl5pPr>
-            <a:lvl6pPr lvl="5">
+            <a:lvl6pPr lvl="5" algn="l">
+              <a:lnSpc>
+                <a:spcPct val="100000"/>
+              </a:lnSpc>
               <a:spcBef>
                 <a:spcPts val="0"/>
               </a:spcBef>
@@ -7505,7 +9538,10 @@
               <a:buNone/>
               <a:defRPr/>
             </a:lvl6pPr>
-            <a:lvl7pPr lvl="6">
+            <a:lvl7pPr lvl="6" algn="l">
+              <a:lnSpc>
+                <a:spcPct val="100000"/>
+              </a:lnSpc>
               <a:spcBef>
                 <a:spcPts val="0"/>
               </a:spcBef>
@@ -7516,7 +9552,10 @@
               <a:buNone/>
               <a:defRPr/>
             </a:lvl7pPr>
-            <a:lvl8pPr lvl="7">
+            <a:lvl8pPr lvl="7" algn="l">
+              <a:lnSpc>
+                <a:spcPct val="100000"/>
+              </a:lnSpc>
               <a:spcBef>
                 <a:spcPts val="0"/>
               </a:spcBef>
@@ -7527,7 +9566,10 @@
               <a:buNone/>
               <a:defRPr/>
             </a:lvl8pPr>
-            <a:lvl9pPr lvl="8">
+            <a:lvl9pPr lvl="8" algn="l">
+              <a:lnSpc>
+                <a:spcPct val="100000"/>
+              </a:lnSpc>
               <a:spcBef>
                 <a:spcPts val="0"/>
               </a:spcBef>
@@ -7571,6 +9613,9 @@
           <a:bodyPr spcFirstLastPara="1" wrap="square" lIns="91425" tIns="45700" rIns="91425" bIns="45700" anchor="ctr" anchorCtr="0"/>
           <a:lstStyle>
             <a:lvl1pPr lvl="0" algn="l">
+              <a:lnSpc>
+                <a:spcPct val="100000"/>
+              </a:lnSpc>
               <a:spcBef>
                 <a:spcPts val="0"/>
               </a:spcBef>
@@ -7582,6 +9627,9 @@
               <a:defRPr/>
             </a:lvl1pPr>
             <a:lvl2pPr lvl="1" algn="l">
+              <a:lnSpc>
+                <a:spcPct val="100000"/>
+              </a:lnSpc>
               <a:spcBef>
                 <a:spcPts val="0"/>
               </a:spcBef>
@@ -7593,6 +9641,9 @@
               <a:defRPr/>
             </a:lvl2pPr>
             <a:lvl3pPr lvl="2" algn="l">
+              <a:lnSpc>
+                <a:spcPct val="100000"/>
+              </a:lnSpc>
               <a:spcBef>
                 <a:spcPts val="0"/>
               </a:spcBef>
@@ -7604,6 +9655,9 @@
               <a:defRPr/>
             </a:lvl3pPr>
             <a:lvl4pPr lvl="3" algn="l">
+              <a:lnSpc>
+                <a:spcPct val="100000"/>
+              </a:lnSpc>
               <a:spcBef>
                 <a:spcPts val="0"/>
               </a:spcBef>
@@ -7615,6 +9669,9 @@
               <a:defRPr/>
             </a:lvl4pPr>
             <a:lvl5pPr lvl="4" algn="l">
+              <a:lnSpc>
+                <a:spcPct val="100000"/>
+              </a:lnSpc>
               <a:spcBef>
                 <a:spcPts val="0"/>
               </a:spcBef>
@@ -7626,6 +9683,9 @@
               <a:defRPr/>
             </a:lvl5pPr>
             <a:lvl6pPr lvl="5" algn="l">
+              <a:lnSpc>
+                <a:spcPct val="100000"/>
+              </a:lnSpc>
               <a:spcBef>
                 <a:spcPts val="0"/>
               </a:spcBef>
@@ -7637,6 +9697,9 @@
               <a:defRPr/>
             </a:lvl6pPr>
             <a:lvl7pPr lvl="6" algn="l">
+              <a:lnSpc>
+                <a:spcPct val="100000"/>
+              </a:lnSpc>
               <a:spcBef>
                 <a:spcPts val="0"/>
               </a:spcBef>
@@ -7648,6 +9711,9 @@
               <a:defRPr/>
             </a:lvl7pPr>
             <a:lvl8pPr lvl="7" algn="l">
+              <a:lnSpc>
+                <a:spcPct val="100000"/>
+              </a:lnSpc>
               <a:spcBef>
                 <a:spcPts val="0"/>
               </a:spcBef>
@@ -7659,6 +9725,9 @@
               <a:defRPr/>
             </a:lvl8pPr>
             <a:lvl9pPr lvl="8" algn="l">
+              <a:lnSpc>
+                <a:spcPct val="100000"/>
+              </a:lnSpc>
               <a:spcBef>
                 <a:spcPts val="0"/>
               </a:spcBef>
@@ -7702,6 +9771,9 @@
           <a:bodyPr spcFirstLastPara="1" wrap="square" lIns="91425" tIns="45700" rIns="91425" bIns="45700" anchor="ctr" anchorCtr="0"/>
           <a:lstStyle>
             <a:lvl1pPr lvl="0" algn="ctr">
+              <a:lnSpc>
+                <a:spcPct val="100000"/>
+              </a:lnSpc>
               <a:spcBef>
                 <a:spcPts val="0"/>
               </a:spcBef>
@@ -7713,6 +9785,9 @@
               <a:defRPr/>
             </a:lvl1pPr>
             <a:lvl2pPr lvl="1" algn="l">
+              <a:lnSpc>
+                <a:spcPct val="100000"/>
+              </a:lnSpc>
               <a:spcBef>
                 <a:spcPts val="0"/>
               </a:spcBef>
@@ -7724,6 +9799,9 @@
               <a:defRPr/>
             </a:lvl2pPr>
             <a:lvl3pPr lvl="2" algn="l">
+              <a:lnSpc>
+                <a:spcPct val="100000"/>
+              </a:lnSpc>
               <a:spcBef>
                 <a:spcPts val="0"/>
               </a:spcBef>
@@ -7735,6 +9813,9 @@
               <a:defRPr/>
             </a:lvl3pPr>
             <a:lvl4pPr lvl="3" algn="l">
+              <a:lnSpc>
+                <a:spcPct val="100000"/>
+              </a:lnSpc>
               <a:spcBef>
                 <a:spcPts val="0"/>
               </a:spcBef>
@@ -7746,6 +9827,9 @@
               <a:defRPr/>
             </a:lvl4pPr>
             <a:lvl5pPr lvl="4" algn="l">
+              <a:lnSpc>
+                <a:spcPct val="100000"/>
+              </a:lnSpc>
               <a:spcBef>
                 <a:spcPts val="0"/>
               </a:spcBef>
@@ -7757,6 +9841,9 @@
               <a:defRPr/>
             </a:lvl5pPr>
             <a:lvl6pPr lvl="5" algn="l">
+              <a:lnSpc>
+                <a:spcPct val="100000"/>
+              </a:lnSpc>
               <a:spcBef>
                 <a:spcPts val="0"/>
               </a:spcBef>
@@ -7768,6 +9855,9 @@
               <a:defRPr/>
             </a:lvl6pPr>
             <a:lvl7pPr lvl="6" algn="l">
+              <a:lnSpc>
+                <a:spcPct val="100000"/>
+              </a:lnSpc>
               <a:spcBef>
                 <a:spcPts val="0"/>
               </a:spcBef>
@@ -7779,6 +9869,9 @@
               <a:defRPr/>
             </a:lvl7pPr>
             <a:lvl8pPr lvl="7" algn="l">
+              <a:lnSpc>
+                <a:spcPct val="100000"/>
+              </a:lnSpc>
               <a:spcBef>
                 <a:spcPts val="0"/>
               </a:spcBef>
@@ -7790,6 +9883,9 @@
               <a:defRPr/>
             </a:lvl8pPr>
             <a:lvl9pPr lvl="8" algn="l">
+              <a:lnSpc>
+                <a:spcPct val="100000"/>
+              </a:lnSpc>
               <a:spcBef>
                 <a:spcPts val="0"/>
               </a:spcBef>
@@ -7834,68 +9930,239 @@
             <a:noAutofit/>
           </a:bodyPr>
           <a:lstStyle>
-            <a:lvl1pPr marL="0" lvl="0" indent="0" algn="r">
-              <a:spcBef>
-                <a:spcPts val="0"/>
-              </a:spcBef>
-              <a:buNone/>
-              <a:defRPr/>
+            <a:lvl1pPr marL="0" marR="0" lvl="0" indent="0" algn="r">
+              <a:lnSpc>
+                <a:spcPct val="100000"/>
+              </a:lnSpc>
+              <a:spcBef>
+                <a:spcPts val="0"/>
+              </a:spcBef>
+              <a:spcAft>
+                <a:spcPts val="0"/>
+              </a:spcAft>
+              <a:buClr>
+                <a:srgbClr val="000000"/>
+              </a:buClr>
+              <a:buSzPts val="1200"/>
+              <a:buFont typeface="Arial"/>
+              <a:buNone/>
+              <a:defRPr sz="1200" b="0" i="0" u="none" strike="noStrike" cap="none">
+                <a:solidFill>
+                  <a:srgbClr val="888888"/>
+                </a:solidFill>
+                <a:latin typeface="Calibri"/>
+                <a:ea typeface="Calibri"/>
+                <a:cs typeface="Calibri"/>
+                <a:sym typeface="Calibri"/>
+              </a:defRPr>
             </a:lvl1pPr>
-            <a:lvl2pPr marL="0" lvl="1" indent="0" algn="r">
-              <a:spcBef>
-                <a:spcPts val="0"/>
-              </a:spcBef>
-              <a:buNone/>
-              <a:defRPr/>
+            <a:lvl2pPr marL="0" marR="0" lvl="1" indent="0" algn="r">
+              <a:lnSpc>
+                <a:spcPct val="100000"/>
+              </a:lnSpc>
+              <a:spcBef>
+                <a:spcPts val="0"/>
+              </a:spcBef>
+              <a:spcAft>
+                <a:spcPts val="0"/>
+              </a:spcAft>
+              <a:buClr>
+                <a:srgbClr val="000000"/>
+              </a:buClr>
+              <a:buSzPts val="1200"/>
+              <a:buFont typeface="Arial"/>
+              <a:buNone/>
+              <a:defRPr sz="1200" b="0" i="0" u="none" strike="noStrike" cap="none">
+                <a:solidFill>
+                  <a:srgbClr val="888888"/>
+                </a:solidFill>
+                <a:latin typeface="Calibri"/>
+                <a:ea typeface="Calibri"/>
+                <a:cs typeface="Calibri"/>
+                <a:sym typeface="Calibri"/>
+              </a:defRPr>
             </a:lvl2pPr>
-            <a:lvl3pPr marL="0" lvl="2" indent="0" algn="r">
-              <a:spcBef>
-                <a:spcPts val="0"/>
-              </a:spcBef>
-              <a:buNone/>
-              <a:defRPr/>
+            <a:lvl3pPr marL="0" marR="0" lvl="2" indent="0" algn="r">
+              <a:lnSpc>
+                <a:spcPct val="100000"/>
+              </a:lnSpc>
+              <a:spcBef>
+                <a:spcPts val="0"/>
+              </a:spcBef>
+              <a:spcAft>
+                <a:spcPts val="0"/>
+              </a:spcAft>
+              <a:buClr>
+                <a:srgbClr val="000000"/>
+              </a:buClr>
+              <a:buSzPts val="1200"/>
+              <a:buFont typeface="Arial"/>
+              <a:buNone/>
+              <a:defRPr sz="1200" b="0" i="0" u="none" strike="noStrike" cap="none">
+                <a:solidFill>
+                  <a:srgbClr val="888888"/>
+                </a:solidFill>
+                <a:latin typeface="Calibri"/>
+                <a:ea typeface="Calibri"/>
+                <a:cs typeface="Calibri"/>
+                <a:sym typeface="Calibri"/>
+              </a:defRPr>
             </a:lvl3pPr>
-            <a:lvl4pPr marL="0" lvl="3" indent="0" algn="r">
-              <a:spcBef>
-                <a:spcPts val="0"/>
-              </a:spcBef>
-              <a:buNone/>
-              <a:defRPr/>
+            <a:lvl4pPr marL="0" marR="0" lvl="3" indent="0" algn="r">
+              <a:lnSpc>
+                <a:spcPct val="100000"/>
+              </a:lnSpc>
+              <a:spcBef>
+                <a:spcPts val="0"/>
+              </a:spcBef>
+              <a:spcAft>
+                <a:spcPts val="0"/>
+              </a:spcAft>
+              <a:buClr>
+                <a:srgbClr val="000000"/>
+              </a:buClr>
+              <a:buSzPts val="1200"/>
+              <a:buFont typeface="Arial"/>
+              <a:buNone/>
+              <a:defRPr sz="1200" b="0" i="0" u="none" strike="noStrike" cap="none">
+                <a:solidFill>
+                  <a:srgbClr val="888888"/>
+                </a:solidFill>
+                <a:latin typeface="Calibri"/>
+                <a:ea typeface="Calibri"/>
+                <a:cs typeface="Calibri"/>
+                <a:sym typeface="Calibri"/>
+              </a:defRPr>
             </a:lvl4pPr>
-            <a:lvl5pPr marL="0" lvl="4" indent="0" algn="r">
-              <a:spcBef>
-                <a:spcPts val="0"/>
-              </a:spcBef>
-              <a:buNone/>
-              <a:defRPr/>
+            <a:lvl5pPr marL="0" marR="0" lvl="4" indent="0" algn="r">
+              <a:lnSpc>
+                <a:spcPct val="100000"/>
+              </a:lnSpc>
+              <a:spcBef>
+                <a:spcPts val="0"/>
+              </a:spcBef>
+              <a:spcAft>
+                <a:spcPts val="0"/>
+              </a:spcAft>
+              <a:buClr>
+                <a:srgbClr val="000000"/>
+              </a:buClr>
+              <a:buSzPts val="1200"/>
+              <a:buFont typeface="Arial"/>
+              <a:buNone/>
+              <a:defRPr sz="1200" b="0" i="0" u="none" strike="noStrike" cap="none">
+                <a:solidFill>
+                  <a:srgbClr val="888888"/>
+                </a:solidFill>
+                <a:latin typeface="Calibri"/>
+                <a:ea typeface="Calibri"/>
+                <a:cs typeface="Calibri"/>
+                <a:sym typeface="Calibri"/>
+              </a:defRPr>
             </a:lvl5pPr>
-            <a:lvl6pPr marL="0" lvl="5" indent="0" algn="r">
-              <a:spcBef>
-                <a:spcPts val="0"/>
-              </a:spcBef>
-              <a:buNone/>
-              <a:defRPr/>
+            <a:lvl6pPr marL="0" marR="0" lvl="5" indent="0" algn="r">
+              <a:lnSpc>
+                <a:spcPct val="100000"/>
+              </a:lnSpc>
+              <a:spcBef>
+                <a:spcPts val="0"/>
+              </a:spcBef>
+              <a:spcAft>
+                <a:spcPts val="0"/>
+              </a:spcAft>
+              <a:buClr>
+                <a:srgbClr val="000000"/>
+              </a:buClr>
+              <a:buSzPts val="1200"/>
+              <a:buFont typeface="Arial"/>
+              <a:buNone/>
+              <a:defRPr sz="1200" b="0" i="0" u="none" strike="noStrike" cap="none">
+                <a:solidFill>
+                  <a:srgbClr val="888888"/>
+                </a:solidFill>
+                <a:latin typeface="Calibri"/>
+                <a:ea typeface="Calibri"/>
+                <a:cs typeface="Calibri"/>
+                <a:sym typeface="Calibri"/>
+              </a:defRPr>
             </a:lvl6pPr>
-            <a:lvl7pPr marL="0" lvl="6" indent="0" algn="r">
-              <a:spcBef>
-                <a:spcPts val="0"/>
-              </a:spcBef>
-              <a:buNone/>
-              <a:defRPr/>
+            <a:lvl7pPr marL="0" marR="0" lvl="6" indent="0" algn="r">
+              <a:lnSpc>
+                <a:spcPct val="100000"/>
+              </a:lnSpc>
+              <a:spcBef>
+                <a:spcPts val="0"/>
+              </a:spcBef>
+              <a:spcAft>
+                <a:spcPts val="0"/>
+              </a:spcAft>
+              <a:buClr>
+                <a:srgbClr val="000000"/>
+              </a:buClr>
+              <a:buSzPts val="1200"/>
+              <a:buFont typeface="Arial"/>
+              <a:buNone/>
+              <a:defRPr sz="1200" b="0" i="0" u="none" strike="noStrike" cap="none">
+                <a:solidFill>
+                  <a:srgbClr val="888888"/>
+                </a:solidFill>
+                <a:latin typeface="Calibri"/>
+                <a:ea typeface="Calibri"/>
+                <a:cs typeface="Calibri"/>
+                <a:sym typeface="Calibri"/>
+              </a:defRPr>
             </a:lvl7pPr>
-            <a:lvl8pPr marL="0" lvl="7" indent="0" algn="r">
-              <a:spcBef>
-                <a:spcPts val="0"/>
-              </a:spcBef>
-              <a:buNone/>
-              <a:defRPr/>
+            <a:lvl8pPr marL="0" marR="0" lvl="7" indent="0" algn="r">
+              <a:lnSpc>
+                <a:spcPct val="100000"/>
+              </a:lnSpc>
+              <a:spcBef>
+                <a:spcPts val="0"/>
+              </a:spcBef>
+              <a:spcAft>
+                <a:spcPts val="0"/>
+              </a:spcAft>
+              <a:buClr>
+                <a:srgbClr val="000000"/>
+              </a:buClr>
+              <a:buSzPts val="1200"/>
+              <a:buFont typeface="Arial"/>
+              <a:buNone/>
+              <a:defRPr sz="1200" b="0" i="0" u="none" strike="noStrike" cap="none">
+                <a:solidFill>
+                  <a:srgbClr val="888888"/>
+                </a:solidFill>
+                <a:latin typeface="Calibri"/>
+                <a:ea typeface="Calibri"/>
+                <a:cs typeface="Calibri"/>
+                <a:sym typeface="Calibri"/>
+              </a:defRPr>
             </a:lvl8pPr>
-            <a:lvl9pPr marL="0" lvl="8" indent="0" algn="r">
-              <a:spcBef>
-                <a:spcPts val="0"/>
-              </a:spcBef>
-              <a:buNone/>
-              <a:defRPr/>
+            <a:lvl9pPr marL="0" marR="0" lvl="8" indent="0" algn="r">
+              <a:lnSpc>
+                <a:spcPct val="100000"/>
+              </a:lnSpc>
+              <a:spcBef>
+                <a:spcPts val="0"/>
+              </a:spcBef>
+              <a:spcAft>
+                <a:spcPts val="0"/>
+              </a:spcAft>
+              <a:buClr>
+                <a:srgbClr val="000000"/>
+              </a:buClr>
+              <a:buSzPts val="1200"/>
+              <a:buFont typeface="Arial"/>
+              <a:buNone/>
+              <a:defRPr sz="1200" b="0" i="0" u="none" strike="noStrike" cap="none">
+                <a:solidFill>
+                  <a:srgbClr val="888888"/>
+                </a:solidFill>
+                <a:latin typeface="Calibri"/>
+                <a:ea typeface="Calibri"/>
+                <a:cs typeface="Calibri"/>
+                <a:sym typeface="Calibri"/>
+              </a:defRPr>
             </a:lvl9pPr>
           </a:lstStyle>
           <a:p>
@@ -7968,6 +10235,9 @@
           <a:bodyPr spcFirstLastPara="1" wrap="square" lIns="91425" tIns="45700" rIns="91425" bIns="45700" anchor="ctr" anchorCtr="0"/>
           <a:lstStyle>
             <a:lvl1pPr lvl="0" algn="l">
+              <a:lnSpc>
+                <a:spcPct val="100000"/>
+              </a:lnSpc>
               <a:spcBef>
                 <a:spcPts val="0"/>
               </a:spcBef>
@@ -7979,6 +10249,9 @@
               <a:defRPr/>
             </a:lvl1pPr>
             <a:lvl2pPr lvl="1" algn="l">
+              <a:lnSpc>
+                <a:spcPct val="100000"/>
+              </a:lnSpc>
               <a:spcBef>
                 <a:spcPts val="0"/>
               </a:spcBef>
@@ -7990,6 +10263,9 @@
               <a:defRPr/>
             </a:lvl2pPr>
             <a:lvl3pPr lvl="2" algn="l">
+              <a:lnSpc>
+                <a:spcPct val="100000"/>
+              </a:lnSpc>
               <a:spcBef>
                 <a:spcPts val="0"/>
               </a:spcBef>
@@ -8001,6 +10277,9 @@
               <a:defRPr/>
             </a:lvl3pPr>
             <a:lvl4pPr lvl="3" algn="l">
+              <a:lnSpc>
+                <a:spcPct val="100000"/>
+              </a:lnSpc>
               <a:spcBef>
                 <a:spcPts val="0"/>
               </a:spcBef>
@@ -8012,6 +10291,9 @@
               <a:defRPr/>
             </a:lvl4pPr>
             <a:lvl5pPr lvl="4" algn="l">
+              <a:lnSpc>
+                <a:spcPct val="100000"/>
+              </a:lnSpc>
               <a:spcBef>
                 <a:spcPts val="0"/>
               </a:spcBef>
@@ -8023,6 +10305,9 @@
               <a:defRPr/>
             </a:lvl5pPr>
             <a:lvl6pPr lvl="5" algn="l">
+              <a:lnSpc>
+                <a:spcPct val="100000"/>
+              </a:lnSpc>
               <a:spcBef>
                 <a:spcPts val="0"/>
               </a:spcBef>
@@ -8034,6 +10319,9 @@
               <a:defRPr/>
             </a:lvl6pPr>
             <a:lvl7pPr lvl="6" algn="l">
+              <a:lnSpc>
+                <a:spcPct val="100000"/>
+              </a:lnSpc>
               <a:spcBef>
                 <a:spcPts val="0"/>
               </a:spcBef>
@@ -8045,6 +10333,9 @@
               <a:defRPr/>
             </a:lvl7pPr>
             <a:lvl8pPr lvl="7" algn="l">
+              <a:lnSpc>
+                <a:spcPct val="100000"/>
+              </a:lnSpc>
               <a:spcBef>
                 <a:spcPts val="0"/>
               </a:spcBef>
@@ -8056,6 +10347,9 @@
               <a:defRPr/>
             </a:lvl8pPr>
             <a:lvl9pPr lvl="8" algn="l">
+              <a:lnSpc>
+                <a:spcPct val="100000"/>
+              </a:lnSpc>
               <a:spcBef>
                 <a:spcPts val="0"/>
               </a:spcBef>
@@ -8099,6 +10393,9 @@
           <a:bodyPr spcFirstLastPara="1" wrap="square" lIns="91425" tIns="45700" rIns="91425" bIns="45700" anchor="ctr" anchorCtr="0"/>
           <a:lstStyle>
             <a:lvl1pPr lvl="0" algn="ctr">
+              <a:lnSpc>
+                <a:spcPct val="100000"/>
+              </a:lnSpc>
               <a:spcBef>
                 <a:spcPts val="0"/>
               </a:spcBef>
@@ -8110,6 +10407,9 @@
               <a:defRPr/>
             </a:lvl1pPr>
             <a:lvl2pPr lvl="1" algn="l">
+              <a:lnSpc>
+                <a:spcPct val="100000"/>
+              </a:lnSpc>
               <a:spcBef>
                 <a:spcPts val="0"/>
               </a:spcBef>
@@ -8121,6 +10421,9 @@
               <a:defRPr/>
             </a:lvl2pPr>
             <a:lvl3pPr lvl="2" algn="l">
+              <a:lnSpc>
+                <a:spcPct val="100000"/>
+              </a:lnSpc>
               <a:spcBef>
                 <a:spcPts val="0"/>
               </a:spcBef>
@@ -8132,6 +10435,9 @@
               <a:defRPr/>
             </a:lvl3pPr>
             <a:lvl4pPr lvl="3" algn="l">
+              <a:lnSpc>
+                <a:spcPct val="100000"/>
+              </a:lnSpc>
               <a:spcBef>
                 <a:spcPts val="0"/>
               </a:spcBef>
@@ -8143,6 +10449,9 @@
               <a:defRPr/>
             </a:lvl4pPr>
             <a:lvl5pPr lvl="4" algn="l">
+              <a:lnSpc>
+                <a:spcPct val="100000"/>
+              </a:lnSpc>
               <a:spcBef>
                 <a:spcPts val="0"/>
               </a:spcBef>
@@ -8154,6 +10463,9 @@
               <a:defRPr/>
             </a:lvl5pPr>
             <a:lvl6pPr lvl="5" algn="l">
+              <a:lnSpc>
+                <a:spcPct val="100000"/>
+              </a:lnSpc>
               <a:spcBef>
                 <a:spcPts val="0"/>
               </a:spcBef>
@@ -8165,6 +10477,9 @@
               <a:defRPr/>
             </a:lvl6pPr>
             <a:lvl7pPr lvl="6" algn="l">
+              <a:lnSpc>
+                <a:spcPct val="100000"/>
+              </a:lnSpc>
               <a:spcBef>
                 <a:spcPts val="0"/>
               </a:spcBef>
@@ -8176,6 +10491,9 @@
               <a:defRPr/>
             </a:lvl7pPr>
             <a:lvl8pPr lvl="7" algn="l">
+              <a:lnSpc>
+                <a:spcPct val="100000"/>
+              </a:lnSpc>
               <a:spcBef>
                 <a:spcPts val="0"/>
               </a:spcBef>
@@ -8187,6 +10505,9 @@
               <a:defRPr/>
             </a:lvl8pPr>
             <a:lvl9pPr lvl="8" algn="l">
+              <a:lnSpc>
+                <a:spcPct val="100000"/>
+              </a:lnSpc>
               <a:spcBef>
                 <a:spcPts val="0"/>
               </a:spcBef>
@@ -8231,68 +10552,239 @@
             <a:noAutofit/>
           </a:bodyPr>
           <a:lstStyle>
-            <a:lvl1pPr marL="0" lvl="0" indent="0" algn="r">
-              <a:spcBef>
-                <a:spcPts val="0"/>
-              </a:spcBef>
-              <a:buNone/>
-              <a:defRPr/>
+            <a:lvl1pPr marL="0" marR="0" lvl="0" indent="0" algn="r">
+              <a:lnSpc>
+                <a:spcPct val="100000"/>
+              </a:lnSpc>
+              <a:spcBef>
+                <a:spcPts val="0"/>
+              </a:spcBef>
+              <a:spcAft>
+                <a:spcPts val="0"/>
+              </a:spcAft>
+              <a:buClr>
+                <a:srgbClr val="000000"/>
+              </a:buClr>
+              <a:buSzPts val="1200"/>
+              <a:buFont typeface="Arial"/>
+              <a:buNone/>
+              <a:defRPr sz="1200" b="0" i="0" u="none" strike="noStrike" cap="none">
+                <a:solidFill>
+                  <a:srgbClr val="888888"/>
+                </a:solidFill>
+                <a:latin typeface="Calibri"/>
+                <a:ea typeface="Calibri"/>
+                <a:cs typeface="Calibri"/>
+                <a:sym typeface="Calibri"/>
+              </a:defRPr>
             </a:lvl1pPr>
-            <a:lvl2pPr marL="0" lvl="1" indent="0" algn="r">
-              <a:spcBef>
-                <a:spcPts val="0"/>
-              </a:spcBef>
-              <a:buNone/>
-              <a:defRPr/>
+            <a:lvl2pPr marL="0" marR="0" lvl="1" indent="0" algn="r">
+              <a:lnSpc>
+                <a:spcPct val="100000"/>
+              </a:lnSpc>
+              <a:spcBef>
+                <a:spcPts val="0"/>
+              </a:spcBef>
+              <a:spcAft>
+                <a:spcPts val="0"/>
+              </a:spcAft>
+              <a:buClr>
+                <a:srgbClr val="000000"/>
+              </a:buClr>
+              <a:buSzPts val="1200"/>
+              <a:buFont typeface="Arial"/>
+              <a:buNone/>
+              <a:defRPr sz="1200" b="0" i="0" u="none" strike="noStrike" cap="none">
+                <a:solidFill>
+                  <a:srgbClr val="888888"/>
+                </a:solidFill>
+                <a:latin typeface="Calibri"/>
+                <a:ea typeface="Calibri"/>
+                <a:cs typeface="Calibri"/>
+                <a:sym typeface="Calibri"/>
+              </a:defRPr>
             </a:lvl2pPr>
-            <a:lvl3pPr marL="0" lvl="2" indent="0" algn="r">
-              <a:spcBef>
-                <a:spcPts val="0"/>
-              </a:spcBef>
-              <a:buNone/>
-              <a:defRPr/>
+            <a:lvl3pPr marL="0" marR="0" lvl="2" indent="0" algn="r">
+              <a:lnSpc>
+                <a:spcPct val="100000"/>
+              </a:lnSpc>
+              <a:spcBef>
+                <a:spcPts val="0"/>
+              </a:spcBef>
+              <a:spcAft>
+                <a:spcPts val="0"/>
+              </a:spcAft>
+              <a:buClr>
+                <a:srgbClr val="000000"/>
+              </a:buClr>
+              <a:buSzPts val="1200"/>
+              <a:buFont typeface="Arial"/>
+              <a:buNone/>
+              <a:defRPr sz="1200" b="0" i="0" u="none" strike="noStrike" cap="none">
+                <a:solidFill>
+                  <a:srgbClr val="888888"/>
+                </a:solidFill>
+                <a:latin typeface="Calibri"/>
+                <a:ea typeface="Calibri"/>
+                <a:cs typeface="Calibri"/>
+                <a:sym typeface="Calibri"/>
+              </a:defRPr>
             </a:lvl3pPr>
-            <a:lvl4pPr marL="0" lvl="3" indent="0" algn="r">
-              <a:spcBef>
-                <a:spcPts val="0"/>
-              </a:spcBef>
-              <a:buNone/>
-              <a:defRPr/>
+            <a:lvl4pPr marL="0" marR="0" lvl="3" indent="0" algn="r">
+              <a:lnSpc>
+                <a:spcPct val="100000"/>
+              </a:lnSpc>
+              <a:spcBef>
+                <a:spcPts val="0"/>
+              </a:spcBef>
+              <a:spcAft>
+                <a:spcPts val="0"/>
+              </a:spcAft>
+              <a:buClr>
+                <a:srgbClr val="000000"/>
+              </a:buClr>
+              <a:buSzPts val="1200"/>
+              <a:buFont typeface="Arial"/>
+              <a:buNone/>
+              <a:defRPr sz="1200" b="0" i="0" u="none" strike="noStrike" cap="none">
+                <a:solidFill>
+                  <a:srgbClr val="888888"/>
+                </a:solidFill>
+                <a:latin typeface="Calibri"/>
+                <a:ea typeface="Calibri"/>
+                <a:cs typeface="Calibri"/>
+                <a:sym typeface="Calibri"/>
+              </a:defRPr>
             </a:lvl4pPr>
-            <a:lvl5pPr marL="0" lvl="4" indent="0" algn="r">
-              <a:spcBef>
-                <a:spcPts val="0"/>
-              </a:spcBef>
-              <a:buNone/>
-              <a:defRPr/>
+            <a:lvl5pPr marL="0" marR="0" lvl="4" indent="0" algn="r">
+              <a:lnSpc>
+                <a:spcPct val="100000"/>
+              </a:lnSpc>
+              <a:spcBef>
+                <a:spcPts val="0"/>
+              </a:spcBef>
+              <a:spcAft>
+                <a:spcPts val="0"/>
+              </a:spcAft>
+              <a:buClr>
+                <a:srgbClr val="000000"/>
+              </a:buClr>
+              <a:buSzPts val="1200"/>
+              <a:buFont typeface="Arial"/>
+              <a:buNone/>
+              <a:defRPr sz="1200" b="0" i="0" u="none" strike="noStrike" cap="none">
+                <a:solidFill>
+                  <a:srgbClr val="888888"/>
+                </a:solidFill>
+                <a:latin typeface="Calibri"/>
+                <a:ea typeface="Calibri"/>
+                <a:cs typeface="Calibri"/>
+                <a:sym typeface="Calibri"/>
+              </a:defRPr>
             </a:lvl5pPr>
-            <a:lvl6pPr marL="0" lvl="5" indent="0" algn="r">
-              <a:spcBef>
-                <a:spcPts val="0"/>
-              </a:spcBef>
-              <a:buNone/>
-              <a:defRPr/>
+            <a:lvl6pPr marL="0" marR="0" lvl="5" indent="0" algn="r">
+              <a:lnSpc>
+                <a:spcPct val="100000"/>
+              </a:lnSpc>
+              <a:spcBef>
+                <a:spcPts val="0"/>
+              </a:spcBef>
+              <a:spcAft>
+                <a:spcPts val="0"/>
+              </a:spcAft>
+              <a:buClr>
+                <a:srgbClr val="000000"/>
+              </a:buClr>
+              <a:buSzPts val="1200"/>
+              <a:buFont typeface="Arial"/>
+              <a:buNone/>
+              <a:defRPr sz="1200" b="0" i="0" u="none" strike="noStrike" cap="none">
+                <a:solidFill>
+                  <a:srgbClr val="888888"/>
+                </a:solidFill>
+                <a:latin typeface="Calibri"/>
+                <a:ea typeface="Calibri"/>
+                <a:cs typeface="Calibri"/>
+                <a:sym typeface="Calibri"/>
+              </a:defRPr>
             </a:lvl6pPr>
-            <a:lvl7pPr marL="0" lvl="6" indent="0" algn="r">
-              <a:spcBef>
-                <a:spcPts val="0"/>
-              </a:spcBef>
-              <a:buNone/>
-              <a:defRPr/>
+            <a:lvl7pPr marL="0" marR="0" lvl="6" indent="0" algn="r">
+              <a:lnSpc>
+                <a:spcPct val="100000"/>
+              </a:lnSpc>
+              <a:spcBef>
+                <a:spcPts val="0"/>
+              </a:spcBef>
+              <a:spcAft>
+                <a:spcPts val="0"/>
+              </a:spcAft>
+              <a:buClr>
+                <a:srgbClr val="000000"/>
+              </a:buClr>
+              <a:buSzPts val="1200"/>
+              <a:buFont typeface="Arial"/>
+              <a:buNone/>
+              <a:defRPr sz="1200" b="0" i="0" u="none" strike="noStrike" cap="none">
+                <a:solidFill>
+                  <a:srgbClr val="888888"/>
+                </a:solidFill>
+                <a:latin typeface="Calibri"/>
+                <a:ea typeface="Calibri"/>
+                <a:cs typeface="Calibri"/>
+                <a:sym typeface="Calibri"/>
+              </a:defRPr>
             </a:lvl7pPr>
-            <a:lvl8pPr marL="0" lvl="7" indent="0" algn="r">
-              <a:spcBef>
-                <a:spcPts val="0"/>
-              </a:spcBef>
-              <a:buNone/>
-              <a:defRPr/>
+            <a:lvl8pPr marL="0" marR="0" lvl="7" indent="0" algn="r">
+              <a:lnSpc>
+                <a:spcPct val="100000"/>
+              </a:lnSpc>
+              <a:spcBef>
+                <a:spcPts val="0"/>
+              </a:spcBef>
+              <a:spcAft>
+                <a:spcPts val="0"/>
+              </a:spcAft>
+              <a:buClr>
+                <a:srgbClr val="000000"/>
+              </a:buClr>
+              <a:buSzPts val="1200"/>
+              <a:buFont typeface="Arial"/>
+              <a:buNone/>
+              <a:defRPr sz="1200" b="0" i="0" u="none" strike="noStrike" cap="none">
+                <a:solidFill>
+                  <a:srgbClr val="888888"/>
+                </a:solidFill>
+                <a:latin typeface="Calibri"/>
+                <a:ea typeface="Calibri"/>
+                <a:cs typeface="Calibri"/>
+                <a:sym typeface="Calibri"/>
+              </a:defRPr>
             </a:lvl8pPr>
-            <a:lvl9pPr marL="0" lvl="8" indent="0" algn="r">
-              <a:spcBef>
-                <a:spcPts val="0"/>
-              </a:spcBef>
-              <a:buNone/>
-              <a:defRPr/>
+            <a:lvl9pPr marL="0" marR="0" lvl="8" indent="0" algn="r">
+              <a:lnSpc>
+                <a:spcPct val="100000"/>
+              </a:lnSpc>
+              <a:spcBef>
+                <a:spcPts val="0"/>
+              </a:spcBef>
+              <a:spcAft>
+                <a:spcPts val="0"/>
+              </a:spcAft>
+              <a:buClr>
+                <a:srgbClr val="000000"/>
+              </a:buClr>
+              <a:buSzPts val="1200"/>
+              <a:buFont typeface="Arial"/>
+              <a:buNone/>
+              <a:defRPr sz="1200" b="0" i="0" u="none" strike="noStrike" cap="none">
+                <a:solidFill>
+                  <a:srgbClr val="888888"/>
+                </a:solidFill>
+                <a:latin typeface="Calibri"/>
+                <a:ea typeface="Calibri"/>
+                <a:cs typeface="Calibri"/>
+                <a:sym typeface="Calibri"/>
+              </a:defRPr>
             </a:lvl9pPr>
           </a:lstStyle>
           <a:p>
@@ -8384,7 +10876,10 @@
               <a:buNone/>
               <a:defRPr sz="3200"/>
             </a:lvl1pPr>
-            <a:lvl2pPr lvl="1">
+            <a:lvl2pPr lvl="1" algn="l">
+              <a:lnSpc>
+                <a:spcPct val="100000"/>
+              </a:lnSpc>
               <a:spcBef>
                 <a:spcPts val="0"/>
               </a:spcBef>
@@ -8395,7 +10890,10 @@
               <a:buNone/>
               <a:defRPr/>
             </a:lvl2pPr>
-            <a:lvl3pPr lvl="2">
+            <a:lvl3pPr lvl="2" algn="l">
+              <a:lnSpc>
+                <a:spcPct val="100000"/>
+              </a:lnSpc>
               <a:spcBef>
                 <a:spcPts val="0"/>
               </a:spcBef>
@@ -8406,7 +10904,10 @@
               <a:buNone/>
               <a:defRPr/>
             </a:lvl3pPr>
-            <a:lvl4pPr lvl="3">
+            <a:lvl4pPr lvl="3" algn="l">
+              <a:lnSpc>
+                <a:spcPct val="100000"/>
+              </a:lnSpc>
               <a:spcBef>
                 <a:spcPts val="0"/>
               </a:spcBef>
@@ -8417,7 +10918,10 @@
               <a:buNone/>
               <a:defRPr/>
             </a:lvl4pPr>
-            <a:lvl5pPr lvl="4">
+            <a:lvl5pPr lvl="4" algn="l">
+              <a:lnSpc>
+                <a:spcPct val="100000"/>
+              </a:lnSpc>
               <a:spcBef>
                 <a:spcPts val="0"/>
               </a:spcBef>
@@ -8428,7 +10932,10 @@
               <a:buNone/>
               <a:defRPr/>
             </a:lvl5pPr>
-            <a:lvl6pPr lvl="5">
+            <a:lvl6pPr lvl="5" algn="l">
+              <a:lnSpc>
+                <a:spcPct val="100000"/>
+              </a:lnSpc>
               <a:spcBef>
                 <a:spcPts val="0"/>
               </a:spcBef>
@@ -8439,7 +10946,10 @@
               <a:buNone/>
               <a:defRPr/>
             </a:lvl6pPr>
-            <a:lvl7pPr lvl="6">
+            <a:lvl7pPr lvl="6" algn="l">
+              <a:lnSpc>
+                <a:spcPct val="100000"/>
+              </a:lnSpc>
               <a:spcBef>
                 <a:spcPts val="0"/>
               </a:spcBef>
@@ -8450,7 +10960,10 @@
               <a:buNone/>
               <a:defRPr/>
             </a:lvl7pPr>
-            <a:lvl8pPr lvl="7">
+            <a:lvl8pPr lvl="7" algn="l">
+              <a:lnSpc>
+                <a:spcPct val="100000"/>
+              </a:lnSpc>
               <a:spcBef>
                 <a:spcPts val="0"/>
               </a:spcBef>
@@ -8461,7 +10974,10 @@
               <a:buNone/>
               <a:defRPr/>
             </a:lvl8pPr>
-            <a:lvl9pPr lvl="8">
+            <a:lvl9pPr lvl="8" algn="l">
+              <a:lnSpc>
+                <a:spcPct val="100000"/>
+              </a:lnSpc>
               <a:spcBef>
                 <a:spcPts val="0"/>
               </a:spcBef>
@@ -8879,6 +11395,9 @@
           <a:bodyPr spcFirstLastPara="1" wrap="square" lIns="91425" tIns="45700" rIns="91425" bIns="45700" anchor="ctr" anchorCtr="0"/>
           <a:lstStyle>
             <a:lvl1pPr lvl="0" algn="l">
+              <a:lnSpc>
+                <a:spcPct val="100000"/>
+              </a:lnSpc>
               <a:spcBef>
                 <a:spcPts val="0"/>
               </a:spcBef>
@@ -8890,6 +11409,9 @@
               <a:defRPr/>
             </a:lvl1pPr>
             <a:lvl2pPr lvl="1" algn="l">
+              <a:lnSpc>
+                <a:spcPct val="100000"/>
+              </a:lnSpc>
               <a:spcBef>
                 <a:spcPts val="0"/>
               </a:spcBef>
@@ -8901,6 +11423,9 @@
               <a:defRPr/>
             </a:lvl2pPr>
             <a:lvl3pPr lvl="2" algn="l">
+              <a:lnSpc>
+                <a:spcPct val="100000"/>
+              </a:lnSpc>
               <a:spcBef>
                 <a:spcPts val="0"/>
               </a:spcBef>
@@ -8912,6 +11437,9 @@
               <a:defRPr/>
             </a:lvl3pPr>
             <a:lvl4pPr lvl="3" algn="l">
+              <a:lnSpc>
+                <a:spcPct val="100000"/>
+              </a:lnSpc>
               <a:spcBef>
                 <a:spcPts val="0"/>
               </a:spcBef>
@@ -8923,6 +11451,9 @@
               <a:defRPr/>
             </a:lvl4pPr>
             <a:lvl5pPr lvl="4" algn="l">
+              <a:lnSpc>
+                <a:spcPct val="100000"/>
+              </a:lnSpc>
               <a:spcBef>
                 <a:spcPts val="0"/>
               </a:spcBef>
@@ -8934,6 +11465,9 @@
               <a:defRPr/>
             </a:lvl5pPr>
             <a:lvl6pPr lvl="5" algn="l">
+              <a:lnSpc>
+                <a:spcPct val="100000"/>
+              </a:lnSpc>
               <a:spcBef>
                 <a:spcPts val="0"/>
               </a:spcBef>
@@ -8945,6 +11479,9 @@
               <a:defRPr/>
             </a:lvl6pPr>
             <a:lvl7pPr lvl="6" algn="l">
+              <a:lnSpc>
+                <a:spcPct val="100000"/>
+              </a:lnSpc>
               <a:spcBef>
                 <a:spcPts val="0"/>
               </a:spcBef>
@@ -8956,6 +11493,9 @@
               <a:defRPr/>
             </a:lvl7pPr>
             <a:lvl8pPr lvl="7" algn="l">
+              <a:lnSpc>
+                <a:spcPct val="100000"/>
+              </a:lnSpc>
               <a:spcBef>
                 <a:spcPts val="0"/>
               </a:spcBef>
@@ -8967,6 +11507,9 @@
               <a:defRPr/>
             </a:lvl8pPr>
             <a:lvl9pPr lvl="8" algn="l">
+              <a:lnSpc>
+                <a:spcPct val="100000"/>
+              </a:lnSpc>
               <a:spcBef>
                 <a:spcPts val="0"/>
               </a:spcBef>
@@ -9010,6 +11553,9 @@
           <a:bodyPr spcFirstLastPara="1" wrap="square" lIns="91425" tIns="45700" rIns="91425" bIns="45700" anchor="ctr" anchorCtr="0"/>
           <a:lstStyle>
             <a:lvl1pPr lvl="0" algn="ctr">
+              <a:lnSpc>
+                <a:spcPct val="100000"/>
+              </a:lnSpc>
               <a:spcBef>
                 <a:spcPts val="0"/>
               </a:spcBef>
@@ -9021,6 +11567,9 @@
               <a:defRPr/>
             </a:lvl1pPr>
             <a:lvl2pPr lvl="1" algn="l">
+              <a:lnSpc>
+                <a:spcPct val="100000"/>
+              </a:lnSpc>
               <a:spcBef>
                 <a:spcPts val="0"/>
               </a:spcBef>
@@ -9032,6 +11581,9 @@
               <a:defRPr/>
             </a:lvl2pPr>
             <a:lvl3pPr lvl="2" algn="l">
+              <a:lnSpc>
+                <a:spcPct val="100000"/>
+              </a:lnSpc>
               <a:spcBef>
                 <a:spcPts val="0"/>
               </a:spcBef>
@@ -9043,6 +11595,9 @@
               <a:defRPr/>
             </a:lvl3pPr>
             <a:lvl4pPr lvl="3" algn="l">
+              <a:lnSpc>
+                <a:spcPct val="100000"/>
+              </a:lnSpc>
               <a:spcBef>
                 <a:spcPts val="0"/>
               </a:spcBef>
@@ -9054,6 +11609,9 @@
               <a:defRPr/>
             </a:lvl4pPr>
             <a:lvl5pPr lvl="4" algn="l">
+              <a:lnSpc>
+                <a:spcPct val="100000"/>
+              </a:lnSpc>
               <a:spcBef>
                 <a:spcPts val="0"/>
               </a:spcBef>
@@ -9065,6 +11623,9 @@
               <a:defRPr/>
             </a:lvl5pPr>
             <a:lvl6pPr lvl="5" algn="l">
+              <a:lnSpc>
+                <a:spcPct val="100000"/>
+              </a:lnSpc>
               <a:spcBef>
                 <a:spcPts val="0"/>
               </a:spcBef>
@@ -9076,6 +11637,9 @@
               <a:defRPr/>
             </a:lvl6pPr>
             <a:lvl7pPr lvl="6" algn="l">
+              <a:lnSpc>
+                <a:spcPct val="100000"/>
+              </a:lnSpc>
               <a:spcBef>
                 <a:spcPts val="0"/>
               </a:spcBef>
@@ -9087,6 +11651,9 @@
               <a:defRPr/>
             </a:lvl7pPr>
             <a:lvl8pPr lvl="7" algn="l">
+              <a:lnSpc>
+                <a:spcPct val="100000"/>
+              </a:lnSpc>
               <a:spcBef>
                 <a:spcPts val="0"/>
               </a:spcBef>
@@ -9098,6 +11665,9 @@
               <a:defRPr/>
             </a:lvl8pPr>
             <a:lvl9pPr lvl="8" algn="l">
+              <a:lnSpc>
+                <a:spcPct val="100000"/>
+              </a:lnSpc>
               <a:spcBef>
                 <a:spcPts val="0"/>
               </a:spcBef>
@@ -9142,68 +11712,239 @@
             <a:noAutofit/>
           </a:bodyPr>
           <a:lstStyle>
-            <a:lvl1pPr marL="0" lvl="0" indent="0" algn="r">
-              <a:spcBef>
-                <a:spcPts val="0"/>
-              </a:spcBef>
-              <a:buNone/>
-              <a:defRPr/>
+            <a:lvl1pPr marL="0" marR="0" lvl="0" indent="0" algn="r">
+              <a:lnSpc>
+                <a:spcPct val="100000"/>
+              </a:lnSpc>
+              <a:spcBef>
+                <a:spcPts val="0"/>
+              </a:spcBef>
+              <a:spcAft>
+                <a:spcPts val="0"/>
+              </a:spcAft>
+              <a:buClr>
+                <a:srgbClr val="000000"/>
+              </a:buClr>
+              <a:buSzPts val="1200"/>
+              <a:buFont typeface="Arial"/>
+              <a:buNone/>
+              <a:defRPr sz="1200" b="0" i="0" u="none" strike="noStrike" cap="none">
+                <a:solidFill>
+                  <a:srgbClr val="888888"/>
+                </a:solidFill>
+                <a:latin typeface="Calibri"/>
+                <a:ea typeface="Calibri"/>
+                <a:cs typeface="Calibri"/>
+                <a:sym typeface="Calibri"/>
+              </a:defRPr>
             </a:lvl1pPr>
-            <a:lvl2pPr marL="0" lvl="1" indent="0" algn="r">
-              <a:spcBef>
-                <a:spcPts val="0"/>
-              </a:spcBef>
-              <a:buNone/>
-              <a:defRPr/>
+            <a:lvl2pPr marL="0" marR="0" lvl="1" indent="0" algn="r">
+              <a:lnSpc>
+                <a:spcPct val="100000"/>
+              </a:lnSpc>
+              <a:spcBef>
+                <a:spcPts val="0"/>
+              </a:spcBef>
+              <a:spcAft>
+                <a:spcPts val="0"/>
+              </a:spcAft>
+              <a:buClr>
+                <a:srgbClr val="000000"/>
+              </a:buClr>
+              <a:buSzPts val="1200"/>
+              <a:buFont typeface="Arial"/>
+              <a:buNone/>
+              <a:defRPr sz="1200" b="0" i="0" u="none" strike="noStrike" cap="none">
+                <a:solidFill>
+                  <a:srgbClr val="888888"/>
+                </a:solidFill>
+                <a:latin typeface="Calibri"/>
+                <a:ea typeface="Calibri"/>
+                <a:cs typeface="Calibri"/>
+                <a:sym typeface="Calibri"/>
+              </a:defRPr>
             </a:lvl2pPr>
-            <a:lvl3pPr marL="0" lvl="2" indent="0" algn="r">
-              <a:spcBef>
-                <a:spcPts val="0"/>
-              </a:spcBef>
-              <a:buNone/>
-              <a:defRPr/>
+            <a:lvl3pPr marL="0" marR="0" lvl="2" indent="0" algn="r">
+              <a:lnSpc>
+                <a:spcPct val="100000"/>
+              </a:lnSpc>
+              <a:spcBef>
+                <a:spcPts val="0"/>
+              </a:spcBef>
+              <a:spcAft>
+                <a:spcPts val="0"/>
+              </a:spcAft>
+              <a:buClr>
+                <a:srgbClr val="000000"/>
+              </a:buClr>
+              <a:buSzPts val="1200"/>
+              <a:buFont typeface="Arial"/>
+              <a:buNone/>
+              <a:defRPr sz="1200" b="0" i="0" u="none" strike="noStrike" cap="none">
+                <a:solidFill>
+                  <a:srgbClr val="888888"/>
+                </a:solidFill>
+                <a:latin typeface="Calibri"/>
+                <a:ea typeface="Calibri"/>
+                <a:cs typeface="Calibri"/>
+                <a:sym typeface="Calibri"/>
+              </a:defRPr>
             </a:lvl3pPr>
-            <a:lvl4pPr marL="0" lvl="3" indent="0" algn="r">
-              <a:spcBef>
-                <a:spcPts val="0"/>
-              </a:spcBef>
-              <a:buNone/>
-              <a:defRPr/>
+            <a:lvl4pPr marL="0" marR="0" lvl="3" indent="0" algn="r">
+              <a:lnSpc>
+                <a:spcPct val="100000"/>
+              </a:lnSpc>
+              <a:spcBef>
+                <a:spcPts val="0"/>
+              </a:spcBef>
+              <a:spcAft>
+                <a:spcPts val="0"/>
+              </a:spcAft>
+              <a:buClr>
+                <a:srgbClr val="000000"/>
+              </a:buClr>
+              <a:buSzPts val="1200"/>
+              <a:buFont typeface="Arial"/>
+              <a:buNone/>
+              <a:defRPr sz="1200" b="0" i="0" u="none" strike="noStrike" cap="none">
+                <a:solidFill>
+                  <a:srgbClr val="888888"/>
+                </a:solidFill>
+                <a:latin typeface="Calibri"/>
+                <a:ea typeface="Calibri"/>
+                <a:cs typeface="Calibri"/>
+                <a:sym typeface="Calibri"/>
+              </a:defRPr>
             </a:lvl4pPr>
-            <a:lvl5pPr marL="0" lvl="4" indent="0" algn="r">
-              <a:spcBef>
-                <a:spcPts val="0"/>
-              </a:spcBef>
-              <a:buNone/>
-              <a:defRPr/>
+            <a:lvl5pPr marL="0" marR="0" lvl="4" indent="0" algn="r">
+              <a:lnSpc>
+                <a:spcPct val="100000"/>
+              </a:lnSpc>
+              <a:spcBef>
+                <a:spcPts val="0"/>
+              </a:spcBef>
+              <a:spcAft>
+                <a:spcPts val="0"/>
+              </a:spcAft>
+              <a:buClr>
+                <a:srgbClr val="000000"/>
+              </a:buClr>
+              <a:buSzPts val="1200"/>
+              <a:buFont typeface="Arial"/>
+              <a:buNone/>
+              <a:defRPr sz="1200" b="0" i="0" u="none" strike="noStrike" cap="none">
+                <a:solidFill>
+                  <a:srgbClr val="888888"/>
+                </a:solidFill>
+                <a:latin typeface="Calibri"/>
+                <a:ea typeface="Calibri"/>
+                <a:cs typeface="Calibri"/>
+                <a:sym typeface="Calibri"/>
+              </a:defRPr>
             </a:lvl5pPr>
-            <a:lvl6pPr marL="0" lvl="5" indent="0" algn="r">
-              <a:spcBef>
-                <a:spcPts val="0"/>
-              </a:spcBef>
-              <a:buNone/>
-              <a:defRPr/>
+            <a:lvl6pPr marL="0" marR="0" lvl="5" indent="0" algn="r">
+              <a:lnSpc>
+                <a:spcPct val="100000"/>
+              </a:lnSpc>
+              <a:spcBef>
+                <a:spcPts val="0"/>
+              </a:spcBef>
+              <a:spcAft>
+                <a:spcPts val="0"/>
+              </a:spcAft>
+              <a:buClr>
+                <a:srgbClr val="000000"/>
+              </a:buClr>
+              <a:buSzPts val="1200"/>
+              <a:buFont typeface="Arial"/>
+              <a:buNone/>
+              <a:defRPr sz="1200" b="0" i="0" u="none" strike="noStrike" cap="none">
+                <a:solidFill>
+                  <a:srgbClr val="888888"/>
+                </a:solidFill>
+                <a:latin typeface="Calibri"/>
+                <a:ea typeface="Calibri"/>
+                <a:cs typeface="Calibri"/>
+                <a:sym typeface="Calibri"/>
+              </a:defRPr>
             </a:lvl6pPr>
-            <a:lvl7pPr marL="0" lvl="6" indent="0" algn="r">
-              <a:spcBef>
-                <a:spcPts val="0"/>
-              </a:spcBef>
-              <a:buNone/>
-              <a:defRPr/>
+            <a:lvl7pPr marL="0" marR="0" lvl="6" indent="0" algn="r">
+              <a:lnSpc>
+                <a:spcPct val="100000"/>
+              </a:lnSpc>
+              <a:spcBef>
+                <a:spcPts val="0"/>
+              </a:spcBef>
+              <a:spcAft>
+                <a:spcPts val="0"/>
+              </a:spcAft>
+              <a:buClr>
+                <a:srgbClr val="000000"/>
+              </a:buClr>
+              <a:buSzPts val="1200"/>
+              <a:buFont typeface="Arial"/>
+              <a:buNone/>
+              <a:defRPr sz="1200" b="0" i="0" u="none" strike="noStrike" cap="none">
+                <a:solidFill>
+                  <a:srgbClr val="888888"/>
+                </a:solidFill>
+                <a:latin typeface="Calibri"/>
+                <a:ea typeface="Calibri"/>
+                <a:cs typeface="Calibri"/>
+                <a:sym typeface="Calibri"/>
+              </a:defRPr>
             </a:lvl7pPr>
-            <a:lvl8pPr marL="0" lvl="7" indent="0" algn="r">
-              <a:spcBef>
-                <a:spcPts val="0"/>
-              </a:spcBef>
-              <a:buNone/>
-              <a:defRPr/>
+            <a:lvl8pPr marL="0" marR="0" lvl="7" indent="0" algn="r">
+              <a:lnSpc>
+                <a:spcPct val="100000"/>
+              </a:lnSpc>
+              <a:spcBef>
+                <a:spcPts val="0"/>
+              </a:spcBef>
+              <a:spcAft>
+                <a:spcPts val="0"/>
+              </a:spcAft>
+              <a:buClr>
+                <a:srgbClr val="000000"/>
+              </a:buClr>
+              <a:buSzPts val="1200"/>
+              <a:buFont typeface="Arial"/>
+              <a:buNone/>
+              <a:defRPr sz="1200" b="0" i="0" u="none" strike="noStrike" cap="none">
+                <a:solidFill>
+                  <a:srgbClr val="888888"/>
+                </a:solidFill>
+                <a:latin typeface="Calibri"/>
+                <a:ea typeface="Calibri"/>
+                <a:cs typeface="Calibri"/>
+                <a:sym typeface="Calibri"/>
+              </a:defRPr>
             </a:lvl8pPr>
-            <a:lvl9pPr marL="0" lvl="8" indent="0" algn="r">
-              <a:spcBef>
-                <a:spcPts val="0"/>
-              </a:spcBef>
-              <a:buNone/>
-              <a:defRPr/>
+            <a:lvl9pPr marL="0" marR="0" lvl="8" indent="0" algn="r">
+              <a:lnSpc>
+                <a:spcPct val="100000"/>
+              </a:lnSpc>
+              <a:spcBef>
+                <a:spcPts val="0"/>
+              </a:spcBef>
+              <a:spcAft>
+                <a:spcPts val="0"/>
+              </a:spcAft>
+              <a:buClr>
+                <a:srgbClr val="000000"/>
+              </a:buClr>
+              <a:buSzPts val="1200"/>
+              <a:buFont typeface="Arial"/>
+              <a:buNone/>
+              <a:defRPr sz="1200" b="0" i="0" u="none" strike="noStrike" cap="none">
+                <a:solidFill>
+                  <a:srgbClr val="888888"/>
+                </a:solidFill>
+                <a:latin typeface="Calibri"/>
+                <a:ea typeface="Calibri"/>
+                <a:cs typeface="Calibri"/>
+                <a:sym typeface="Calibri"/>
+              </a:defRPr>
             </a:lvl9pPr>
           </a:lstStyle>
           <a:p>
@@ -9295,7 +12036,10 @@
               <a:buNone/>
               <a:defRPr sz="3200"/>
             </a:lvl1pPr>
-            <a:lvl2pPr lvl="1">
+            <a:lvl2pPr lvl="1" algn="l">
+              <a:lnSpc>
+                <a:spcPct val="100000"/>
+              </a:lnSpc>
               <a:spcBef>
                 <a:spcPts val="0"/>
               </a:spcBef>
@@ -9306,7 +12050,10 @@
               <a:buNone/>
               <a:defRPr/>
             </a:lvl2pPr>
-            <a:lvl3pPr lvl="2">
+            <a:lvl3pPr lvl="2" algn="l">
+              <a:lnSpc>
+                <a:spcPct val="100000"/>
+              </a:lnSpc>
               <a:spcBef>
                 <a:spcPts val="0"/>
               </a:spcBef>
@@ -9317,7 +12064,10 @@
               <a:buNone/>
               <a:defRPr/>
             </a:lvl3pPr>
-            <a:lvl4pPr lvl="3">
+            <a:lvl4pPr lvl="3" algn="l">
+              <a:lnSpc>
+                <a:spcPct val="100000"/>
+              </a:lnSpc>
               <a:spcBef>
                 <a:spcPts val="0"/>
               </a:spcBef>
@@ -9328,7 +12078,10 @@
               <a:buNone/>
               <a:defRPr/>
             </a:lvl4pPr>
-            <a:lvl5pPr lvl="4">
+            <a:lvl5pPr lvl="4" algn="l">
+              <a:lnSpc>
+                <a:spcPct val="100000"/>
+              </a:lnSpc>
               <a:spcBef>
                 <a:spcPts val="0"/>
               </a:spcBef>
@@ -9339,7 +12092,10 @@
               <a:buNone/>
               <a:defRPr/>
             </a:lvl5pPr>
-            <a:lvl6pPr lvl="5">
+            <a:lvl6pPr lvl="5" algn="l">
+              <a:lnSpc>
+                <a:spcPct val="100000"/>
+              </a:lnSpc>
               <a:spcBef>
                 <a:spcPts val="0"/>
               </a:spcBef>
@@ -9350,7 +12106,10 @@
               <a:buNone/>
               <a:defRPr/>
             </a:lvl6pPr>
-            <a:lvl7pPr lvl="6">
+            <a:lvl7pPr lvl="6" algn="l">
+              <a:lnSpc>
+                <a:spcPct val="100000"/>
+              </a:lnSpc>
               <a:spcBef>
                 <a:spcPts val="0"/>
               </a:spcBef>
@@ -9361,7 +12120,10 @@
               <a:buNone/>
               <a:defRPr/>
             </a:lvl7pPr>
-            <a:lvl8pPr lvl="7">
+            <a:lvl8pPr lvl="7" algn="l">
+              <a:lnSpc>
+                <a:spcPct val="100000"/>
+              </a:lnSpc>
               <a:spcBef>
                 <a:spcPts val="0"/>
               </a:spcBef>
@@ -9372,7 +12134,10 @@
               <a:buNone/>
               <a:defRPr/>
             </a:lvl8pPr>
-            <a:lvl9pPr lvl="8">
+            <a:lvl9pPr lvl="8" algn="l">
+              <a:lnSpc>
+                <a:spcPct val="100000"/>
+              </a:lnSpc>
               <a:spcBef>
                 <a:spcPts val="0"/>
               </a:spcBef>
@@ -9871,6 +12636,9 @@
           <a:bodyPr spcFirstLastPara="1" wrap="square" lIns="91425" tIns="45700" rIns="91425" bIns="45700" anchor="ctr" anchorCtr="0"/>
           <a:lstStyle>
             <a:lvl1pPr lvl="0" algn="l">
+              <a:lnSpc>
+                <a:spcPct val="100000"/>
+              </a:lnSpc>
               <a:spcBef>
                 <a:spcPts val="0"/>
               </a:spcBef>
@@ -9882,6 +12650,9 @@
               <a:defRPr/>
             </a:lvl1pPr>
             <a:lvl2pPr lvl="1" algn="l">
+              <a:lnSpc>
+                <a:spcPct val="100000"/>
+              </a:lnSpc>
               <a:spcBef>
                 <a:spcPts val="0"/>
               </a:spcBef>
@@ -9893,6 +12664,9 @@
               <a:defRPr/>
             </a:lvl2pPr>
             <a:lvl3pPr lvl="2" algn="l">
+              <a:lnSpc>
+                <a:spcPct val="100000"/>
+              </a:lnSpc>
               <a:spcBef>
                 <a:spcPts val="0"/>
               </a:spcBef>
@@ -9904,6 +12678,9 @@
               <a:defRPr/>
             </a:lvl3pPr>
             <a:lvl4pPr lvl="3" algn="l">
+              <a:lnSpc>
+                <a:spcPct val="100000"/>
+              </a:lnSpc>
               <a:spcBef>
                 <a:spcPts val="0"/>
               </a:spcBef>
@@ -9915,6 +12692,9 @@
               <a:defRPr/>
             </a:lvl4pPr>
             <a:lvl5pPr lvl="4" algn="l">
+              <a:lnSpc>
+                <a:spcPct val="100000"/>
+              </a:lnSpc>
               <a:spcBef>
                 <a:spcPts val="0"/>
               </a:spcBef>
@@ -9926,6 +12706,9 @@
               <a:defRPr/>
             </a:lvl5pPr>
             <a:lvl6pPr lvl="5" algn="l">
+              <a:lnSpc>
+                <a:spcPct val="100000"/>
+              </a:lnSpc>
               <a:spcBef>
                 <a:spcPts val="0"/>
               </a:spcBef>
@@ -9937,6 +12720,9 @@
               <a:defRPr/>
             </a:lvl6pPr>
             <a:lvl7pPr lvl="6" algn="l">
+              <a:lnSpc>
+                <a:spcPct val="100000"/>
+              </a:lnSpc>
               <a:spcBef>
                 <a:spcPts val="0"/>
               </a:spcBef>
@@ -9948,6 +12734,9 @@
               <a:defRPr/>
             </a:lvl7pPr>
             <a:lvl8pPr lvl="7" algn="l">
+              <a:lnSpc>
+                <a:spcPct val="100000"/>
+              </a:lnSpc>
               <a:spcBef>
                 <a:spcPts val="0"/>
               </a:spcBef>
@@ -9959,6 +12748,9 @@
               <a:defRPr/>
             </a:lvl8pPr>
             <a:lvl9pPr lvl="8" algn="l">
+              <a:lnSpc>
+                <a:spcPct val="100000"/>
+              </a:lnSpc>
               <a:spcBef>
                 <a:spcPts val="0"/>
               </a:spcBef>
@@ -10002,6 +12794,9 @@
           <a:bodyPr spcFirstLastPara="1" wrap="square" lIns="91425" tIns="45700" rIns="91425" bIns="45700" anchor="ctr" anchorCtr="0"/>
           <a:lstStyle>
             <a:lvl1pPr lvl="0" algn="ctr">
+              <a:lnSpc>
+                <a:spcPct val="100000"/>
+              </a:lnSpc>
               <a:spcBef>
                 <a:spcPts val="0"/>
               </a:spcBef>
@@ -10013,6 +12808,9 @@
               <a:defRPr/>
             </a:lvl1pPr>
             <a:lvl2pPr lvl="1" algn="l">
+              <a:lnSpc>
+                <a:spcPct val="100000"/>
+              </a:lnSpc>
               <a:spcBef>
                 <a:spcPts val="0"/>
               </a:spcBef>
@@ -10024,6 +12822,9 @@
               <a:defRPr/>
             </a:lvl2pPr>
             <a:lvl3pPr lvl="2" algn="l">
+              <a:lnSpc>
+                <a:spcPct val="100000"/>
+              </a:lnSpc>
               <a:spcBef>
                 <a:spcPts val="0"/>
               </a:spcBef>
@@ -10035,6 +12836,9 @@
               <a:defRPr/>
             </a:lvl3pPr>
             <a:lvl4pPr lvl="3" algn="l">
+              <a:lnSpc>
+                <a:spcPct val="100000"/>
+              </a:lnSpc>
               <a:spcBef>
                 <a:spcPts val="0"/>
               </a:spcBef>
@@ -10046,6 +12850,9 @@
               <a:defRPr/>
             </a:lvl4pPr>
             <a:lvl5pPr lvl="4" algn="l">
+              <a:lnSpc>
+                <a:spcPct val="100000"/>
+              </a:lnSpc>
               <a:spcBef>
                 <a:spcPts val="0"/>
               </a:spcBef>
@@ -10057,6 +12864,9 @@
               <a:defRPr/>
             </a:lvl5pPr>
             <a:lvl6pPr lvl="5" algn="l">
+              <a:lnSpc>
+                <a:spcPct val="100000"/>
+              </a:lnSpc>
               <a:spcBef>
                 <a:spcPts val="0"/>
               </a:spcBef>
@@ -10068,6 +12878,9 @@
               <a:defRPr/>
             </a:lvl6pPr>
             <a:lvl7pPr lvl="6" algn="l">
+              <a:lnSpc>
+                <a:spcPct val="100000"/>
+              </a:lnSpc>
               <a:spcBef>
                 <a:spcPts val="0"/>
               </a:spcBef>
@@ -10079,6 +12892,9 @@
               <a:defRPr/>
             </a:lvl7pPr>
             <a:lvl8pPr lvl="7" algn="l">
+              <a:lnSpc>
+                <a:spcPct val="100000"/>
+              </a:lnSpc>
               <a:spcBef>
                 <a:spcPts val="0"/>
               </a:spcBef>
@@ -10090,6 +12906,9 @@
               <a:defRPr/>
             </a:lvl8pPr>
             <a:lvl9pPr lvl="8" algn="l">
+              <a:lnSpc>
+                <a:spcPct val="100000"/>
+              </a:lnSpc>
               <a:spcBef>
                 <a:spcPts val="0"/>
               </a:spcBef>
@@ -10134,68 +12953,239 @@
             <a:noAutofit/>
           </a:bodyPr>
           <a:lstStyle>
-            <a:lvl1pPr marL="0" lvl="0" indent="0" algn="r">
-              <a:spcBef>
-                <a:spcPts val="0"/>
-              </a:spcBef>
-              <a:buNone/>
-              <a:defRPr/>
+            <a:lvl1pPr marL="0" marR="0" lvl="0" indent="0" algn="r">
+              <a:lnSpc>
+                <a:spcPct val="100000"/>
+              </a:lnSpc>
+              <a:spcBef>
+                <a:spcPts val="0"/>
+              </a:spcBef>
+              <a:spcAft>
+                <a:spcPts val="0"/>
+              </a:spcAft>
+              <a:buClr>
+                <a:srgbClr val="000000"/>
+              </a:buClr>
+              <a:buSzPts val="1200"/>
+              <a:buFont typeface="Arial"/>
+              <a:buNone/>
+              <a:defRPr sz="1200" b="0" i="0" u="none" strike="noStrike" cap="none">
+                <a:solidFill>
+                  <a:srgbClr val="888888"/>
+                </a:solidFill>
+                <a:latin typeface="Calibri"/>
+                <a:ea typeface="Calibri"/>
+                <a:cs typeface="Calibri"/>
+                <a:sym typeface="Calibri"/>
+              </a:defRPr>
             </a:lvl1pPr>
-            <a:lvl2pPr marL="0" lvl="1" indent="0" algn="r">
-              <a:spcBef>
-                <a:spcPts val="0"/>
-              </a:spcBef>
-              <a:buNone/>
-              <a:defRPr/>
+            <a:lvl2pPr marL="0" marR="0" lvl="1" indent="0" algn="r">
+              <a:lnSpc>
+                <a:spcPct val="100000"/>
+              </a:lnSpc>
+              <a:spcBef>
+                <a:spcPts val="0"/>
+              </a:spcBef>
+              <a:spcAft>
+                <a:spcPts val="0"/>
+              </a:spcAft>
+              <a:buClr>
+                <a:srgbClr val="000000"/>
+              </a:buClr>
+              <a:buSzPts val="1200"/>
+              <a:buFont typeface="Arial"/>
+              <a:buNone/>
+              <a:defRPr sz="1200" b="0" i="0" u="none" strike="noStrike" cap="none">
+                <a:solidFill>
+                  <a:srgbClr val="888888"/>
+                </a:solidFill>
+                <a:latin typeface="Calibri"/>
+                <a:ea typeface="Calibri"/>
+                <a:cs typeface="Calibri"/>
+                <a:sym typeface="Calibri"/>
+              </a:defRPr>
             </a:lvl2pPr>
-            <a:lvl3pPr marL="0" lvl="2" indent="0" algn="r">
-              <a:spcBef>
-                <a:spcPts val="0"/>
-              </a:spcBef>
-              <a:buNone/>
-              <a:defRPr/>
+            <a:lvl3pPr marL="0" marR="0" lvl="2" indent="0" algn="r">
+              <a:lnSpc>
+                <a:spcPct val="100000"/>
+              </a:lnSpc>
+              <a:spcBef>
+                <a:spcPts val="0"/>
+              </a:spcBef>
+              <a:spcAft>
+                <a:spcPts val="0"/>
+              </a:spcAft>
+              <a:buClr>
+                <a:srgbClr val="000000"/>
+              </a:buClr>
+              <a:buSzPts val="1200"/>
+              <a:buFont typeface="Arial"/>
+              <a:buNone/>
+              <a:defRPr sz="1200" b="0" i="0" u="none" strike="noStrike" cap="none">
+                <a:solidFill>
+                  <a:srgbClr val="888888"/>
+                </a:solidFill>
+                <a:latin typeface="Calibri"/>
+                <a:ea typeface="Calibri"/>
+                <a:cs typeface="Calibri"/>
+                <a:sym typeface="Calibri"/>
+              </a:defRPr>
             </a:lvl3pPr>
-            <a:lvl4pPr marL="0" lvl="3" indent="0" algn="r">
-              <a:spcBef>
-                <a:spcPts val="0"/>
-              </a:spcBef>
-              <a:buNone/>
-              <a:defRPr/>
+            <a:lvl4pPr marL="0" marR="0" lvl="3" indent="0" algn="r">
+              <a:lnSpc>
+                <a:spcPct val="100000"/>
+              </a:lnSpc>
+              <a:spcBef>
+                <a:spcPts val="0"/>
+              </a:spcBef>
+              <a:spcAft>
+                <a:spcPts val="0"/>
+              </a:spcAft>
+              <a:buClr>
+                <a:srgbClr val="000000"/>
+              </a:buClr>
+              <a:buSzPts val="1200"/>
+              <a:buFont typeface="Arial"/>
+              <a:buNone/>
+              <a:defRPr sz="1200" b="0" i="0" u="none" strike="noStrike" cap="none">
+                <a:solidFill>
+                  <a:srgbClr val="888888"/>
+                </a:solidFill>
+                <a:latin typeface="Calibri"/>
+                <a:ea typeface="Calibri"/>
+                <a:cs typeface="Calibri"/>
+                <a:sym typeface="Calibri"/>
+              </a:defRPr>
             </a:lvl4pPr>
-            <a:lvl5pPr marL="0" lvl="4" indent="0" algn="r">
-              <a:spcBef>
-                <a:spcPts val="0"/>
-              </a:spcBef>
-              <a:buNone/>
-              <a:defRPr/>
+            <a:lvl5pPr marL="0" marR="0" lvl="4" indent="0" algn="r">
+              <a:lnSpc>
+                <a:spcPct val="100000"/>
+              </a:lnSpc>
+              <a:spcBef>
+                <a:spcPts val="0"/>
+              </a:spcBef>
+              <a:spcAft>
+                <a:spcPts val="0"/>
+              </a:spcAft>
+              <a:buClr>
+                <a:srgbClr val="000000"/>
+              </a:buClr>
+              <a:buSzPts val="1200"/>
+              <a:buFont typeface="Arial"/>
+              <a:buNone/>
+              <a:defRPr sz="1200" b="0" i="0" u="none" strike="noStrike" cap="none">
+                <a:solidFill>
+                  <a:srgbClr val="888888"/>
+                </a:solidFill>
+                <a:latin typeface="Calibri"/>
+                <a:ea typeface="Calibri"/>
+                <a:cs typeface="Calibri"/>
+                <a:sym typeface="Calibri"/>
+              </a:defRPr>
             </a:lvl5pPr>
-            <a:lvl6pPr marL="0" lvl="5" indent="0" algn="r">
-              <a:spcBef>
-                <a:spcPts val="0"/>
-              </a:spcBef>
-              <a:buNone/>
-              <a:defRPr/>
+            <a:lvl6pPr marL="0" marR="0" lvl="5" indent="0" algn="r">
+              <a:lnSpc>
+                <a:spcPct val="100000"/>
+              </a:lnSpc>
+              <a:spcBef>
+                <a:spcPts val="0"/>
+              </a:spcBef>
+              <a:spcAft>
+                <a:spcPts val="0"/>
+              </a:spcAft>
+              <a:buClr>
+                <a:srgbClr val="000000"/>
+              </a:buClr>
+              <a:buSzPts val="1200"/>
+              <a:buFont typeface="Arial"/>
+              <a:buNone/>
+              <a:defRPr sz="1200" b="0" i="0" u="none" strike="noStrike" cap="none">
+                <a:solidFill>
+                  <a:srgbClr val="888888"/>
+                </a:solidFill>
+                <a:latin typeface="Calibri"/>
+                <a:ea typeface="Calibri"/>
+                <a:cs typeface="Calibri"/>
+                <a:sym typeface="Calibri"/>
+              </a:defRPr>
             </a:lvl6pPr>
-            <a:lvl7pPr marL="0" lvl="6" indent="0" algn="r">
-              <a:spcBef>
-                <a:spcPts val="0"/>
-              </a:spcBef>
-              <a:buNone/>
-              <a:defRPr/>
+            <a:lvl7pPr marL="0" marR="0" lvl="6" indent="0" algn="r">
+              <a:lnSpc>
+                <a:spcPct val="100000"/>
+              </a:lnSpc>
+              <a:spcBef>
+                <a:spcPts val="0"/>
+              </a:spcBef>
+              <a:spcAft>
+                <a:spcPts val="0"/>
+              </a:spcAft>
+              <a:buClr>
+                <a:srgbClr val="000000"/>
+              </a:buClr>
+              <a:buSzPts val="1200"/>
+              <a:buFont typeface="Arial"/>
+              <a:buNone/>
+              <a:defRPr sz="1200" b="0" i="0" u="none" strike="noStrike" cap="none">
+                <a:solidFill>
+                  <a:srgbClr val="888888"/>
+                </a:solidFill>
+                <a:latin typeface="Calibri"/>
+                <a:ea typeface="Calibri"/>
+                <a:cs typeface="Calibri"/>
+                <a:sym typeface="Calibri"/>
+              </a:defRPr>
             </a:lvl7pPr>
-            <a:lvl8pPr marL="0" lvl="7" indent="0" algn="r">
-              <a:spcBef>
-                <a:spcPts val="0"/>
-              </a:spcBef>
-              <a:buNone/>
-              <a:defRPr/>
+            <a:lvl8pPr marL="0" marR="0" lvl="7" indent="0" algn="r">
+              <a:lnSpc>
+                <a:spcPct val="100000"/>
+              </a:lnSpc>
+              <a:spcBef>
+                <a:spcPts val="0"/>
+              </a:spcBef>
+              <a:spcAft>
+                <a:spcPts val="0"/>
+              </a:spcAft>
+              <a:buClr>
+                <a:srgbClr val="000000"/>
+              </a:buClr>
+              <a:buSzPts val="1200"/>
+              <a:buFont typeface="Arial"/>
+              <a:buNone/>
+              <a:defRPr sz="1200" b="0" i="0" u="none" strike="noStrike" cap="none">
+                <a:solidFill>
+                  <a:srgbClr val="888888"/>
+                </a:solidFill>
+                <a:latin typeface="Calibri"/>
+                <a:ea typeface="Calibri"/>
+                <a:cs typeface="Calibri"/>
+                <a:sym typeface="Calibri"/>
+              </a:defRPr>
             </a:lvl8pPr>
-            <a:lvl9pPr marL="0" lvl="8" indent="0" algn="r">
-              <a:spcBef>
-                <a:spcPts val="0"/>
-              </a:spcBef>
-              <a:buNone/>
-              <a:defRPr/>
+            <a:lvl9pPr marL="0" marR="0" lvl="8" indent="0" algn="r">
+              <a:lnSpc>
+                <a:spcPct val="100000"/>
+              </a:lnSpc>
+              <a:spcBef>
+                <a:spcPts val="0"/>
+              </a:spcBef>
+              <a:spcAft>
+                <a:spcPts val="0"/>
+              </a:spcAft>
+              <a:buClr>
+                <a:srgbClr val="000000"/>
+              </a:buClr>
+              <a:buSzPts val="1200"/>
+              <a:buFont typeface="Arial"/>
+              <a:buNone/>
+              <a:defRPr sz="1200" b="0" i="0" u="none" strike="noStrike" cap="none">
+                <a:solidFill>
+                  <a:srgbClr val="888888"/>
+                </a:solidFill>
+                <a:latin typeface="Calibri"/>
+                <a:ea typeface="Calibri"/>
+                <a:cs typeface="Calibri"/>
+                <a:sym typeface="Calibri"/>
+              </a:defRPr>
             </a:lvl9pPr>
           </a:lstStyle>
           <a:p>
@@ -10303,93 +13293,213 @@
                 <a:sym typeface="Calibri"/>
               </a:defRPr>
             </a:lvl1pPr>
-            <a:lvl2pPr lvl="1">
-              <a:spcBef>
-                <a:spcPts val="0"/>
-              </a:spcBef>
-              <a:spcAft>
-                <a:spcPts val="0"/>
-              </a:spcAft>
-              <a:buSzPts val="1400"/>
-              <a:buNone/>
-              <a:defRPr sz="1800"/>
+            <a:lvl2pPr marR="0" lvl="1" algn="l" rtl="0">
+              <a:lnSpc>
+                <a:spcPct val="100000"/>
+              </a:lnSpc>
+              <a:spcBef>
+                <a:spcPts val="0"/>
+              </a:spcBef>
+              <a:spcAft>
+                <a:spcPts val="0"/>
+              </a:spcAft>
+              <a:buClr>
+                <a:srgbClr val="000000"/>
+              </a:buClr>
+              <a:buSzPts val="1400"/>
+              <a:buFont typeface="Arial"/>
+              <a:buNone/>
+              <a:defRPr sz="1800" b="0" i="0" u="none" strike="noStrike" cap="none">
+                <a:solidFill>
+                  <a:srgbClr val="000000"/>
+                </a:solidFill>
+                <a:latin typeface="Arial"/>
+                <a:ea typeface="Arial"/>
+                <a:cs typeface="Arial"/>
+                <a:sym typeface="Arial"/>
+              </a:defRPr>
             </a:lvl2pPr>
-            <a:lvl3pPr lvl="2">
-              <a:spcBef>
-                <a:spcPts val="0"/>
-              </a:spcBef>
-              <a:spcAft>
-                <a:spcPts val="0"/>
-              </a:spcAft>
-              <a:buSzPts val="1400"/>
-              <a:buNone/>
-              <a:defRPr sz="1800"/>
+            <a:lvl3pPr marR="0" lvl="2" algn="l" rtl="0">
+              <a:lnSpc>
+                <a:spcPct val="100000"/>
+              </a:lnSpc>
+              <a:spcBef>
+                <a:spcPts val="0"/>
+              </a:spcBef>
+              <a:spcAft>
+                <a:spcPts val="0"/>
+              </a:spcAft>
+              <a:buClr>
+                <a:srgbClr val="000000"/>
+              </a:buClr>
+              <a:buSzPts val="1400"/>
+              <a:buFont typeface="Arial"/>
+              <a:buNone/>
+              <a:defRPr sz="1800" b="0" i="0" u="none" strike="noStrike" cap="none">
+                <a:solidFill>
+                  <a:srgbClr val="000000"/>
+                </a:solidFill>
+                <a:latin typeface="Arial"/>
+                <a:ea typeface="Arial"/>
+                <a:cs typeface="Arial"/>
+                <a:sym typeface="Arial"/>
+              </a:defRPr>
             </a:lvl3pPr>
-            <a:lvl4pPr lvl="3">
-              <a:spcBef>
-                <a:spcPts val="0"/>
-              </a:spcBef>
-              <a:spcAft>
-                <a:spcPts val="0"/>
-              </a:spcAft>
-              <a:buSzPts val="1400"/>
-              <a:buNone/>
-              <a:defRPr sz="1800"/>
+            <a:lvl4pPr marR="0" lvl="3" algn="l" rtl="0">
+              <a:lnSpc>
+                <a:spcPct val="100000"/>
+              </a:lnSpc>
+              <a:spcBef>
+                <a:spcPts val="0"/>
+              </a:spcBef>
+              <a:spcAft>
+                <a:spcPts val="0"/>
+              </a:spcAft>
+              <a:buClr>
+                <a:srgbClr val="000000"/>
+              </a:buClr>
+              <a:buSzPts val="1400"/>
+              <a:buFont typeface="Arial"/>
+              <a:buNone/>
+              <a:defRPr sz="1800" b="0" i="0" u="none" strike="noStrike" cap="none">
+                <a:solidFill>
+                  <a:srgbClr val="000000"/>
+                </a:solidFill>
+                <a:latin typeface="Arial"/>
+                <a:ea typeface="Arial"/>
+                <a:cs typeface="Arial"/>
+                <a:sym typeface="Arial"/>
+              </a:defRPr>
             </a:lvl4pPr>
-            <a:lvl5pPr lvl="4">
-              <a:spcBef>
-                <a:spcPts val="0"/>
-              </a:spcBef>
-              <a:spcAft>
-                <a:spcPts val="0"/>
-              </a:spcAft>
-              <a:buSzPts val="1400"/>
-              <a:buNone/>
-              <a:defRPr sz="1800"/>
+            <a:lvl5pPr marR="0" lvl="4" algn="l" rtl="0">
+              <a:lnSpc>
+                <a:spcPct val="100000"/>
+              </a:lnSpc>
+              <a:spcBef>
+                <a:spcPts val="0"/>
+              </a:spcBef>
+              <a:spcAft>
+                <a:spcPts val="0"/>
+              </a:spcAft>
+              <a:buClr>
+                <a:srgbClr val="000000"/>
+              </a:buClr>
+              <a:buSzPts val="1400"/>
+              <a:buFont typeface="Arial"/>
+              <a:buNone/>
+              <a:defRPr sz="1800" b="0" i="0" u="none" strike="noStrike" cap="none">
+                <a:solidFill>
+                  <a:srgbClr val="000000"/>
+                </a:solidFill>
+                <a:latin typeface="Arial"/>
+                <a:ea typeface="Arial"/>
+                <a:cs typeface="Arial"/>
+                <a:sym typeface="Arial"/>
+              </a:defRPr>
             </a:lvl5pPr>
-            <a:lvl6pPr lvl="5">
-              <a:spcBef>
-                <a:spcPts val="0"/>
-              </a:spcBef>
-              <a:spcAft>
-                <a:spcPts val="0"/>
-              </a:spcAft>
-              <a:buSzPts val="1400"/>
-              <a:buNone/>
-              <a:defRPr sz="1800"/>
+            <a:lvl6pPr marR="0" lvl="5" algn="l" rtl="0">
+              <a:lnSpc>
+                <a:spcPct val="100000"/>
+              </a:lnSpc>
+              <a:spcBef>
+                <a:spcPts val="0"/>
+              </a:spcBef>
+              <a:spcAft>
+                <a:spcPts val="0"/>
+              </a:spcAft>
+              <a:buClr>
+                <a:srgbClr val="000000"/>
+              </a:buClr>
+              <a:buSzPts val="1400"/>
+              <a:buFont typeface="Arial"/>
+              <a:buNone/>
+              <a:defRPr sz="1800" b="0" i="0" u="none" strike="noStrike" cap="none">
+                <a:solidFill>
+                  <a:srgbClr val="000000"/>
+                </a:solidFill>
+                <a:latin typeface="Arial"/>
+                <a:ea typeface="Arial"/>
+                <a:cs typeface="Arial"/>
+                <a:sym typeface="Arial"/>
+              </a:defRPr>
             </a:lvl6pPr>
-            <a:lvl7pPr lvl="6">
-              <a:spcBef>
-                <a:spcPts val="0"/>
-              </a:spcBef>
-              <a:spcAft>
-                <a:spcPts val="0"/>
-              </a:spcAft>
-              <a:buSzPts val="1400"/>
-              <a:buNone/>
-              <a:defRPr sz="1800"/>
+            <a:lvl7pPr marR="0" lvl="6" algn="l" rtl="0">
+              <a:lnSpc>
+                <a:spcPct val="100000"/>
+              </a:lnSpc>
+              <a:spcBef>
+                <a:spcPts val="0"/>
+              </a:spcBef>
+              <a:spcAft>
+                <a:spcPts val="0"/>
+              </a:spcAft>
+              <a:buClr>
+                <a:srgbClr val="000000"/>
+              </a:buClr>
+              <a:buSzPts val="1400"/>
+              <a:buFont typeface="Arial"/>
+              <a:buNone/>
+              <a:defRPr sz="1800" b="0" i="0" u="none" strike="noStrike" cap="none">
+                <a:solidFill>
+                  <a:srgbClr val="000000"/>
+                </a:solidFill>
+                <a:latin typeface="Arial"/>
+                <a:ea typeface="Arial"/>
+                <a:cs typeface="Arial"/>
+                <a:sym typeface="Arial"/>
+              </a:defRPr>
             </a:lvl7pPr>
-            <a:lvl8pPr lvl="7">
-              <a:spcBef>
-                <a:spcPts val="0"/>
-              </a:spcBef>
-              <a:spcAft>
-                <a:spcPts val="0"/>
-              </a:spcAft>
-              <a:buSzPts val="1400"/>
-              <a:buNone/>
-              <a:defRPr sz="1800"/>
+            <a:lvl8pPr marR="0" lvl="7" algn="l" rtl="0">
+              <a:lnSpc>
+                <a:spcPct val="100000"/>
+              </a:lnSpc>
+              <a:spcBef>
+                <a:spcPts val="0"/>
+              </a:spcBef>
+              <a:spcAft>
+                <a:spcPts val="0"/>
+              </a:spcAft>
+              <a:buClr>
+                <a:srgbClr val="000000"/>
+              </a:buClr>
+              <a:buSzPts val="1400"/>
+              <a:buFont typeface="Arial"/>
+              <a:buNone/>
+              <a:defRPr sz="1800" b="0" i="0" u="none" strike="noStrike" cap="none">
+                <a:solidFill>
+                  <a:srgbClr val="000000"/>
+                </a:solidFill>
+                <a:latin typeface="Arial"/>
+                <a:ea typeface="Arial"/>
+                <a:cs typeface="Arial"/>
+                <a:sym typeface="Arial"/>
+              </a:defRPr>
             </a:lvl8pPr>
-            <a:lvl9pPr lvl="8">
-              <a:spcBef>
-                <a:spcPts val="0"/>
-              </a:spcBef>
-              <a:spcAft>
-                <a:spcPts val="0"/>
-              </a:spcAft>
-              <a:buSzPts val="1400"/>
-              <a:buNone/>
-              <a:defRPr sz="1800"/>
+            <a:lvl9pPr marR="0" lvl="8" algn="l" rtl="0">
+              <a:lnSpc>
+                <a:spcPct val="100000"/>
+              </a:lnSpc>
+              <a:spcBef>
+                <a:spcPts val="0"/>
+              </a:spcBef>
+              <a:spcAft>
+                <a:spcPts val="0"/>
+              </a:spcAft>
+              <a:buClr>
+                <a:srgbClr val="000000"/>
+              </a:buClr>
+              <a:buSzPts val="1400"/>
+              <a:buFont typeface="Arial"/>
+              <a:buNone/>
+              <a:defRPr sz="1800" b="0" i="0" u="none" strike="noStrike" cap="none">
+                <a:solidFill>
+                  <a:srgbClr val="000000"/>
+                </a:solidFill>
+                <a:latin typeface="Arial"/>
+                <a:ea typeface="Arial"/>
+                <a:cs typeface="Arial"/>
+                <a:sym typeface="Arial"/>
+              </a:defRPr>
             </a:lvl9pPr>
           </a:lstStyle>
           <a:p>
@@ -10692,13 +13802,20 @@
           <a:bodyPr spcFirstLastPara="1" wrap="square" lIns="91425" tIns="45700" rIns="91425" bIns="45700" anchor="ctr" anchorCtr="0"/>
           <a:lstStyle>
             <a:lvl1pPr marR="0" lvl="0" algn="l" rtl="0">
-              <a:spcBef>
-                <a:spcPts val="0"/>
-              </a:spcBef>
-              <a:spcAft>
-                <a:spcPts val="0"/>
-              </a:spcAft>
-              <a:buSzPts val="1400"/>
+              <a:lnSpc>
+                <a:spcPct val="100000"/>
+              </a:lnSpc>
+              <a:spcBef>
+                <a:spcPts val="0"/>
+              </a:spcBef>
+              <a:spcAft>
+                <a:spcPts val="0"/>
+              </a:spcAft>
+              <a:buClr>
+                <a:srgbClr val="000000"/>
+              </a:buClr>
+              <a:buSzPts val="1400"/>
+              <a:buFont typeface="Arial"/>
               <a:buNone/>
               <a:defRPr sz="1200" b="0" i="0" u="none" strike="noStrike" cap="none">
                 <a:solidFill>
@@ -10711,13 +13828,20 @@
               </a:defRPr>
             </a:lvl1pPr>
             <a:lvl2pPr marR="0" lvl="1" algn="l" rtl="0">
-              <a:spcBef>
-                <a:spcPts val="0"/>
-              </a:spcBef>
-              <a:spcAft>
-                <a:spcPts val="0"/>
-              </a:spcAft>
-              <a:buSzPts val="1400"/>
+              <a:lnSpc>
+                <a:spcPct val="100000"/>
+              </a:lnSpc>
+              <a:spcBef>
+                <a:spcPts val="0"/>
+              </a:spcBef>
+              <a:spcAft>
+                <a:spcPts val="0"/>
+              </a:spcAft>
+              <a:buClr>
+                <a:srgbClr val="000000"/>
+              </a:buClr>
+              <a:buSzPts val="1400"/>
+              <a:buFont typeface="Arial"/>
               <a:buNone/>
               <a:defRPr sz="1800" b="0" i="0" u="none" strike="noStrike" cap="none">
                 <a:solidFill>
@@ -10730,13 +13854,20 @@
               </a:defRPr>
             </a:lvl2pPr>
             <a:lvl3pPr marR="0" lvl="2" algn="l" rtl="0">
-              <a:spcBef>
-                <a:spcPts val="0"/>
-              </a:spcBef>
-              <a:spcAft>
-                <a:spcPts val="0"/>
-              </a:spcAft>
-              <a:buSzPts val="1400"/>
+              <a:lnSpc>
+                <a:spcPct val="100000"/>
+              </a:lnSpc>
+              <a:spcBef>
+                <a:spcPts val="0"/>
+              </a:spcBef>
+              <a:spcAft>
+                <a:spcPts val="0"/>
+              </a:spcAft>
+              <a:buClr>
+                <a:srgbClr val="000000"/>
+              </a:buClr>
+              <a:buSzPts val="1400"/>
+              <a:buFont typeface="Arial"/>
               <a:buNone/>
               <a:defRPr sz="1800" b="0" i="0" u="none" strike="noStrike" cap="none">
                 <a:solidFill>
@@ -10749,13 +13880,20 @@
               </a:defRPr>
             </a:lvl3pPr>
             <a:lvl4pPr marR="0" lvl="3" algn="l" rtl="0">
-              <a:spcBef>
-                <a:spcPts val="0"/>
-              </a:spcBef>
-              <a:spcAft>
-                <a:spcPts val="0"/>
-              </a:spcAft>
-              <a:buSzPts val="1400"/>
+              <a:lnSpc>
+                <a:spcPct val="100000"/>
+              </a:lnSpc>
+              <a:spcBef>
+                <a:spcPts val="0"/>
+              </a:spcBef>
+              <a:spcAft>
+                <a:spcPts val="0"/>
+              </a:spcAft>
+              <a:buClr>
+                <a:srgbClr val="000000"/>
+              </a:buClr>
+              <a:buSzPts val="1400"/>
+              <a:buFont typeface="Arial"/>
               <a:buNone/>
               <a:defRPr sz="1800" b="0" i="0" u="none" strike="noStrike" cap="none">
                 <a:solidFill>
@@ -10768,13 +13906,20 @@
               </a:defRPr>
             </a:lvl4pPr>
             <a:lvl5pPr marR="0" lvl="4" algn="l" rtl="0">
-              <a:spcBef>
-                <a:spcPts val="0"/>
-              </a:spcBef>
-              <a:spcAft>
-                <a:spcPts val="0"/>
-              </a:spcAft>
-              <a:buSzPts val="1400"/>
+              <a:lnSpc>
+                <a:spcPct val="100000"/>
+              </a:lnSpc>
+              <a:spcBef>
+                <a:spcPts val="0"/>
+              </a:spcBef>
+              <a:spcAft>
+                <a:spcPts val="0"/>
+              </a:spcAft>
+              <a:buClr>
+                <a:srgbClr val="000000"/>
+              </a:buClr>
+              <a:buSzPts val="1400"/>
+              <a:buFont typeface="Arial"/>
               <a:buNone/>
               <a:defRPr sz="1800" b="0" i="0" u="none" strike="noStrike" cap="none">
                 <a:solidFill>
@@ -10787,13 +13932,20 @@
               </a:defRPr>
             </a:lvl5pPr>
             <a:lvl6pPr marR="0" lvl="5" algn="l" rtl="0">
-              <a:spcBef>
-                <a:spcPts val="0"/>
-              </a:spcBef>
-              <a:spcAft>
-                <a:spcPts val="0"/>
-              </a:spcAft>
-              <a:buSzPts val="1400"/>
+              <a:lnSpc>
+                <a:spcPct val="100000"/>
+              </a:lnSpc>
+              <a:spcBef>
+                <a:spcPts val="0"/>
+              </a:spcBef>
+              <a:spcAft>
+                <a:spcPts val="0"/>
+              </a:spcAft>
+              <a:buClr>
+                <a:srgbClr val="000000"/>
+              </a:buClr>
+              <a:buSzPts val="1400"/>
+              <a:buFont typeface="Arial"/>
               <a:buNone/>
               <a:defRPr sz="1800" b="0" i="0" u="none" strike="noStrike" cap="none">
                 <a:solidFill>
@@ -10806,13 +13958,20 @@
               </a:defRPr>
             </a:lvl6pPr>
             <a:lvl7pPr marR="0" lvl="6" algn="l" rtl="0">
-              <a:spcBef>
-                <a:spcPts val="0"/>
-              </a:spcBef>
-              <a:spcAft>
-                <a:spcPts val="0"/>
-              </a:spcAft>
-              <a:buSzPts val="1400"/>
+              <a:lnSpc>
+                <a:spcPct val="100000"/>
+              </a:lnSpc>
+              <a:spcBef>
+                <a:spcPts val="0"/>
+              </a:spcBef>
+              <a:spcAft>
+                <a:spcPts val="0"/>
+              </a:spcAft>
+              <a:buClr>
+                <a:srgbClr val="000000"/>
+              </a:buClr>
+              <a:buSzPts val="1400"/>
+              <a:buFont typeface="Arial"/>
               <a:buNone/>
               <a:defRPr sz="1800" b="0" i="0" u="none" strike="noStrike" cap="none">
                 <a:solidFill>
@@ -10825,13 +13984,20 @@
               </a:defRPr>
             </a:lvl7pPr>
             <a:lvl8pPr marR="0" lvl="7" algn="l" rtl="0">
-              <a:spcBef>
-                <a:spcPts val="0"/>
-              </a:spcBef>
-              <a:spcAft>
-                <a:spcPts val="0"/>
-              </a:spcAft>
-              <a:buSzPts val="1400"/>
+              <a:lnSpc>
+                <a:spcPct val="100000"/>
+              </a:lnSpc>
+              <a:spcBef>
+                <a:spcPts val="0"/>
+              </a:spcBef>
+              <a:spcAft>
+                <a:spcPts val="0"/>
+              </a:spcAft>
+              <a:buClr>
+                <a:srgbClr val="000000"/>
+              </a:buClr>
+              <a:buSzPts val="1400"/>
+              <a:buFont typeface="Arial"/>
               <a:buNone/>
               <a:defRPr sz="1800" b="0" i="0" u="none" strike="noStrike" cap="none">
                 <a:solidFill>
@@ -10844,13 +14010,20 @@
               </a:defRPr>
             </a:lvl8pPr>
             <a:lvl9pPr marR="0" lvl="8" algn="l" rtl="0">
-              <a:spcBef>
-                <a:spcPts val="0"/>
-              </a:spcBef>
-              <a:spcAft>
-                <a:spcPts val="0"/>
-              </a:spcAft>
-              <a:buSzPts val="1400"/>
+              <a:lnSpc>
+                <a:spcPct val="100000"/>
+              </a:lnSpc>
+              <a:spcBef>
+                <a:spcPts val="0"/>
+              </a:spcBef>
+              <a:spcAft>
+                <a:spcPts val="0"/>
+              </a:spcAft>
+              <a:buClr>
+                <a:srgbClr val="000000"/>
+              </a:buClr>
+              <a:buSzPts val="1400"/>
+              <a:buFont typeface="Arial"/>
               <a:buNone/>
               <a:defRPr sz="1800" b="0" i="0" u="none" strike="noStrike" cap="none">
                 <a:solidFill>
@@ -10895,13 +14068,20 @@
           <a:bodyPr spcFirstLastPara="1" wrap="square" lIns="91425" tIns="45700" rIns="91425" bIns="45700" anchor="ctr" anchorCtr="0"/>
           <a:lstStyle>
             <a:lvl1pPr marR="0" lvl="0" algn="ctr" rtl="0">
-              <a:spcBef>
-                <a:spcPts val="0"/>
-              </a:spcBef>
-              <a:spcAft>
-                <a:spcPts val="0"/>
-              </a:spcAft>
-              <a:buSzPts val="1400"/>
+              <a:lnSpc>
+                <a:spcPct val="100000"/>
+              </a:lnSpc>
+              <a:spcBef>
+                <a:spcPts val="0"/>
+              </a:spcBef>
+              <a:spcAft>
+                <a:spcPts val="0"/>
+              </a:spcAft>
+              <a:buClr>
+                <a:srgbClr val="000000"/>
+              </a:buClr>
+              <a:buSzPts val="1400"/>
+              <a:buFont typeface="Arial"/>
               <a:buNone/>
               <a:defRPr sz="1200" b="0" i="0" u="none" strike="noStrike" cap="none">
                 <a:solidFill>
@@ -10914,13 +14094,20 @@
               </a:defRPr>
             </a:lvl1pPr>
             <a:lvl2pPr marR="0" lvl="1" algn="l" rtl="0">
-              <a:spcBef>
-                <a:spcPts val="0"/>
-              </a:spcBef>
-              <a:spcAft>
-                <a:spcPts val="0"/>
-              </a:spcAft>
-              <a:buSzPts val="1400"/>
+              <a:lnSpc>
+                <a:spcPct val="100000"/>
+              </a:lnSpc>
+              <a:spcBef>
+                <a:spcPts val="0"/>
+              </a:spcBef>
+              <a:spcAft>
+                <a:spcPts val="0"/>
+              </a:spcAft>
+              <a:buClr>
+                <a:srgbClr val="000000"/>
+              </a:buClr>
+              <a:buSzPts val="1400"/>
+              <a:buFont typeface="Arial"/>
               <a:buNone/>
               <a:defRPr sz="1800" b="0" i="0" u="none" strike="noStrike" cap="none">
                 <a:solidFill>
@@ -10933,13 +14120,20 @@
               </a:defRPr>
             </a:lvl2pPr>
             <a:lvl3pPr marR="0" lvl="2" algn="l" rtl="0">
-              <a:spcBef>
-                <a:spcPts val="0"/>
-              </a:spcBef>
-              <a:spcAft>
-                <a:spcPts val="0"/>
-              </a:spcAft>
-              <a:buSzPts val="1400"/>
+              <a:lnSpc>
+                <a:spcPct val="100000"/>
+              </a:lnSpc>
+              <a:spcBef>
+                <a:spcPts val="0"/>
+              </a:spcBef>
+              <a:spcAft>
+                <a:spcPts val="0"/>
+              </a:spcAft>
+              <a:buClr>
+                <a:srgbClr val="000000"/>
+              </a:buClr>
+              <a:buSzPts val="1400"/>
+              <a:buFont typeface="Arial"/>
               <a:buNone/>
               <a:defRPr sz="1800" b="0" i="0" u="none" strike="noStrike" cap="none">
                 <a:solidFill>
@@ -10952,13 +14146,20 @@
               </a:defRPr>
             </a:lvl3pPr>
             <a:lvl4pPr marR="0" lvl="3" algn="l" rtl="0">
-              <a:spcBef>
-                <a:spcPts val="0"/>
-              </a:spcBef>
-              <a:spcAft>
-                <a:spcPts val="0"/>
-              </a:spcAft>
-              <a:buSzPts val="1400"/>
+              <a:lnSpc>
+                <a:spcPct val="100000"/>
+              </a:lnSpc>
+              <a:spcBef>
+                <a:spcPts val="0"/>
+              </a:spcBef>
+              <a:spcAft>
+                <a:spcPts val="0"/>
+              </a:spcAft>
+              <a:buClr>
+                <a:srgbClr val="000000"/>
+              </a:buClr>
+              <a:buSzPts val="1400"/>
+              <a:buFont typeface="Arial"/>
               <a:buNone/>
               <a:defRPr sz="1800" b="0" i="0" u="none" strike="noStrike" cap="none">
                 <a:solidFill>
@@ -10971,13 +14172,20 @@
               </a:defRPr>
             </a:lvl4pPr>
             <a:lvl5pPr marR="0" lvl="4" algn="l" rtl="0">
-              <a:spcBef>
-                <a:spcPts val="0"/>
-              </a:spcBef>
-              <a:spcAft>
-                <a:spcPts val="0"/>
-              </a:spcAft>
-              <a:buSzPts val="1400"/>
+              <a:lnSpc>
+                <a:spcPct val="100000"/>
+              </a:lnSpc>
+              <a:spcBef>
+                <a:spcPts val="0"/>
+              </a:spcBef>
+              <a:spcAft>
+                <a:spcPts val="0"/>
+              </a:spcAft>
+              <a:buClr>
+                <a:srgbClr val="000000"/>
+              </a:buClr>
+              <a:buSzPts val="1400"/>
+              <a:buFont typeface="Arial"/>
               <a:buNone/>
               <a:defRPr sz="1800" b="0" i="0" u="none" strike="noStrike" cap="none">
                 <a:solidFill>
@@ -10990,13 +14198,20 @@
               </a:defRPr>
             </a:lvl5pPr>
             <a:lvl6pPr marR="0" lvl="5" algn="l" rtl="0">
-              <a:spcBef>
-                <a:spcPts val="0"/>
-              </a:spcBef>
-              <a:spcAft>
-                <a:spcPts val="0"/>
-              </a:spcAft>
-              <a:buSzPts val="1400"/>
+              <a:lnSpc>
+                <a:spcPct val="100000"/>
+              </a:lnSpc>
+              <a:spcBef>
+                <a:spcPts val="0"/>
+              </a:spcBef>
+              <a:spcAft>
+                <a:spcPts val="0"/>
+              </a:spcAft>
+              <a:buClr>
+                <a:srgbClr val="000000"/>
+              </a:buClr>
+              <a:buSzPts val="1400"/>
+              <a:buFont typeface="Arial"/>
               <a:buNone/>
               <a:defRPr sz="1800" b="0" i="0" u="none" strike="noStrike" cap="none">
                 <a:solidFill>
@@ -11009,13 +14224,20 @@
               </a:defRPr>
             </a:lvl6pPr>
             <a:lvl7pPr marR="0" lvl="6" algn="l" rtl="0">
-              <a:spcBef>
-                <a:spcPts val="0"/>
-              </a:spcBef>
-              <a:spcAft>
-                <a:spcPts val="0"/>
-              </a:spcAft>
-              <a:buSzPts val="1400"/>
+              <a:lnSpc>
+                <a:spcPct val="100000"/>
+              </a:lnSpc>
+              <a:spcBef>
+                <a:spcPts val="0"/>
+              </a:spcBef>
+              <a:spcAft>
+                <a:spcPts val="0"/>
+              </a:spcAft>
+              <a:buClr>
+                <a:srgbClr val="000000"/>
+              </a:buClr>
+              <a:buSzPts val="1400"/>
+              <a:buFont typeface="Arial"/>
               <a:buNone/>
               <a:defRPr sz="1800" b="0" i="0" u="none" strike="noStrike" cap="none">
                 <a:solidFill>
@@ -11028,13 +14250,20 @@
               </a:defRPr>
             </a:lvl7pPr>
             <a:lvl8pPr marR="0" lvl="7" algn="l" rtl="0">
-              <a:spcBef>
-                <a:spcPts val="0"/>
-              </a:spcBef>
-              <a:spcAft>
-                <a:spcPts val="0"/>
-              </a:spcAft>
-              <a:buSzPts val="1400"/>
+              <a:lnSpc>
+                <a:spcPct val="100000"/>
+              </a:lnSpc>
+              <a:spcBef>
+                <a:spcPts val="0"/>
+              </a:spcBef>
+              <a:spcAft>
+                <a:spcPts val="0"/>
+              </a:spcAft>
+              <a:buClr>
+                <a:srgbClr val="000000"/>
+              </a:buClr>
+              <a:buSzPts val="1400"/>
+              <a:buFont typeface="Arial"/>
               <a:buNone/>
               <a:defRPr sz="1800" b="0" i="0" u="none" strike="noStrike" cap="none">
                 <a:solidFill>
@@ -11047,13 +14276,20 @@
               </a:defRPr>
             </a:lvl8pPr>
             <a:lvl9pPr marR="0" lvl="8" algn="l" rtl="0">
-              <a:spcBef>
-                <a:spcPts val="0"/>
-              </a:spcBef>
-              <a:spcAft>
-                <a:spcPts val="0"/>
-              </a:spcAft>
-              <a:buSzPts val="1400"/>
+              <a:lnSpc>
+                <a:spcPct val="100000"/>
+              </a:lnSpc>
+              <a:spcBef>
+                <a:spcPts val="0"/>
+              </a:spcBef>
+              <a:spcAft>
+                <a:spcPts val="0"/>
+              </a:spcAft>
+              <a:buClr>
+                <a:srgbClr val="000000"/>
+              </a:buClr>
+              <a:buSzPts val="1400"/>
+              <a:buFont typeface="Arial"/>
               <a:buNone/>
               <a:defRPr sz="1800" b="0" i="0" u="none" strike="noStrike" cap="none">
                 <a:solidFill>
@@ -11100,9 +14336,20 @@
           </a:bodyPr>
           <a:lstStyle>
             <a:lvl1pPr marL="0" marR="0" lvl="0" indent="0" algn="r" rtl="0">
-              <a:spcBef>
-                <a:spcPts val="0"/>
-              </a:spcBef>
+              <a:lnSpc>
+                <a:spcPct val="100000"/>
+              </a:lnSpc>
+              <a:spcBef>
+                <a:spcPts val="0"/>
+              </a:spcBef>
+              <a:spcAft>
+                <a:spcPts val="0"/>
+              </a:spcAft>
+              <a:buClr>
+                <a:srgbClr val="000000"/>
+              </a:buClr>
+              <a:buSzPts val="1200"/>
+              <a:buFont typeface="Arial"/>
               <a:buNone/>
               <a:defRPr sz="1200" b="0" i="0" u="none" strike="noStrike" cap="none">
                 <a:solidFill>
@@ -11115,9 +14362,20 @@
               </a:defRPr>
             </a:lvl1pPr>
             <a:lvl2pPr marL="0" marR="0" lvl="1" indent="0" algn="r" rtl="0">
-              <a:spcBef>
-                <a:spcPts val="0"/>
-              </a:spcBef>
+              <a:lnSpc>
+                <a:spcPct val="100000"/>
+              </a:lnSpc>
+              <a:spcBef>
+                <a:spcPts val="0"/>
+              </a:spcBef>
+              <a:spcAft>
+                <a:spcPts val="0"/>
+              </a:spcAft>
+              <a:buClr>
+                <a:srgbClr val="000000"/>
+              </a:buClr>
+              <a:buSzPts val="1200"/>
+              <a:buFont typeface="Arial"/>
               <a:buNone/>
               <a:defRPr sz="1200" b="0" i="0" u="none" strike="noStrike" cap="none">
                 <a:solidFill>
@@ -11130,9 +14388,20 @@
               </a:defRPr>
             </a:lvl2pPr>
             <a:lvl3pPr marL="0" marR="0" lvl="2" indent="0" algn="r" rtl="0">
-              <a:spcBef>
-                <a:spcPts val="0"/>
-              </a:spcBef>
+              <a:lnSpc>
+                <a:spcPct val="100000"/>
+              </a:lnSpc>
+              <a:spcBef>
+                <a:spcPts val="0"/>
+              </a:spcBef>
+              <a:spcAft>
+                <a:spcPts val="0"/>
+              </a:spcAft>
+              <a:buClr>
+                <a:srgbClr val="000000"/>
+              </a:buClr>
+              <a:buSzPts val="1200"/>
+              <a:buFont typeface="Arial"/>
               <a:buNone/>
               <a:defRPr sz="1200" b="0" i="0" u="none" strike="noStrike" cap="none">
                 <a:solidFill>
@@ -11145,9 +14414,20 @@
               </a:defRPr>
             </a:lvl3pPr>
             <a:lvl4pPr marL="0" marR="0" lvl="3" indent="0" algn="r" rtl="0">
-              <a:spcBef>
-                <a:spcPts val="0"/>
-              </a:spcBef>
+              <a:lnSpc>
+                <a:spcPct val="100000"/>
+              </a:lnSpc>
+              <a:spcBef>
+                <a:spcPts val="0"/>
+              </a:spcBef>
+              <a:spcAft>
+                <a:spcPts val="0"/>
+              </a:spcAft>
+              <a:buClr>
+                <a:srgbClr val="000000"/>
+              </a:buClr>
+              <a:buSzPts val="1200"/>
+              <a:buFont typeface="Arial"/>
               <a:buNone/>
               <a:defRPr sz="1200" b="0" i="0" u="none" strike="noStrike" cap="none">
                 <a:solidFill>
@@ -11160,9 +14440,20 @@
               </a:defRPr>
             </a:lvl4pPr>
             <a:lvl5pPr marL="0" marR="0" lvl="4" indent="0" algn="r" rtl="0">
-              <a:spcBef>
-                <a:spcPts val="0"/>
-              </a:spcBef>
+              <a:lnSpc>
+                <a:spcPct val="100000"/>
+              </a:lnSpc>
+              <a:spcBef>
+                <a:spcPts val="0"/>
+              </a:spcBef>
+              <a:spcAft>
+                <a:spcPts val="0"/>
+              </a:spcAft>
+              <a:buClr>
+                <a:srgbClr val="000000"/>
+              </a:buClr>
+              <a:buSzPts val="1200"/>
+              <a:buFont typeface="Arial"/>
               <a:buNone/>
               <a:defRPr sz="1200" b="0" i="0" u="none" strike="noStrike" cap="none">
                 <a:solidFill>
@@ -11175,9 +14466,20 @@
               </a:defRPr>
             </a:lvl5pPr>
             <a:lvl6pPr marL="0" marR="0" lvl="5" indent="0" algn="r" rtl="0">
-              <a:spcBef>
-                <a:spcPts val="0"/>
-              </a:spcBef>
+              <a:lnSpc>
+                <a:spcPct val="100000"/>
+              </a:lnSpc>
+              <a:spcBef>
+                <a:spcPts val="0"/>
+              </a:spcBef>
+              <a:spcAft>
+                <a:spcPts val="0"/>
+              </a:spcAft>
+              <a:buClr>
+                <a:srgbClr val="000000"/>
+              </a:buClr>
+              <a:buSzPts val="1200"/>
+              <a:buFont typeface="Arial"/>
               <a:buNone/>
               <a:defRPr sz="1200" b="0" i="0" u="none" strike="noStrike" cap="none">
                 <a:solidFill>
@@ -11190,9 +14492,20 @@
               </a:defRPr>
             </a:lvl6pPr>
             <a:lvl7pPr marL="0" marR="0" lvl="6" indent="0" algn="r" rtl="0">
-              <a:spcBef>
-                <a:spcPts val="0"/>
-              </a:spcBef>
+              <a:lnSpc>
+                <a:spcPct val="100000"/>
+              </a:lnSpc>
+              <a:spcBef>
+                <a:spcPts val="0"/>
+              </a:spcBef>
+              <a:spcAft>
+                <a:spcPts val="0"/>
+              </a:spcAft>
+              <a:buClr>
+                <a:srgbClr val="000000"/>
+              </a:buClr>
+              <a:buSzPts val="1200"/>
+              <a:buFont typeface="Arial"/>
               <a:buNone/>
               <a:defRPr sz="1200" b="0" i="0" u="none" strike="noStrike" cap="none">
                 <a:solidFill>
@@ -11205,9 +14518,20 @@
               </a:defRPr>
             </a:lvl7pPr>
             <a:lvl8pPr marL="0" marR="0" lvl="7" indent="0" algn="r" rtl="0">
-              <a:spcBef>
-                <a:spcPts val="0"/>
-              </a:spcBef>
+              <a:lnSpc>
+                <a:spcPct val="100000"/>
+              </a:lnSpc>
+              <a:spcBef>
+                <a:spcPts val="0"/>
+              </a:spcBef>
+              <a:spcAft>
+                <a:spcPts val="0"/>
+              </a:spcAft>
+              <a:buClr>
+                <a:srgbClr val="000000"/>
+              </a:buClr>
+              <a:buSzPts val="1200"/>
+              <a:buFont typeface="Arial"/>
               <a:buNone/>
               <a:defRPr sz="1200" b="0" i="0" u="none" strike="noStrike" cap="none">
                 <a:solidFill>
@@ -11220,9 +14544,20 @@
               </a:defRPr>
             </a:lvl8pPr>
             <a:lvl9pPr marL="0" marR="0" lvl="8" indent="0" algn="r" rtl="0">
-              <a:spcBef>
-                <a:spcPts val="0"/>
-              </a:spcBef>
+              <a:lnSpc>
+                <a:spcPct val="100000"/>
+              </a:lnSpc>
+              <a:spcBef>
+                <a:spcPts val="0"/>
+              </a:spcBef>
+              <a:spcAft>
+                <a:spcPts val="0"/>
+              </a:spcAft>
+              <a:buClr>
+                <a:srgbClr val="000000"/>
+              </a:buClr>
+              <a:buSzPts val="1200"/>
+              <a:buFont typeface="Arial"/>
               <a:buNone/>
               <a:defRPr sz="1200" b="0" i="0" u="none" strike="noStrike" cap="none">
                 <a:solidFill>
@@ -12018,12 +15353,20 @@
           <a:lstStyle/>
           <a:p>
             <a:pPr marL="0" marR="0" lvl="0" indent="0" algn="ctr" rtl="0">
-              <a:spcBef>
-                <a:spcPts val="0"/>
-              </a:spcBef>
-              <a:spcAft>
-                <a:spcPts val="0"/>
-              </a:spcAft>
+              <a:lnSpc>
+                <a:spcPct val="100000"/>
+              </a:lnSpc>
+              <a:spcBef>
+                <a:spcPts val="0"/>
+              </a:spcBef>
+              <a:spcAft>
+                <a:spcPts val="0"/>
+              </a:spcAft>
+              <a:buClr>
+                <a:srgbClr val="000000"/>
+              </a:buClr>
+              <a:buSzPts val="2800"/>
+              <a:buFont typeface="Arial"/>
               <a:buNone/>
             </a:pPr>
             <a:r>
@@ -12060,7 +15403,31 @@
                 <a:cs typeface="Calibri"/>
                 <a:sym typeface="Calibri"/>
               </a:rPr>
-              <a:t>22/05/2019</a:t>
+              <a:t>2</a:t>
+            </a:r>
+            <a:r>
+              <a:rPr lang="fr-FR" sz="2800" b="1">
+                <a:solidFill>
+                  <a:schemeClr val="dk1"/>
+                </a:solidFill>
+                <a:latin typeface="Calibri"/>
+                <a:ea typeface="Calibri"/>
+                <a:cs typeface="Calibri"/>
+                <a:sym typeface="Calibri"/>
+              </a:rPr>
+              <a:t>9</a:t>
+            </a:r>
+            <a:r>
+              <a:rPr lang="fr-FR" sz="2800" b="1" i="0" u="none" strike="noStrike" cap="none">
+                <a:solidFill>
+                  <a:schemeClr val="dk1"/>
+                </a:solidFill>
+                <a:latin typeface="Calibri"/>
+                <a:ea typeface="Calibri"/>
+                <a:cs typeface="Calibri"/>
+                <a:sym typeface="Calibri"/>
+              </a:rPr>
+              <a:t>/05/2019</a:t>
             </a:r>
             <a:endParaRPr sz="2400" b="1" i="0" u="none" strike="noStrike" cap="none">
               <a:solidFill>
@@ -12100,15 +15467,23 @@
           <a:lstStyle/>
           <a:p>
             <a:pPr marL="0" marR="0" lvl="0" indent="0" algn="l" rtl="0">
-              <a:spcBef>
-                <a:spcPts val="0"/>
-              </a:spcBef>
-              <a:spcAft>
-                <a:spcPts val="0"/>
-              </a:spcAft>
+              <a:lnSpc>
+                <a:spcPct val="100000"/>
+              </a:lnSpc>
+              <a:spcBef>
+                <a:spcPts val="0"/>
+              </a:spcBef>
+              <a:spcAft>
+                <a:spcPts val="0"/>
+              </a:spcAft>
+              <a:buClr>
+                <a:srgbClr val="000000"/>
+              </a:buClr>
+              <a:buSzPts val="2000"/>
+              <a:buFont typeface="Arial"/>
               <a:buNone/>
             </a:pPr>
-            <a:endParaRPr sz="2000" dirty="0">
+            <a:endParaRPr sz="2000" b="0" i="0" u="none" strike="noStrike" cap="none">
               <a:solidFill>
                 <a:schemeClr val="dk1"/>
               </a:solidFill>
@@ -12120,16 +15495,24 @@
           </a:p>
           <a:p>
             <a:pPr marL="0" marR="0" lvl="0" indent="0" algn="l" rtl="0">
-              <a:spcBef>
-                <a:spcPts val="0"/>
-              </a:spcBef>
-              <a:spcAft>
-                <a:spcPts val="0"/>
-              </a:spcAft>
+              <a:lnSpc>
+                <a:spcPct val="100000"/>
+              </a:lnSpc>
+              <a:spcBef>
+                <a:spcPts val="0"/>
+              </a:spcBef>
+              <a:spcAft>
+                <a:spcPts val="0"/>
+              </a:spcAft>
+              <a:buClr>
+                <a:srgbClr val="000000"/>
+              </a:buClr>
+              <a:buSzPts val="2000"/>
+              <a:buFont typeface="Arial"/>
               <a:buNone/>
             </a:pPr>
             <a:r>
-              <a:rPr lang="fr-FR" sz="2000" dirty="0">
+              <a:rPr lang="fr-FR" sz="2000" b="0" i="0" u="none" strike="noStrike" cap="none">
                 <a:solidFill>
                   <a:schemeClr val="dk1"/>
                 </a:solidFill>
@@ -12140,64 +15523,75 @@
               </a:rPr>
               <a:t>Bilan :</a:t>
             </a:r>
-            <a:endParaRPr dirty="0"/>
+            <a:endParaRPr sz="1400" b="0" i="0" u="none" strike="noStrike" cap="none">
+              <a:solidFill>
+                <a:srgbClr val="000000"/>
+              </a:solidFill>
+              <a:latin typeface="Arial"/>
+              <a:ea typeface="Arial"/>
+              <a:cs typeface="Arial"/>
+              <a:sym typeface="Arial"/>
+            </a:endParaRPr>
           </a:p>
           <a:p>
             <a:pPr marL="0" marR="0" lvl="0" indent="0" algn="l" rtl="0">
-              <a:spcBef>
-                <a:spcPts val="0"/>
-              </a:spcBef>
-              <a:spcAft>
-                <a:spcPts val="0"/>
-              </a:spcAft>
+              <a:lnSpc>
+                <a:spcPct val="100000"/>
+              </a:lnSpc>
+              <a:spcBef>
+                <a:spcPts val="0"/>
+              </a:spcBef>
+              <a:spcAft>
+                <a:spcPts val="0"/>
+              </a:spcAft>
+              <a:buClr>
+                <a:srgbClr val="000000"/>
+              </a:buClr>
+              <a:buSzPts val="2000"/>
+              <a:buFont typeface="Arial"/>
               <a:buNone/>
             </a:pPr>
             <a:r>
-              <a:rPr lang="fr-FR" sz="2000" dirty="0">
+              <a:rPr lang="fr-FR" sz="2000" b="0" i="0" u="none" strike="noStrike" cap="none">
                 <a:solidFill>
                   <a:schemeClr val="dk1"/>
                 </a:solidFill>
                 <a:latin typeface="Calibri"/>
+                <a:ea typeface="Calibri"/>
                 <a:cs typeface="Calibri"/>
                 <a:sym typeface="Calibri"/>
               </a:rPr>
-              <a:t>Partie fonctionnelle des </a:t>
+              <a:t>Partie fonctionnelle des CdCF bien avancée</a:t>
             </a:r>
-            <a:r>
-              <a:rPr lang="fr-FR" sz="2000" dirty="0" err="1">
-                <a:solidFill>
-                  <a:schemeClr val="dk1"/>
-                </a:solidFill>
-                <a:latin typeface="Calibri"/>
-                <a:cs typeface="Calibri"/>
-                <a:sym typeface="Calibri"/>
-              </a:rPr>
-              <a:t>CdCF</a:t>
-            </a:r>
-            <a:r>
-              <a:rPr lang="fr-FR" sz="2000" dirty="0">
-                <a:solidFill>
-                  <a:schemeClr val="dk1"/>
-                </a:solidFill>
-                <a:latin typeface="Calibri"/>
-                <a:cs typeface="Calibri"/>
-                <a:sym typeface="Calibri"/>
-              </a:rPr>
-              <a:t> bien avancée</a:t>
-            </a:r>
-            <a:endParaRPr dirty="0"/>
+            <a:endParaRPr sz="1400" b="0" i="0" u="none" strike="noStrike" cap="none">
+              <a:solidFill>
+                <a:srgbClr val="000000"/>
+              </a:solidFill>
+              <a:latin typeface="Arial"/>
+              <a:ea typeface="Arial"/>
+              <a:cs typeface="Arial"/>
+              <a:sym typeface="Arial"/>
+            </a:endParaRPr>
           </a:p>
           <a:p>
             <a:pPr marL="0" marR="0" lvl="0" indent="0" algn="l" rtl="0">
-              <a:spcBef>
-                <a:spcPts val="0"/>
-              </a:spcBef>
-              <a:spcAft>
-                <a:spcPts val="0"/>
-              </a:spcAft>
+              <a:lnSpc>
+                <a:spcPct val="100000"/>
+              </a:lnSpc>
+              <a:spcBef>
+                <a:spcPts val="0"/>
+              </a:spcBef>
+              <a:spcAft>
+                <a:spcPts val="0"/>
+              </a:spcAft>
+              <a:buClr>
+                <a:srgbClr val="000000"/>
+              </a:buClr>
+              <a:buSzPts val="2000"/>
+              <a:buFont typeface="Arial"/>
               <a:buNone/>
             </a:pPr>
-            <a:endParaRPr sz="2000" dirty="0">
+            <a:endParaRPr sz="2000" b="0" i="0" u="none" strike="noStrike" cap="none">
               <a:solidFill>
                 <a:schemeClr val="dk1"/>
               </a:solidFill>
@@ -12235,15 +15629,23 @@
           <a:lstStyle/>
           <a:p>
             <a:pPr marL="0" marR="0" lvl="0" indent="0" algn="l" rtl="0">
-              <a:spcBef>
-                <a:spcPts val="0"/>
-              </a:spcBef>
-              <a:spcAft>
-                <a:spcPts val="0"/>
-              </a:spcAft>
+              <a:lnSpc>
+                <a:spcPct val="100000"/>
+              </a:lnSpc>
+              <a:spcBef>
+                <a:spcPts val="0"/>
+              </a:spcBef>
+              <a:spcAft>
+                <a:spcPts val="0"/>
+              </a:spcAft>
+              <a:buClr>
+                <a:srgbClr val="000000"/>
+              </a:buClr>
+              <a:buSzPts val="2000"/>
+              <a:buFont typeface="Arial"/>
               <a:buNone/>
             </a:pPr>
-            <a:endParaRPr sz="2000" dirty="0">
+            <a:endParaRPr sz="2000" b="0" i="0" u="none" strike="noStrike" cap="none">
               <a:solidFill>
                 <a:schemeClr val="dk1"/>
               </a:solidFill>
@@ -12255,16 +15657,24 @@
           </a:p>
           <a:p>
             <a:pPr marL="0" marR="0" lvl="0" indent="0" algn="l" rtl="0">
-              <a:spcBef>
-                <a:spcPts val="0"/>
-              </a:spcBef>
-              <a:spcAft>
-                <a:spcPts val="0"/>
-              </a:spcAft>
+              <a:lnSpc>
+                <a:spcPct val="100000"/>
+              </a:lnSpc>
+              <a:spcBef>
+                <a:spcPts val="0"/>
+              </a:spcBef>
+              <a:spcAft>
+                <a:spcPts val="0"/>
+              </a:spcAft>
+              <a:buClr>
+                <a:srgbClr val="000000"/>
+              </a:buClr>
+              <a:buSzPts val="2000"/>
+              <a:buFont typeface="Arial"/>
               <a:buNone/>
             </a:pPr>
             <a:r>
-              <a:rPr lang="fr-FR" sz="2000" dirty="0">
+              <a:rPr lang="fr-FR" sz="2000" b="0" i="0" u="none" strike="noStrike" cap="none">
                 <a:solidFill>
                   <a:schemeClr val="dk1"/>
                 </a:solidFill>
@@ -12275,10 +15685,21 @@
               </a:rPr>
               <a:t>Planning :</a:t>
             </a:r>
-            <a:endParaRPr dirty="0"/>
+            <a:endParaRPr sz="1400" b="0" i="0" u="none" strike="noStrike" cap="none">
+              <a:solidFill>
+                <a:srgbClr val="000000"/>
+              </a:solidFill>
+              <a:latin typeface="Arial"/>
+              <a:ea typeface="Arial"/>
+              <a:cs typeface="Arial"/>
+              <a:sym typeface="Arial"/>
+            </a:endParaRPr>
           </a:p>
           <a:p>
             <a:pPr marL="342900" marR="0" lvl="0" indent="-342900" algn="l" rtl="0">
+              <a:lnSpc>
+                <a:spcPct val="100000"/>
+              </a:lnSpc>
               <a:spcBef>
                 <a:spcPts val="0"/>
               </a:spcBef>
@@ -12293,7 +15714,7 @@
               <a:buChar char="•"/>
             </a:pPr>
             <a:r>
-              <a:rPr lang="fr-FR" sz="2000" dirty="0">
+              <a:rPr lang="fr-FR" sz="2000" b="0" i="0" u="none" strike="noStrike" cap="none">
                 <a:solidFill>
                   <a:schemeClr val="dk1"/>
                 </a:solidFill>
@@ -12304,21 +15725,22 @@
               </a:rPr>
               <a:t>KPI (matrice de décision) et CCA pour le 5 juin</a:t>
             </a:r>
+            <a:endParaRPr/>
           </a:p>
           <a:p>
-            <a:pPr marR="0" lvl="0" algn="l" rtl="0">
-              <a:spcBef>
-                <a:spcPts val="0"/>
-              </a:spcBef>
-              <a:spcAft>
-                <a:spcPts val="0"/>
-              </a:spcAft>
-              <a:buClr>
-                <a:schemeClr val="dk1"/>
-              </a:buClr>
-              <a:buSzPts val="2000"/>
+            <a:pPr marL="0" marR="0" lvl="0" indent="0" algn="l" rtl="0">
+              <a:lnSpc>
+                <a:spcPct val="100000"/>
+              </a:lnSpc>
+              <a:spcBef>
+                <a:spcPts val="0"/>
+              </a:spcBef>
+              <a:spcAft>
+                <a:spcPts val="0"/>
+              </a:spcAft>
+              <a:buNone/>
             </a:pPr>
-            <a:endParaRPr sz="2000" dirty="0">
+            <a:endParaRPr sz="2000" b="0" i="0" u="none" strike="noStrike" cap="none">
               <a:solidFill>
                 <a:schemeClr val="dk1"/>
               </a:solidFill>
@@ -12330,6 +15752,9 @@
           </a:p>
           <a:p>
             <a:pPr marL="342900" marR="0" lvl="0" indent="-342900" algn="l" rtl="0">
+              <a:lnSpc>
+                <a:spcPct val="100000"/>
+              </a:lnSpc>
               <a:spcBef>
                 <a:spcPts val="0"/>
               </a:spcBef>
@@ -12344,7 +15769,7 @@
               <a:buChar char="•"/>
             </a:pPr>
             <a:r>
-              <a:rPr lang="fr-FR" sz="2000" dirty="0">
+              <a:rPr lang="fr-FR" sz="2000" b="0" i="0" u="none" strike="noStrike" cap="none">
                 <a:solidFill>
                   <a:schemeClr val="dk1"/>
                 </a:solidFill>
@@ -12355,10 +15780,21 @@
               </a:rPr>
               <a:t>Rapport final de PE pour le 7 juin</a:t>
             </a:r>
-            <a:endParaRPr dirty="0"/>
+            <a:endParaRPr sz="1400" b="0" i="0" u="none" strike="noStrike" cap="none">
+              <a:solidFill>
+                <a:srgbClr val="000000"/>
+              </a:solidFill>
+              <a:latin typeface="Arial"/>
+              <a:ea typeface="Arial"/>
+              <a:cs typeface="Arial"/>
+              <a:sym typeface="Arial"/>
+            </a:endParaRPr>
           </a:p>
           <a:p>
             <a:pPr marL="342900" marR="0" lvl="0" indent="-215900" algn="l" rtl="0">
+              <a:lnSpc>
+                <a:spcPct val="100000"/>
+              </a:lnSpc>
               <a:spcBef>
                 <a:spcPts val="0"/>
               </a:spcBef>
@@ -12372,7 +15808,7 @@
               <a:buFont typeface="Arial"/>
               <a:buNone/>
             </a:pPr>
-            <a:endParaRPr sz="2000" dirty="0">
+            <a:endParaRPr sz="2000" b="0" i="0" u="none" strike="noStrike" cap="none">
               <a:solidFill>
                 <a:schemeClr val="dk1"/>
               </a:solidFill>
@@ -12384,6 +15820,9 @@
           </a:p>
           <a:p>
             <a:pPr marL="342900" marR="0" lvl="0" indent="-342900" algn="l" rtl="0">
+              <a:lnSpc>
+                <a:spcPct val="100000"/>
+              </a:lnSpc>
               <a:spcBef>
                 <a:spcPts val="0"/>
               </a:spcBef>
@@ -12398,7 +15837,7 @@
               <a:buChar char="•"/>
             </a:pPr>
             <a:r>
-              <a:rPr lang="fr-FR" sz="2000" dirty="0">
+              <a:rPr lang="fr-FR" sz="2000" b="0" i="0" u="none" strike="noStrike" cap="none">
                 <a:solidFill>
                   <a:schemeClr val="dk1"/>
                 </a:solidFill>
@@ -12409,19 +15848,35 @@
               </a:rPr>
               <a:t>Top Pré-Dim le 12 juin</a:t>
             </a:r>
-            <a:endParaRPr dirty="0"/>
+            <a:endParaRPr sz="1400" b="0" i="0" u="none" strike="noStrike" cap="none">
+              <a:solidFill>
+                <a:srgbClr val="000000"/>
+              </a:solidFill>
+              <a:latin typeface="Arial"/>
+              <a:ea typeface="Arial"/>
+              <a:cs typeface="Arial"/>
+              <a:sym typeface="Arial"/>
+            </a:endParaRPr>
           </a:p>
           <a:p>
             <a:pPr marL="0" marR="0" lvl="0" indent="0" algn="l" rtl="0">
-              <a:spcBef>
-                <a:spcPts val="0"/>
-              </a:spcBef>
-              <a:spcAft>
-                <a:spcPts val="0"/>
-              </a:spcAft>
+              <a:lnSpc>
+                <a:spcPct val="100000"/>
+              </a:lnSpc>
+              <a:spcBef>
+                <a:spcPts val="0"/>
+              </a:spcBef>
+              <a:spcAft>
+                <a:spcPts val="0"/>
+              </a:spcAft>
+              <a:buClr>
+                <a:srgbClr val="000000"/>
+              </a:buClr>
+              <a:buSzPts val="2000"/>
+              <a:buFont typeface="Arial"/>
               <a:buNone/>
             </a:pPr>
-            <a:endParaRPr sz="2000" dirty="0">
+            <a:endParaRPr sz="2000" b="0" i="0" u="none" strike="noStrike" cap="none">
               <a:solidFill>
                 <a:schemeClr val="dk1"/>
               </a:solidFill>
